--- a/chapters/figures_chapters_1_2/Chapter01/figures_PPT.pptx
+++ b/chapters/figures_chapters_1_2/Chapter01/figures_PPT.pptx
@@ -243,7 +243,7 @@
           <a:p>
             <a:fld id="{D25EE769-EC14-4089-BCC7-B0C4A40ED0F9}" type="datetimeFigureOut">
               <a:rPr lang="en-US" smtClean="0"/>
-              <a:t>10/21/2016</a:t>
+              <a:t>10/22/2016</a:t>
             </a:fld>
             <a:endParaRPr lang="en-US"/>
           </a:p>
@@ -413,7 +413,7 @@
           <a:p>
             <a:fld id="{D25EE769-EC14-4089-BCC7-B0C4A40ED0F9}" type="datetimeFigureOut">
               <a:rPr lang="en-US" smtClean="0"/>
-              <a:t>10/21/2016</a:t>
+              <a:t>10/22/2016</a:t>
             </a:fld>
             <a:endParaRPr lang="en-US"/>
           </a:p>
@@ -593,7 +593,7 @@
           <a:p>
             <a:fld id="{D25EE769-EC14-4089-BCC7-B0C4A40ED0F9}" type="datetimeFigureOut">
               <a:rPr lang="en-US" smtClean="0"/>
-              <a:t>10/21/2016</a:t>
+              <a:t>10/22/2016</a:t>
             </a:fld>
             <a:endParaRPr lang="en-US"/>
           </a:p>
@@ -763,7 +763,7 @@
           <a:p>
             <a:fld id="{D25EE769-EC14-4089-BCC7-B0C4A40ED0F9}" type="datetimeFigureOut">
               <a:rPr lang="en-US" smtClean="0"/>
-              <a:t>10/21/2016</a:t>
+              <a:t>10/22/2016</a:t>
             </a:fld>
             <a:endParaRPr lang="en-US"/>
           </a:p>
@@ -1007,7 +1007,7 @@
           <a:p>
             <a:fld id="{D25EE769-EC14-4089-BCC7-B0C4A40ED0F9}" type="datetimeFigureOut">
               <a:rPr lang="en-US" smtClean="0"/>
-              <a:t>10/21/2016</a:t>
+              <a:t>10/22/2016</a:t>
             </a:fld>
             <a:endParaRPr lang="en-US"/>
           </a:p>
@@ -1239,7 +1239,7 @@
           <a:p>
             <a:fld id="{D25EE769-EC14-4089-BCC7-B0C4A40ED0F9}" type="datetimeFigureOut">
               <a:rPr lang="en-US" smtClean="0"/>
-              <a:t>10/21/2016</a:t>
+              <a:t>10/22/2016</a:t>
             </a:fld>
             <a:endParaRPr lang="en-US"/>
           </a:p>
@@ -1606,7 +1606,7 @@
           <a:p>
             <a:fld id="{D25EE769-EC14-4089-BCC7-B0C4A40ED0F9}" type="datetimeFigureOut">
               <a:rPr lang="en-US" smtClean="0"/>
-              <a:t>10/21/2016</a:t>
+              <a:t>10/22/2016</a:t>
             </a:fld>
             <a:endParaRPr lang="en-US"/>
           </a:p>
@@ -1724,7 +1724,7 @@
           <a:p>
             <a:fld id="{D25EE769-EC14-4089-BCC7-B0C4A40ED0F9}" type="datetimeFigureOut">
               <a:rPr lang="en-US" smtClean="0"/>
-              <a:t>10/21/2016</a:t>
+              <a:t>10/22/2016</a:t>
             </a:fld>
             <a:endParaRPr lang="en-US"/>
           </a:p>
@@ -1819,7 +1819,7 @@
           <a:p>
             <a:fld id="{D25EE769-EC14-4089-BCC7-B0C4A40ED0F9}" type="datetimeFigureOut">
               <a:rPr lang="en-US" smtClean="0"/>
-              <a:t>10/21/2016</a:t>
+              <a:t>10/22/2016</a:t>
             </a:fld>
             <a:endParaRPr lang="en-US"/>
           </a:p>
@@ -2096,7 +2096,7 @@
           <a:p>
             <a:fld id="{D25EE769-EC14-4089-BCC7-B0C4A40ED0F9}" type="datetimeFigureOut">
               <a:rPr lang="en-US" smtClean="0"/>
-              <a:t>10/21/2016</a:t>
+              <a:t>10/22/2016</a:t>
             </a:fld>
             <a:endParaRPr lang="en-US"/>
           </a:p>
@@ -2353,7 +2353,7 @@
           <a:p>
             <a:fld id="{D25EE769-EC14-4089-BCC7-B0C4A40ED0F9}" type="datetimeFigureOut">
               <a:rPr lang="en-US" smtClean="0"/>
-              <a:t>10/21/2016</a:t>
+              <a:t>10/22/2016</a:t>
             </a:fld>
             <a:endParaRPr lang="en-US"/>
           </a:p>
@@ -2566,7 +2566,7 @@
           <a:p>
             <a:fld id="{D25EE769-EC14-4089-BCC7-B0C4A40ED0F9}" type="datetimeFigureOut">
               <a:rPr lang="en-US" smtClean="0"/>
-              <a:t>10/21/2016</a:t>
+              <a:t>10/22/2016</a:t>
             </a:fld>
             <a:endParaRPr lang="en-US"/>
           </a:p>
@@ -3741,7 +3741,7 @@
       </p:sp>
       <p:grpSp>
         <p:nvGrpSpPr>
-          <p:cNvPr id="4" name="Group 3"/>
+          <p:cNvPr id="10" name="Group 9"/>
           <p:cNvGrpSpPr/>
           <p:nvPr/>
         </p:nvGrpSpPr>
@@ -3755,1455 +3755,7 @@
         </p:grpSpPr>
         <p:grpSp>
           <p:nvGrpSpPr>
-            <p:cNvPr id="2" name="Group 1"/>
-            <p:cNvGrpSpPr/>
-            <p:nvPr/>
-          </p:nvGrpSpPr>
-          <p:grpSpPr>
-            <a:xfrm>
-              <a:off x="70377" y="283005"/>
-              <a:ext cx="5370278" cy="2390120"/>
-              <a:chOff x="70377" y="283005"/>
-              <a:chExt cx="5370278" cy="2390120"/>
-            </a:xfrm>
-          </p:grpSpPr>
-          <p:sp>
-            <p:nvSpPr>
-              <p:cNvPr id="20" name="Rectangle 19"/>
-              <p:cNvSpPr/>
-              <p:nvPr/>
-            </p:nvSpPr>
-            <p:spPr>
-              <a:xfrm>
-                <a:off x="70377" y="283005"/>
-                <a:ext cx="5311754" cy="2377440"/>
-              </a:xfrm>
-              <a:prstGeom prst="rect">
-                <a:avLst/>
-              </a:prstGeom>
-              <a:solidFill>
-                <a:srgbClr val="302E30"/>
-              </a:solidFill>
-              <a:ln w="6350">
-                <a:solidFill>
-                  <a:schemeClr val="tx1">
-                    <a:lumMod val="65000"/>
-                    <a:lumOff val="35000"/>
-                  </a:schemeClr>
-                </a:solidFill>
-              </a:ln>
-            </p:spPr>
-            <p:style>
-              <a:lnRef idx="2">
-                <a:schemeClr val="accent1">
-                  <a:shade val="50000"/>
-                </a:schemeClr>
-              </a:lnRef>
-              <a:fillRef idx="1">
-                <a:schemeClr val="accent1"/>
-              </a:fillRef>
-              <a:effectRef idx="0">
-                <a:schemeClr val="accent1"/>
-              </a:effectRef>
-              <a:fontRef idx="minor">
-                <a:schemeClr val="lt1"/>
-              </a:fontRef>
-            </p:style>
-            <p:txBody>
-              <a:bodyPr rtlCol="0" anchor="ctr"/>
-              <a:lstStyle/>
-              <a:p>
-                <a:pPr algn="ctr"/>
-                <a:endParaRPr lang="en-US" sz="1100"/>
-              </a:p>
-            </p:txBody>
-          </p:sp>
-          <p:cxnSp>
-            <p:nvCxnSpPr>
-              <p:cNvPr id="17" name="Straight Connector 16"/>
-              <p:cNvCxnSpPr/>
-              <p:nvPr/>
-            </p:nvCxnSpPr>
-            <p:spPr>
-              <a:xfrm>
-                <a:off x="70399" y="1056757"/>
-                <a:ext cx="5257996" cy="0"/>
-              </a:xfrm>
-              <a:prstGeom prst="line">
-                <a:avLst/>
-              </a:prstGeom>
-              <a:ln w="9525">
-                <a:solidFill>
-                  <a:srgbClr val="F5504E"/>
-                </a:solidFill>
-                <a:prstDash val="dash"/>
-              </a:ln>
-            </p:spPr>
-            <p:style>
-              <a:lnRef idx="1">
-                <a:schemeClr val="accent1"/>
-              </a:lnRef>
-              <a:fillRef idx="0">
-                <a:schemeClr val="accent1"/>
-              </a:fillRef>
-              <a:effectRef idx="0">
-                <a:schemeClr val="accent1"/>
-              </a:effectRef>
-              <a:fontRef idx="minor">
-                <a:schemeClr val="tx1"/>
-              </a:fontRef>
-            </p:style>
-          </p:cxnSp>
-          <p:pic>
-            <p:nvPicPr>
-              <p:cNvPr id="19" name="lens"/>
-              <p:cNvPicPr>
-                <a:picLocks noChangeAspect="1"/>
-              </p:cNvPicPr>
-              <p:nvPr/>
-            </p:nvPicPr>
-            <p:blipFill>
-              <a:blip r:embed="rId2" cstate="print">
-                <a:extLst>
-                  <a:ext uri="{28A0092B-C50C-407E-A947-70E740481C1C}">
-                    <a14:useLocalDpi xmlns:a14="http://schemas.microsoft.com/office/drawing/2010/main" val="0"/>
-                  </a:ext>
-                </a:extLst>
-              </a:blip>
-              <a:stretch>
-                <a:fillRect/>
-              </a:stretch>
-            </p:blipFill>
-            <p:spPr>
-              <a:xfrm>
-                <a:off x="3914059" y="796434"/>
-                <a:ext cx="707239" cy="511257"/>
-              </a:xfrm>
-              <a:prstGeom prst="rect">
-                <a:avLst/>
-              </a:prstGeom>
-              <a:effectLst>
-                <a:outerShdw blurRad="50800" dist="38100" dir="5400000" algn="ctr" rotWithShape="0">
-                  <a:srgbClr val="000000">
-                    <a:alpha val="95000"/>
-                  </a:srgbClr>
-                </a:outerShdw>
-              </a:effectLst>
-            </p:spPr>
-          </p:pic>
-          <p:grpSp>
-            <p:nvGrpSpPr>
-              <p:cNvPr id="76" name="Group 75"/>
-              <p:cNvGrpSpPr/>
-              <p:nvPr/>
-            </p:nvGrpSpPr>
-            <p:grpSpPr>
-              <a:xfrm>
-                <a:off x="97165" y="740620"/>
-                <a:ext cx="1494658" cy="1299012"/>
-                <a:chOff x="1493618" y="4842570"/>
-                <a:chExt cx="1494658" cy="1299012"/>
-              </a:xfrm>
-              <a:effectLst>
-                <a:outerShdw blurRad="50800" dist="38100" dir="2700000" algn="tl" rotWithShape="0">
-                  <a:prstClr val="black">
-                    <a:alpha val="40000"/>
-                  </a:prstClr>
-                </a:outerShdw>
-              </a:effectLst>
-            </p:grpSpPr>
-            <p:pic>
-              <p:nvPicPr>
-                <p:cNvPr id="77" name="Picture 76"/>
-                <p:cNvPicPr>
-                  <a:picLocks noChangeAspect="1"/>
-                </p:cNvPicPr>
-                <p:nvPr/>
-              </p:nvPicPr>
-              <p:blipFill>
-                <a:blip r:embed="rId3" cstate="print">
-                  <a:extLst>
-                    <a:ext uri="{BEBA8EAE-BF5A-486C-A8C5-ECC9F3942E4B}">
-                      <a14:imgProps xmlns:a14="http://schemas.microsoft.com/office/drawing/2010/main">
-                        <a14:imgLayer r:embed="rId4">
-                          <a14:imgEffect>
-                            <a14:backgroundRemoval t="0" b="98499" l="6015" r="96241">
-                              <a14:foregroundMark x1="43985" y1="5658" x2="49624" y2="13857"/>
-                              <a14:foregroundMark x1="47368" y1="16975" x2="49624" y2="30023"/>
-                              <a14:foregroundMark x1="60526" y1="24134" x2="53759" y2="37182"/>
-                              <a14:foregroundMark x1="20301" y1="35797" x2="16917" y2="48152"/>
-                              <a14:foregroundMark x1="59398" y1="43995" x2="68421" y2="76674"/>
-                              <a14:foregroundMark x1="14662" y1="51617" x2="15789" y2="56005"/>
-                              <a14:foregroundMark x1="41729" y1="51963" x2="38346" y2="75982"/>
-                              <a14:foregroundMark x1="34962" y1="94804" x2="46241" y2="90993"/>
-                              <a14:foregroundMark x1="69549" y1="95843" x2="77444" y2="93418"/>
-                              <a14:foregroundMark x1="72932" y1="19400" x2="83083" y2="31640"/>
-                              <a14:foregroundMark x1="81955" y1="31986" x2="84211" y2="37875"/>
-                              <a14:foregroundMark x1="74060" y1="20323" x2="79699" y2="21016"/>
-                              <a14:foregroundMark x1="83459" y1="51501" x2="82707" y2="54388"/>
-                              <a14:foregroundMark x1="79699" y1="55081" x2="76692" y2="56351"/>
-                              <a14:foregroundMark x1="91729" y1="36721" x2="91729" y2="40531"/>
-                              <a14:foregroundMark x1="22932" y1="53349" x2="22180" y2="54965"/>
-                              <a14:foregroundMark x1="82331" y1="21709" x2="81955" y2="22171"/>
-                              <a14:foregroundMark x1="42105" y1="17321" x2="39098" y2="18014"/>
-                              <a14:foregroundMark x1="16541" y1="36143" x2="16541" y2="37644"/>
-                              <a14:backgroundMark x1="36090" y1="34296" x2="36090" y2="34296"/>
-                              <a14:backgroundMark x1="74060" y1="37529" x2="74060" y2="37529"/>
-                              <a14:backgroundMark x1="70301" y1="33372" x2="70301" y2="33372"/>
-                              <a14:backgroundMark x1="74060" y1="39607" x2="74060" y2="39607"/>
-                              <a14:backgroundMark x1="74436" y1="41801" x2="74436" y2="41801"/>
-                              <a14:backgroundMark x1="74436" y1="42610" x2="74436" y2="42610"/>
-                              <a14:backgroundMark x1="76336" y1="44162" x2="76336" y2="44162"/>
-                              <a14:backgroundMark x1="76336" y1="45431" x2="76336" y2="45431"/>
-                              <a14:backgroundMark x1="26718" y1="48731" x2="26718" y2="48731"/>
-                              <a14:backgroundMark x1="26718" y1="54061" x2="26718" y2="54061"/>
-                              <a14:backgroundMark x1="74046" y1="57360" x2="74046" y2="57360"/>
-                              <a14:backgroundMark x1="71756" y1="30203" x2="71756" y2="30203"/>
-                              <a14:backgroundMark x1="74046" y1="52792" x2="74046" y2="52792"/>
-                              <a14:backgroundMark x1="73282" y1="54061" x2="73282" y2="54061"/>
-                              <a14:backgroundMark x1="74046" y1="55584" x2="74046" y2="55584"/>
-                            </a14:backgroundRemoval>
-                          </a14:imgEffect>
-                        </a14:imgLayer>
-                      </a14:imgProps>
-                    </a:ext>
-                    <a:ext uri="{28A0092B-C50C-407E-A947-70E740481C1C}">
-                      <a14:useLocalDpi xmlns:a14="http://schemas.microsoft.com/office/drawing/2010/main" val="0"/>
-                    </a:ext>
-                  </a:extLst>
-                </a:blip>
-                <a:stretch>
-                  <a:fillRect/>
-                </a:stretch>
-              </p:blipFill>
-              <p:spPr>
-                <a:xfrm flipH="1">
-                  <a:off x="1493618" y="4842570"/>
-                  <a:ext cx="434112" cy="1299012"/>
-                </a:xfrm>
-                <a:prstGeom prst="rect">
-                  <a:avLst/>
-                </a:prstGeom>
-              </p:spPr>
-            </p:pic>
-            <p:pic>
-              <p:nvPicPr>
-                <p:cNvPr id="78" name="Picture 77"/>
-                <p:cNvPicPr>
-                  <a:picLocks noChangeAspect="1"/>
-                </p:cNvPicPr>
-                <p:nvPr/>
-              </p:nvPicPr>
-              <p:blipFill>
-                <a:blip r:embed="rId3" cstate="print">
-                  <a:extLst>
-                    <a:ext uri="{BEBA8EAE-BF5A-486C-A8C5-ECC9F3942E4B}">
-                      <a14:imgProps xmlns:a14="http://schemas.microsoft.com/office/drawing/2010/main">
-                        <a14:imgLayer r:embed="rId4">
-                          <a14:imgEffect>
-                            <a14:backgroundRemoval t="0" b="98499" l="6015" r="96241">
-                              <a14:foregroundMark x1="43985" y1="5658" x2="49624" y2="13857"/>
-                              <a14:foregroundMark x1="47368" y1="16975" x2="49624" y2="30023"/>
-                              <a14:foregroundMark x1="60526" y1="24134" x2="53759" y2="37182"/>
-                              <a14:foregroundMark x1="20301" y1="35797" x2="16917" y2="48152"/>
-                              <a14:foregroundMark x1="59398" y1="43995" x2="68421" y2="76674"/>
-                              <a14:foregroundMark x1="14662" y1="51617" x2="15789" y2="56005"/>
-                              <a14:foregroundMark x1="41729" y1="51963" x2="38346" y2="75982"/>
-                              <a14:foregroundMark x1="34962" y1="94804" x2="46241" y2="90993"/>
-                              <a14:foregroundMark x1="69549" y1="95843" x2="77444" y2="93418"/>
-                              <a14:foregroundMark x1="72932" y1="19400" x2="83083" y2="31640"/>
-                              <a14:foregroundMark x1="81955" y1="31986" x2="84211" y2="37875"/>
-                              <a14:foregroundMark x1="74060" y1="20323" x2="79699" y2="21016"/>
-                              <a14:foregroundMark x1="83459" y1="51501" x2="82707" y2="54388"/>
-                              <a14:foregroundMark x1="79699" y1="55081" x2="76692" y2="56351"/>
-                              <a14:foregroundMark x1="91729" y1="36721" x2="91729" y2="40531"/>
-                              <a14:foregroundMark x1="22932" y1="53349" x2="22180" y2="54965"/>
-                              <a14:foregroundMark x1="82331" y1="21709" x2="81955" y2="22171"/>
-                              <a14:foregroundMark x1="42105" y1="17321" x2="39098" y2="18014"/>
-                              <a14:foregroundMark x1="16541" y1="36143" x2="16541" y2="37644"/>
-                              <a14:backgroundMark x1="36090" y1="34296" x2="36090" y2="34296"/>
-                              <a14:backgroundMark x1="74060" y1="37529" x2="74060" y2="37529"/>
-                              <a14:backgroundMark x1="70301" y1="33372" x2="70301" y2="33372"/>
-                              <a14:backgroundMark x1="74060" y1="39607" x2="74060" y2="39607"/>
-                              <a14:backgroundMark x1="74436" y1="41801" x2="74436" y2="41801"/>
-                              <a14:backgroundMark x1="74436" y1="42610" x2="74436" y2="42610"/>
-                              <a14:backgroundMark x1="76336" y1="44162" x2="76336" y2="44162"/>
-                              <a14:backgroundMark x1="76336" y1="45431" x2="76336" y2="45431"/>
-                              <a14:backgroundMark x1="26718" y1="48731" x2="26718" y2="48731"/>
-                              <a14:backgroundMark x1="26718" y1="54061" x2="26718" y2="54061"/>
-                              <a14:backgroundMark x1="74046" y1="57360" x2="74046" y2="57360"/>
-                              <a14:backgroundMark x1="71756" y1="30203" x2="71756" y2="30203"/>
-                              <a14:backgroundMark x1="74046" y1="52792" x2="74046" y2="52792"/>
-                              <a14:backgroundMark x1="73282" y1="54061" x2="73282" y2="54061"/>
-                              <a14:backgroundMark x1="74046" y1="55584" x2="74046" y2="55584"/>
-                            </a14:backgroundRemoval>
-                          </a14:imgEffect>
-                        </a14:imgLayer>
-                      </a14:imgProps>
-                    </a:ext>
-                    <a:ext uri="{28A0092B-C50C-407E-A947-70E740481C1C}">
-                      <a14:useLocalDpi xmlns:a14="http://schemas.microsoft.com/office/drawing/2010/main" val="0"/>
-                    </a:ext>
-                  </a:extLst>
-                </a:blip>
-                <a:stretch>
-                  <a:fillRect/>
-                </a:stretch>
-              </p:blipFill>
-              <p:spPr>
-                <a:xfrm flipH="1">
-                  <a:off x="1990675" y="4842570"/>
-                  <a:ext cx="434112" cy="1299012"/>
-                </a:xfrm>
-                <a:prstGeom prst="rect">
-                  <a:avLst/>
-                </a:prstGeom>
-              </p:spPr>
-            </p:pic>
-            <p:pic>
-              <p:nvPicPr>
-                <p:cNvPr id="79" name="Picture 78"/>
-                <p:cNvPicPr>
-                  <a:picLocks noChangeAspect="1"/>
-                </p:cNvPicPr>
-                <p:nvPr/>
-              </p:nvPicPr>
-              <p:blipFill>
-                <a:blip r:embed="rId3" cstate="print">
-                  <a:extLst>
-                    <a:ext uri="{BEBA8EAE-BF5A-486C-A8C5-ECC9F3942E4B}">
-                      <a14:imgProps xmlns:a14="http://schemas.microsoft.com/office/drawing/2010/main">
-                        <a14:imgLayer r:embed="rId4">
-                          <a14:imgEffect>
-                            <a14:backgroundRemoval t="0" b="98499" l="6015" r="96241">
-                              <a14:foregroundMark x1="43985" y1="5658" x2="49624" y2="13857"/>
-                              <a14:foregroundMark x1="47368" y1="16975" x2="49624" y2="30023"/>
-                              <a14:foregroundMark x1="60526" y1="24134" x2="53759" y2="37182"/>
-                              <a14:foregroundMark x1="20301" y1="35797" x2="16917" y2="48152"/>
-                              <a14:foregroundMark x1="59398" y1="43995" x2="68421" y2="76674"/>
-                              <a14:foregroundMark x1="14662" y1="51617" x2="15789" y2="56005"/>
-                              <a14:foregroundMark x1="41729" y1="51963" x2="38346" y2="75982"/>
-                              <a14:foregroundMark x1="34962" y1="94804" x2="46241" y2="90993"/>
-                              <a14:foregroundMark x1="69549" y1="95843" x2="77444" y2="93418"/>
-                              <a14:foregroundMark x1="72932" y1="19400" x2="83083" y2="31640"/>
-                              <a14:foregroundMark x1="81955" y1="31986" x2="84211" y2="37875"/>
-                              <a14:foregroundMark x1="74060" y1="20323" x2="79699" y2="21016"/>
-                              <a14:foregroundMark x1="83459" y1="51501" x2="82707" y2="54388"/>
-                              <a14:foregroundMark x1="79699" y1="55081" x2="76692" y2="56351"/>
-                              <a14:foregroundMark x1="91729" y1="36721" x2="91729" y2="40531"/>
-                              <a14:foregroundMark x1="22932" y1="53349" x2="22180" y2="54965"/>
-                              <a14:foregroundMark x1="82331" y1="21709" x2="81955" y2="22171"/>
-                              <a14:foregroundMark x1="42105" y1="17321" x2="39098" y2="18014"/>
-                              <a14:foregroundMark x1="16541" y1="36143" x2="16541" y2="37644"/>
-                              <a14:backgroundMark x1="36090" y1="34296" x2="36090" y2="34296"/>
-                              <a14:backgroundMark x1="74060" y1="37529" x2="74060" y2="37529"/>
-                              <a14:backgroundMark x1="70301" y1="33372" x2="70301" y2="33372"/>
-                              <a14:backgroundMark x1="74060" y1="39607" x2="74060" y2="39607"/>
-                              <a14:backgroundMark x1="74436" y1="41801" x2="74436" y2="41801"/>
-                              <a14:backgroundMark x1="74436" y1="42610" x2="74436" y2="42610"/>
-                              <a14:backgroundMark x1="76336" y1="44162" x2="76336" y2="44162"/>
-                              <a14:backgroundMark x1="76336" y1="45431" x2="76336" y2="45431"/>
-                              <a14:backgroundMark x1="26718" y1="48731" x2="26718" y2="48731"/>
-                              <a14:backgroundMark x1="26718" y1="54061" x2="26718" y2="54061"/>
-                              <a14:backgroundMark x1="74046" y1="57360" x2="74046" y2="57360"/>
-                              <a14:backgroundMark x1="71756" y1="30203" x2="71756" y2="30203"/>
-                              <a14:backgroundMark x1="74046" y1="52792" x2="74046" y2="52792"/>
-                              <a14:backgroundMark x1="73282" y1="54061" x2="73282" y2="54061"/>
-                              <a14:backgroundMark x1="74046" y1="55584" x2="74046" y2="55584"/>
-                            </a14:backgroundRemoval>
-                          </a14:imgEffect>
-                        </a14:imgLayer>
-                      </a14:imgProps>
-                    </a:ext>
-                    <a:ext uri="{28A0092B-C50C-407E-A947-70E740481C1C}">
-                      <a14:useLocalDpi xmlns:a14="http://schemas.microsoft.com/office/drawing/2010/main" val="0"/>
-                    </a:ext>
-                  </a:extLst>
-                </a:blip>
-                <a:stretch>
-                  <a:fillRect/>
-                </a:stretch>
-              </p:blipFill>
-              <p:spPr>
-                <a:xfrm flipH="1">
-                  <a:off x="2554164" y="4842570"/>
-                  <a:ext cx="434112" cy="1299012"/>
-                </a:xfrm>
-                <a:prstGeom prst="rect">
-                  <a:avLst/>
-                </a:prstGeom>
-              </p:spPr>
-            </p:pic>
-          </p:grpSp>
-          <p:sp>
-            <p:nvSpPr>
-              <p:cNvPr id="29" name="Rectangle 28"/>
-              <p:cNvSpPr/>
-              <p:nvPr/>
-            </p:nvSpPr>
-            <p:spPr>
-              <a:xfrm>
-                <a:off x="335363" y="289177"/>
-                <a:ext cx="891458" cy="2377440"/>
-              </a:xfrm>
-              <a:prstGeom prst="rect">
-                <a:avLst/>
-              </a:prstGeom>
-              <a:solidFill>
-                <a:schemeClr val="bg2">
-                  <a:lumMod val="50000"/>
-                  <a:alpha val="38000"/>
-                </a:schemeClr>
-              </a:solidFill>
-              <a:ln>
-                <a:noFill/>
-              </a:ln>
-            </p:spPr>
-            <p:style>
-              <a:lnRef idx="2">
-                <a:schemeClr val="accent1">
-                  <a:shade val="50000"/>
-                </a:schemeClr>
-              </a:lnRef>
-              <a:fillRef idx="1">
-                <a:schemeClr val="accent1"/>
-              </a:fillRef>
-              <a:effectRef idx="0">
-                <a:schemeClr val="accent1"/>
-              </a:effectRef>
-              <a:fontRef idx="minor">
-                <a:schemeClr val="lt1"/>
-              </a:fontRef>
-            </p:style>
-            <p:txBody>
-              <a:bodyPr rtlCol="0" anchor="ctr"/>
-              <a:lstStyle/>
-              <a:p>
-                <a:pPr algn="ctr"/>
-                <a:endParaRPr lang="en-US" sz="1100"/>
-              </a:p>
-            </p:txBody>
-          </p:sp>
-          <p:cxnSp>
-            <p:nvCxnSpPr>
-              <p:cNvPr id="30" name="Straight Connector 29"/>
-              <p:cNvCxnSpPr/>
-              <p:nvPr/>
-            </p:nvCxnSpPr>
-            <p:spPr>
-              <a:xfrm>
-                <a:off x="852463" y="289177"/>
-                <a:ext cx="0" cy="2377440"/>
-              </a:xfrm>
-              <a:prstGeom prst="line">
-                <a:avLst/>
-              </a:prstGeom>
-              <a:ln w="12700" cap="rnd">
-                <a:solidFill>
-                  <a:srgbClr val="00FF99">
-                    <a:alpha val="94000"/>
-                  </a:srgbClr>
-                </a:solidFill>
-                <a:prstDash val="dash"/>
-              </a:ln>
-            </p:spPr>
-            <p:style>
-              <a:lnRef idx="1">
-                <a:schemeClr val="accent1"/>
-              </a:lnRef>
-              <a:fillRef idx="0">
-                <a:schemeClr val="accent1"/>
-              </a:fillRef>
-              <a:effectRef idx="0">
-                <a:schemeClr val="accent1"/>
-              </a:effectRef>
-              <a:fontRef idx="minor">
-                <a:schemeClr val="tx1"/>
-              </a:fontRef>
-            </p:style>
-          </p:cxnSp>
-          <p:cxnSp>
-            <p:nvCxnSpPr>
-              <p:cNvPr id="155" name="Straight Connector 154"/>
-              <p:cNvCxnSpPr/>
-              <p:nvPr/>
-            </p:nvCxnSpPr>
-            <p:spPr>
-              <a:xfrm>
-                <a:off x="5257800" y="426720"/>
-                <a:ext cx="0" cy="2068657"/>
-              </a:xfrm>
-              <a:prstGeom prst="line">
-                <a:avLst/>
-              </a:prstGeom>
-              <a:ln>
-                <a:solidFill>
-                  <a:schemeClr val="bg2">
-                    <a:lumMod val="75000"/>
-                    <a:alpha val="30000"/>
-                  </a:schemeClr>
-                </a:solidFill>
-                <a:prstDash val="dash"/>
-              </a:ln>
-            </p:spPr>
-            <p:style>
-              <a:lnRef idx="1">
-                <a:schemeClr val="accent1"/>
-              </a:lnRef>
-              <a:fillRef idx="0">
-                <a:schemeClr val="accent1"/>
-              </a:fillRef>
-              <a:effectRef idx="0">
-                <a:schemeClr val="accent1"/>
-              </a:effectRef>
-              <a:fontRef idx="minor">
-                <a:schemeClr val="tx1"/>
-              </a:fontRef>
-            </p:style>
-          </p:cxnSp>
-          <p:cxnSp>
-            <p:nvCxnSpPr>
-              <p:cNvPr id="27" name="Straight Connector 26"/>
-              <p:cNvCxnSpPr/>
-              <p:nvPr/>
-            </p:nvCxnSpPr>
-            <p:spPr>
-              <a:xfrm>
-                <a:off x="5260934" y="737034"/>
-                <a:ext cx="0" cy="632473"/>
-              </a:xfrm>
-              <a:prstGeom prst="line">
-                <a:avLst/>
-              </a:prstGeom>
-              <a:ln w="38100" cap="rnd">
-                <a:solidFill>
-                  <a:srgbClr val="777777"/>
-                </a:solidFill>
-                <a:round/>
-              </a:ln>
-              <a:effectLst>
-                <a:outerShdw blurRad="50800" dist="38100" dir="2700000" algn="tl" rotWithShape="0">
-                  <a:prstClr val="black">
-                    <a:alpha val="40000"/>
-                  </a:prstClr>
-                </a:outerShdw>
-              </a:effectLst>
-            </p:spPr>
-            <p:style>
-              <a:lnRef idx="1">
-                <a:schemeClr val="accent1"/>
-              </a:lnRef>
-              <a:fillRef idx="0">
-                <a:schemeClr val="accent1"/>
-              </a:fillRef>
-              <a:effectRef idx="0">
-                <a:schemeClr val="accent1"/>
-              </a:effectRef>
-              <a:fontRef idx="minor">
-                <a:schemeClr val="tx1"/>
-              </a:fontRef>
-            </p:style>
-          </p:cxnSp>
-          <p:cxnSp>
-            <p:nvCxnSpPr>
-              <p:cNvPr id="156" name="Straight Connector 155"/>
-              <p:cNvCxnSpPr/>
-              <p:nvPr/>
-            </p:nvCxnSpPr>
-            <p:spPr>
-              <a:xfrm>
-                <a:off x="5196840" y="426720"/>
-                <a:ext cx="0" cy="2068657"/>
-              </a:xfrm>
-              <a:prstGeom prst="line">
-                <a:avLst/>
-              </a:prstGeom>
-              <a:ln>
-                <a:solidFill>
-                  <a:schemeClr val="bg2">
-                    <a:lumMod val="75000"/>
-                    <a:alpha val="30000"/>
-                  </a:schemeClr>
-                </a:solidFill>
-                <a:prstDash val="dash"/>
-              </a:ln>
-            </p:spPr>
-            <p:style>
-              <a:lnRef idx="1">
-                <a:schemeClr val="accent1"/>
-              </a:lnRef>
-              <a:fillRef idx="0">
-                <a:schemeClr val="accent1"/>
-              </a:fillRef>
-              <a:effectRef idx="0">
-                <a:schemeClr val="accent1"/>
-              </a:effectRef>
-              <a:fontRef idx="minor">
-                <a:schemeClr val="tx1"/>
-              </a:fontRef>
-            </p:style>
-          </p:cxnSp>
-          <p:cxnSp>
-            <p:nvCxnSpPr>
-              <p:cNvPr id="157" name="Straight Connector 156"/>
-              <p:cNvCxnSpPr/>
-              <p:nvPr/>
-            </p:nvCxnSpPr>
-            <p:spPr>
-              <a:xfrm>
-                <a:off x="5318760" y="426720"/>
-                <a:ext cx="0" cy="2068657"/>
-              </a:xfrm>
-              <a:prstGeom prst="line">
-                <a:avLst/>
-              </a:prstGeom>
-              <a:ln>
-                <a:solidFill>
-                  <a:schemeClr val="bg2">
-                    <a:lumMod val="75000"/>
-                    <a:alpha val="30000"/>
-                  </a:schemeClr>
-                </a:solidFill>
-                <a:prstDash val="dash"/>
-              </a:ln>
-            </p:spPr>
-            <p:style>
-              <a:lnRef idx="1">
-                <a:schemeClr val="accent1"/>
-              </a:lnRef>
-              <a:fillRef idx="0">
-                <a:schemeClr val="accent1"/>
-              </a:fillRef>
-              <a:effectRef idx="0">
-                <a:schemeClr val="accent1"/>
-              </a:effectRef>
-              <a:fontRef idx="minor">
-                <a:schemeClr val="tx1"/>
-              </a:fontRef>
-            </p:style>
-          </p:cxnSp>
-          <p:cxnSp>
-            <p:nvCxnSpPr>
-              <p:cNvPr id="158" name="Straight Connector 157"/>
-              <p:cNvCxnSpPr/>
-              <p:nvPr/>
-            </p:nvCxnSpPr>
-            <p:spPr>
-              <a:xfrm>
-                <a:off x="3825240" y="426720"/>
-                <a:ext cx="0" cy="2068657"/>
-              </a:xfrm>
-              <a:prstGeom prst="line">
-                <a:avLst/>
-              </a:prstGeom>
-              <a:ln>
-                <a:solidFill>
-                  <a:schemeClr val="bg2">
-                    <a:lumMod val="75000"/>
-                    <a:alpha val="30000"/>
-                  </a:schemeClr>
-                </a:solidFill>
-                <a:prstDash val="dash"/>
-              </a:ln>
-            </p:spPr>
-            <p:style>
-              <a:lnRef idx="1">
-                <a:schemeClr val="accent1"/>
-              </a:lnRef>
-              <a:fillRef idx="0">
-                <a:schemeClr val="accent1"/>
-              </a:fillRef>
-              <a:effectRef idx="0">
-                <a:schemeClr val="accent1"/>
-              </a:effectRef>
-              <a:fontRef idx="minor">
-                <a:schemeClr val="tx1"/>
-              </a:fontRef>
-            </p:style>
-          </p:cxnSp>
-          <p:cxnSp>
-            <p:nvCxnSpPr>
-              <p:cNvPr id="159" name="Straight Connector 158"/>
-              <p:cNvCxnSpPr/>
-              <p:nvPr/>
-            </p:nvCxnSpPr>
-            <p:spPr>
-              <a:xfrm>
-                <a:off x="4290060" y="426720"/>
-                <a:ext cx="0" cy="2068657"/>
-              </a:xfrm>
-              <a:prstGeom prst="line">
-                <a:avLst/>
-              </a:prstGeom>
-              <a:ln>
-                <a:solidFill>
-                  <a:schemeClr val="bg2">
-                    <a:lumMod val="75000"/>
-                    <a:alpha val="30000"/>
-                  </a:schemeClr>
-                </a:solidFill>
-                <a:prstDash val="dash"/>
-              </a:ln>
-            </p:spPr>
-            <p:style>
-              <a:lnRef idx="1">
-                <a:schemeClr val="accent1"/>
-              </a:lnRef>
-              <a:fillRef idx="0">
-                <a:schemeClr val="accent1"/>
-              </a:fillRef>
-              <a:effectRef idx="0">
-                <a:schemeClr val="accent1"/>
-              </a:effectRef>
-              <a:fontRef idx="minor">
-                <a:schemeClr val="tx1"/>
-              </a:fontRef>
-            </p:style>
-          </p:cxnSp>
-          <p:cxnSp>
-            <p:nvCxnSpPr>
-              <p:cNvPr id="160" name="Straight Connector 159"/>
-              <p:cNvCxnSpPr/>
-              <p:nvPr/>
-            </p:nvCxnSpPr>
-            <p:spPr>
-              <a:xfrm>
-                <a:off x="4495800" y="426720"/>
-                <a:ext cx="0" cy="2068657"/>
-              </a:xfrm>
-              <a:prstGeom prst="line">
-                <a:avLst/>
-              </a:prstGeom>
-              <a:ln>
-                <a:solidFill>
-                  <a:schemeClr val="bg2">
-                    <a:lumMod val="75000"/>
-                    <a:alpha val="30000"/>
-                  </a:schemeClr>
-                </a:solidFill>
-                <a:prstDash val="dash"/>
-              </a:ln>
-            </p:spPr>
-            <p:style>
-              <a:lnRef idx="1">
-                <a:schemeClr val="accent1"/>
-              </a:lnRef>
-              <a:fillRef idx="0">
-                <a:schemeClr val="accent1"/>
-              </a:fillRef>
-              <a:effectRef idx="0">
-                <a:schemeClr val="accent1"/>
-              </a:effectRef>
-              <a:fontRef idx="minor">
-                <a:schemeClr val="tx1"/>
-              </a:fontRef>
-            </p:style>
-          </p:cxnSp>
-          <p:sp>
-            <p:nvSpPr>
-              <p:cNvPr id="162" name="TextBox 161"/>
-              <p:cNvSpPr txBox="1"/>
-              <p:nvPr/>
-            </p:nvSpPr>
-            <p:spPr>
-              <a:xfrm>
-                <a:off x="2865755" y="847714"/>
-                <a:ext cx="855685" cy="246221"/>
-              </a:xfrm>
-              <a:prstGeom prst="rect">
-                <a:avLst/>
-              </a:prstGeom>
-              <a:noFill/>
-            </p:spPr>
-            <p:txBody>
-              <a:bodyPr wrap="square" rtlCol="0">
-                <a:spAutoFit/>
-              </a:bodyPr>
-              <a:lstStyle/>
-              <a:p>
-                <a:r>
-                  <a:rPr lang="en-US" sz="1000">
-                    <a:solidFill>
-                      <a:srgbClr val="6B6767"/>
-                    </a:solidFill>
-                    <a:latin typeface="Times New Roman" panose="02020603050405020304" pitchFamily="18" charset="0"/>
-                    <a:cs typeface="Times New Roman" panose="02020603050405020304" pitchFamily="18" charset="0"/>
-                  </a:rPr>
-                  <a:t>Optical axis</a:t>
-                </a:r>
-                <a:endParaRPr lang="en-US" sz="1000" dirty="0">
-                  <a:solidFill>
-                    <a:srgbClr val="6B6767"/>
-                  </a:solidFill>
-                  <a:latin typeface="Times New Roman" panose="02020603050405020304" pitchFamily="18" charset="0"/>
-                  <a:cs typeface="Times New Roman" panose="02020603050405020304" pitchFamily="18" charset="0"/>
-                </a:endParaRPr>
-              </a:p>
-            </p:txBody>
-          </p:sp>
-          <p:sp>
-            <p:nvSpPr>
-              <p:cNvPr id="163" name="TextBox 162"/>
-              <p:cNvSpPr txBox="1"/>
-              <p:nvPr/>
-            </p:nvSpPr>
-            <p:spPr>
-              <a:xfrm>
-                <a:off x="1251889" y="2136838"/>
-                <a:ext cx="1726027" cy="246221"/>
-              </a:xfrm>
-              <a:prstGeom prst="rect">
-                <a:avLst/>
-              </a:prstGeom>
-              <a:noFill/>
-            </p:spPr>
-            <p:txBody>
-              <a:bodyPr wrap="square" rtlCol="0">
-                <a:spAutoFit/>
-              </a:bodyPr>
-              <a:lstStyle/>
-              <a:p>
-                <a:r>
-                  <a:rPr lang="en-US" sz="1000" dirty="0">
-                    <a:solidFill>
-                      <a:srgbClr val="00FF99"/>
-                    </a:solidFill>
-                    <a:latin typeface="+mj-lt"/>
-                  </a:rPr>
-                  <a:t>Plane </a:t>
-                </a:r>
-                <a:r>
-                  <a:rPr lang="en-US" sz="1000">
-                    <a:solidFill>
-                      <a:srgbClr val="00FF99"/>
-                    </a:solidFill>
-                    <a:latin typeface="+mj-lt"/>
-                  </a:rPr>
-                  <a:t>of Sharp Focus (PoSF)</a:t>
-                </a:r>
-                <a:endParaRPr lang="en-US" sz="1000" dirty="0">
-                  <a:solidFill>
-                    <a:srgbClr val="00FF99"/>
-                  </a:solidFill>
-                  <a:latin typeface="+mj-lt"/>
-                </a:endParaRPr>
-              </a:p>
-            </p:txBody>
-          </p:sp>
-          <p:cxnSp>
-            <p:nvCxnSpPr>
-              <p:cNvPr id="165" name="Straight Arrow Connector 164"/>
-              <p:cNvCxnSpPr/>
-              <p:nvPr/>
-            </p:nvCxnSpPr>
-            <p:spPr>
-              <a:xfrm flipV="1">
-                <a:off x="332230" y="2598542"/>
-                <a:ext cx="894591" cy="0"/>
-              </a:xfrm>
-              <a:prstGeom prst="straightConnector1">
-                <a:avLst/>
-              </a:prstGeom>
-              <a:ln w="12700">
-                <a:solidFill>
-                  <a:srgbClr val="FFFF00"/>
-                </a:solidFill>
-                <a:headEnd type="arrow" w="med" len="sm"/>
-                <a:tailEnd type="arrow" w="med" len="sm"/>
-              </a:ln>
-            </p:spPr>
-            <p:style>
-              <a:lnRef idx="1">
-                <a:schemeClr val="accent1"/>
-              </a:lnRef>
-              <a:fillRef idx="0">
-                <a:schemeClr val="accent1"/>
-              </a:fillRef>
-              <a:effectRef idx="0">
-                <a:schemeClr val="accent1"/>
-              </a:effectRef>
-              <a:fontRef idx="minor">
-                <a:schemeClr val="tx1"/>
-              </a:fontRef>
-            </p:style>
-          </p:cxnSp>
-          <p:sp>
-            <p:nvSpPr>
-              <p:cNvPr id="169" name="TextBox 168"/>
-              <p:cNvSpPr txBox="1"/>
-              <p:nvPr/>
-            </p:nvSpPr>
-            <p:spPr>
-              <a:xfrm>
-                <a:off x="1250292" y="2271923"/>
-                <a:ext cx="1357822" cy="246221"/>
-              </a:xfrm>
-              <a:prstGeom prst="rect">
-                <a:avLst/>
-              </a:prstGeom>
-              <a:noFill/>
-            </p:spPr>
-            <p:txBody>
-              <a:bodyPr wrap="square" rtlCol="0">
-                <a:spAutoFit/>
-              </a:bodyPr>
-              <a:lstStyle/>
-              <a:p>
-                <a:r>
-                  <a:rPr lang="en-US" sz="1000">
-                    <a:solidFill>
-                      <a:srgbClr val="00FF99"/>
-                    </a:solidFill>
-                    <a:latin typeface="+mj-lt"/>
-                  </a:rPr>
-                  <a:t>Depth of Field (DOF)</a:t>
-                </a:r>
-                <a:endParaRPr lang="en-US" sz="1000" dirty="0">
-                  <a:solidFill>
-                    <a:srgbClr val="00FF99"/>
-                  </a:solidFill>
-                  <a:latin typeface="+mj-lt"/>
-                </a:endParaRPr>
-              </a:p>
-            </p:txBody>
-          </p:sp>
-          <p:cxnSp>
-            <p:nvCxnSpPr>
-              <p:cNvPr id="173" name="Straight Arrow Connector 172"/>
-              <p:cNvCxnSpPr/>
-              <p:nvPr/>
-            </p:nvCxnSpPr>
-            <p:spPr>
-              <a:xfrm flipH="1" flipV="1">
-                <a:off x="872506" y="2259948"/>
-                <a:ext cx="448056" cy="0"/>
-              </a:xfrm>
-              <a:prstGeom prst="straightConnector1">
-                <a:avLst/>
-              </a:prstGeom>
-              <a:ln>
-                <a:solidFill>
-                  <a:schemeClr val="bg1">
-                    <a:lumMod val="85000"/>
-                  </a:schemeClr>
-                </a:solidFill>
-                <a:headEnd type="none" w="sm" len="med"/>
-                <a:tailEnd type="triangle" w="sm" len="med"/>
-              </a:ln>
-            </p:spPr>
-            <p:style>
-              <a:lnRef idx="1">
-                <a:schemeClr val="accent1"/>
-              </a:lnRef>
-              <a:fillRef idx="0">
-                <a:schemeClr val="accent1"/>
-              </a:fillRef>
-              <a:effectRef idx="0">
-                <a:schemeClr val="accent1"/>
-              </a:effectRef>
-              <a:fontRef idx="minor">
-                <a:schemeClr val="tx1"/>
-              </a:fontRef>
-            </p:style>
-          </p:cxnSp>
-          <mc:AlternateContent xmlns:mc="http://schemas.openxmlformats.org/markup-compatibility/2006" xmlns:a14="http://schemas.microsoft.com/office/drawing/2010/main">
-            <mc:Choice Requires="a14">
-              <p:sp>
-                <p:nvSpPr>
-                  <p:cNvPr id="176" name="TextBox 175"/>
-                  <p:cNvSpPr txBox="1"/>
-                  <p:nvPr/>
-                </p:nvSpPr>
-                <p:spPr>
-                  <a:xfrm>
-                    <a:off x="4410537" y="469562"/>
-                    <a:ext cx="320304" cy="246221"/>
-                  </a:xfrm>
-                  <a:prstGeom prst="rect">
-                    <a:avLst/>
-                  </a:prstGeom>
-                  <a:noFill/>
-                </p:spPr>
-                <p:txBody>
-                  <a:bodyPr wrap="square" rtlCol="0">
-                    <a:spAutoFit/>
-                  </a:bodyPr>
-                  <a:lstStyle/>
-                  <a:p>
-                    <a:pPr/>
-                    <a14:m>
-                      <m:oMathPara xmlns:m="http://schemas.openxmlformats.org/officeDocument/2006/math">
-                        <m:oMathParaPr>
-                          <m:jc m:val="centerGroup"/>
-                        </m:oMathParaPr>
-                        <m:oMath xmlns:m="http://schemas.openxmlformats.org/officeDocument/2006/math">
-                          <m:r>
-                            <a:rPr lang="en-US" sz="1000" i="1" smtClean="0">
-                              <a:solidFill>
-                                <a:schemeClr val="tx1">
-                                  <a:lumMod val="50000"/>
-                                  <a:lumOff val="50000"/>
-                                </a:schemeClr>
-                              </a:solidFill>
-                              <a:latin typeface="Cambria Math" panose="02040503050406030204" pitchFamily="18" charset="0"/>
-                              <a:cs typeface="Times New Roman" panose="02020603050405020304" pitchFamily="18" charset="0"/>
-                            </a:rPr>
-                            <m:t>𝐻</m:t>
-                          </m:r>
-                        </m:oMath>
-                      </m:oMathPara>
-                    </a14:m>
-                    <a:endParaRPr lang="en-US" sz="1000" dirty="0">
-                      <a:solidFill>
-                        <a:schemeClr val="tx1">
-                          <a:lumMod val="50000"/>
-                          <a:lumOff val="50000"/>
-                        </a:schemeClr>
-                      </a:solidFill>
-                      <a:latin typeface="Times New Roman" panose="02020603050405020304" pitchFamily="18" charset="0"/>
-                      <a:cs typeface="Times New Roman" panose="02020603050405020304" pitchFamily="18" charset="0"/>
-                    </a:endParaRPr>
-                  </a:p>
-                </p:txBody>
-              </p:sp>
-            </mc:Choice>
-            <mc:Fallback xmlns="">
-              <p:sp>
-                <p:nvSpPr>
-                  <p:cNvPr id="176" name="TextBox 175"/>
-                  <p:cNvSpPr txBox="1">
-                    <a:spLocks noRot="1" noChangeAspect="1" noMove="1" noResize="1" noEditPoints="1" noAdjustHandles="1" noChangeArrowheads="1" noChangeShapeType="1" noTextEdit="1"/>
-                  </p:cNvSpPr>
-                  <p:nvPr/>
-                </p:nvSpPr>
-                <p:spPr>
-                  <a:xfrm>
-                    <a:off x="4410537" y="469562"/>
-                    <a:ext cx="320304" cy="246221"/>
-                  </a:xfrm>
-                  <a:prstGeom prst="rect">
-                    <a:avLst/>
-                  </a:prstGeom>
-                  <a:blipFill>
-                    <a:blip r:embed="rId5"/>
-                    <a:stretch>
-                      <a:fillRect/>
-                    </a:stretch>
-                  </a:blipFill>
-                </p:spPr>
-                <p:txBody>
-                  <a:bodyPr/>
-                  <a:lstStyle/>
-                  <a:p>
-                    <a:r>
-                      <a:rPr lang="en-US">
-                        <a:noFill/>
-                      </a:rPr>
-                      <a:t> </a:t>
-                    </a:r>
-                  </a:p>
-                </p:txBody>
-              </p:sp>
-            </mc:Fallback>
-          </mc:AlternateContent>
-          <p:sp>
-            <p:nvSpPr>
-              <p:cNvPr id="177" name="TextBox 176"/>
-              <p:cNvSpPr txBox="1"/>
-              <p:nvPr/>
-            </p:nvSpPr>
-            <p:spPr>
-              <a:xfrm>
-                <a:off x="4624199" y="1616622"/>
-                <a:ext cx="563007" cy="246221"/>
-              </a:xfrm>
-              <a:prstGeom prst="rect">
-                <a:avLst/>
-              </a:prstGeom>
-              <a:noFill/>
-            </p:spPr>
-            <p:txBody>
-              <a:bodyPr wrap="square" rtlCol="0">
-                <a:spAutoFit/>
-              </a:bodyPr>
-              <a:lstStyle/>
-              <a:p>
-                <a:r>
-                  <a:rPr lang="en-US" sz="1000">
-                    <a:solidFill>
-                      <a:srgbClr val="00FF99"/>
-                    </a:solidFill>
-                    <a:latin typeface="+mj-lt"/>
-                  </a:rPr>
-                  <a:t>Sensor</a:t>
-                </a:r>
-                <a:endParaRPr lang="en-US" sz="1000" dirty="0">
-                  <a:solidFill>
-                    <a:srgbClr val="00FF99"/>
-                  </a:solidFill>
-                  <a:latin typeface="+mj-lt"/>
-                </a:endParaRPr>
-              </a:p>
-            </p:txBody>
-          </p:sp>
-          <p:sp>
-            <p:nvSpPr>
-              <p:cNvPr id="178" name="Arc 177"/>
-              <p:cNvSpPr/>
-              <p:nvPr/>
-            </p:nvSpPr>
-            <p:spPr>
-              <a:xfrm>
-                <a:off x="4572528" y="1108488"/>
-                <a:ext cx="690149" cy="690149"/>
-              </a:xfrm>
-              <a:prstGeom prst="arc">
-                <a:avLst>
-                  <a:gd name="adj1" fmla="val 21307292"/>
-                  <a:gd name="adj2" fmla="val 3641619"/>
-                </a:avLst>
-              </a:prstGeom>
-              <a:ln>
-                <a:solidFill>
-                  <a:schemeClr val="bg1">
-                    <a:lumMod val="85000"/>
-                  </a:schemeClr>
-                </a:solidFill>
-                <a:headEnd type="triangle" w="sm" len="med"/>
-                <a:tailEnd type="none"/>
-              </a:ln>
-            </p:spPr>
-            <p:style>
-              <a:lnRef idx="1">
-                <a:schemeClr val="accent1"/>
-              </a:lnRef>
-              <a:fillRef idx="0">
-                <a:schemeClr val="accent1"/>
-              </a:fillRef>
-              <a:effectRef idx="0">
-                <a:schemeClr val="accent1"/>
-              </a:effectRef>
-              <a:fontRef idx="minor">
-                <a:schemeClr val="tx1"/>
-              </a:fontRef>
-            </p:style>
-            <p:txBody>
-              <a:bodyPr rtlCol="0" anchor="ctr"/>
-              <a:lstStyle/>
-              <a:p>
-                <a:pPr algn="ctr"/>
-                <a:endParaRPr lang="en-US"/>
-              </a:p>
-            </p:txBody>
-          </p:sp>
-          <mc:AlternateContent xmlns:mc="http://schemas.openxmlformats.org/markup-compatibility/2006" xmlns:a14="http://schemas.microsoft.com/office/drawing/2010/main">
-            <mc:Choice Requires="a14">
-              <p:sp>
-                <p:nvSpPr>
-                  <p:cNvPr id="179" name="TextBox 178"/>
-                  <p:cNvSpPr txBox="1"/>
-                  <p:nvPr/>
-                </p:nvSpPr>
-                <p:spPr>
-                  <a:xfrm>
-                    <a:off x="4202064" y="469562"/>
-                    <a:ext cx="320304" cy="250646"/>
-                  </a:xfrm>
-                  <a:prstGeom prst="rect">
-                    <a:avLst/>
-                  </a:prstGeom>
-                  <a:noFill/>
-                </p:spPr>
-                <p:txBody>
-                  <a:bodyPr wrap="square" rtlCol="0">
-                    <a:spAutoFit/>
-                  </a:bodyPr>
-                  <a:lstStyle/>
-                  <a:p>
-                    <a:pPr/>
-                    <a14:m>
-                      <m:oMathPara xmlns:m="http://schemas.openxmlformats.org/officeDocument/2006/math">
-                        <m:oMathParaPr>
-                          <m:jc m:val="centerGroup"/>
-                        </m:oMathParaPr>
-                        <m:oMath xmlns:m="http://schemas.openxmlformats.org/officeDocument/2006/math">
-                          <m:acc>
-                            <m:accPr>
-                              <m:chr m:val="́"/>
-                              <m:ctrlPr>
-                                <a:rPr lang="en-US" sz="1000" b="0" i="1" smtClean="0">
-                                  <a:solidFill>
-                                    <a:schemeClr val="tx1">
-                                      <a:lumMod val="50000"/>
-                                      <a:lumOff val="50000"/>
-                                    </a:schemeClr>
-                                  </a:solidFill>
-                                  <a:latin typeface="Cambria Math" panose="02040503050406030204" pitchFamily="18" charset="0"/>
-                                  <a:cs typeface="Times New Roman" panose="02020603050405020304" pitchFamily="18" charset="0"/>
-                                </a:rPr>
-                              </m:ctrlPr>
-                            </m:accPr>
-                            <m:e>
-                              <m:r>
-                                <a:rPr lang="en-US" sz="1000" i="1" smtClean="0">
-                                  <a:solidFill>
-                                    <a:schemeClr val="tx1">
-                                      <a:lumMod val="50000"/>
-                                      <a:lumOff val="50000"/>
-                                    </a:schemeClr>
-                                  </a:solidFill>
-                                  <a:latin typeface="Cambria Math" panose="02040503050406030204" pitchFamily="18" charset="0"/>
-                                  <a:cs typeface="Times New Roman" panose="02020603050405020304" pitchFamily="18" charset="0"/>
-                                </a:rPr>
-                                <m:t>𝐻</m:t>
-                              </m:r>
-                            </m:e>
-                          </m:acc>
-                        </m:oMath>
-                      </m:oMathPara>
-                    </a14:m>
-                    <a:endParaRPr lang="en-US" sz="1000" dirty="0">
-                      <a:solidFill>
-                        <a:schemeClr val="tx1">
-                          <a:lumMod val="50000"/>
-                          <a:lumOff val="50000"/>
-                        </a:schemeClr>
-                      </a:solidFill>
-                      <a:latin typeface="Times New Roman" panose="02020603050405020304" pitchFamily="18" charset="0"/>
-                      <a:cs typeface="Times New Roman" panose="02020603050405020304" pitchFamily="18" charset="0"/>
-                    </a:endParaRPr>
-                  </a:p>
-                </p:txBody>
-              </p:sp>
-            </mc:Choice>
-            <mc:Fallback xmlns="">
-              <p:sp>
-                <p:nvSpPr>
-                  <p:cNvPr id="179" name="TextBox 178"/>
-                  <p:cNvSpPr txBox="1">
-                    <a:spLocks noRot="1" noChangeAspect="1" noMove="1" noResize="1" noEditPoints="1" noAdjustHandles="1" noChangeArrowheads="1" noChangeShapeType="1" noTextEdit="1"/>
-                  </p:cNvSpPr>
-                  <p:nvPr/>
-                </p:nvSpPr>
-                <p:spPr>
-                  <a:xfrm>
-                    <a:off x="4202064" y="469562"/>
-                    <a:ext cx="320304" cy="250646"/>
-                  </a:xfrm>
-                  <a:prstGeom prst="rect">
-                    <a:avLst/>
-                  </a:prstGeom>
-                  <a:blipFill>
-                    <a:blip r:embed="rId6"/>
-                    <a:stretch>
-                      <a:fillRect/>
-                    </a:stretch>
-                  </a:blipFill>
-                </p:spPr>
-                <p:txBody>
-                  <a:bodyPr/>
-                  <a:lstStyle/>
-                  <a:p>
-                    <a:r>
-                      <a:rPr lang="en-US">
-                        <a:noFill/>
-                      </a:rPr>
-                      <a:t> </a:t>
-                    </a:r>
-                  </a:p>
-                </p:txBody>
-              </p:sp>
-            </mc:Fallback>
-          </mc:AlternateContent>
-          <mc:AlternateContent xmlns:mc="http://schemas.openxmlformats.org/markup-compatibility/2006" xmlns:a14="http://schemas.microsoft.com/office/drawing/2010/main">
-            <mc:Choice Requires="a14">
-              <p:sp>
-                <p:nvSpPr>
-                  <p:cNvPr id="180" name="TextBox 179"/>
-                  <p:cNvSpPr txBox="1"/>
-                  <p:nvPr/>
-                </p:nvSpPr>
-                <p:spPr>
-                  <a:xfrm>
-                    <a:off x="3725118" y="469562"/>
-                    <a:ext cx="320304" cy="246221"/>
-                  </a:xfrm>
-                  <a:prstGeom prst="rect">
-                    <a:avLst/>
-                  </a:prstGeom>
-                  <a:noFill/>
-                </p:spPr>
-                <p:txBody>
-                  <a:bodyPr wrap="square" rtlCol="0">
-                    <a:spAutoFit/>
-                  </a:bodyPr>
-                  <a:lstStyle/>
-                  <a:p>
-                    <a:pPr/>
-                    <a14:m>
-                      <m:oMathPara xmlns:m="http://schemas.openxmlformats.org/officeDocument/2006/math">
-                        <m:oMathParaPr>
-                          <m:jc m:val="centerGroup"/>
-                        </m:oMathParaPr>
-                        <m:oMath xmlns:m="http://schemas.openxmlformats.org/officeDocument/2006/math">
-                          <m:r>
-                            <a:rPr lang="en-US" sz="1000" b="0" i="1" smtClean="0">
-                              <a:solidFill>
-                                <a:schemeClr val="tx1">
-                                  <a:lumMod val="50000"/>
-                                  <a:lumOff val="50000"/>
-                                </a:schemeClr>
-                              </a:solidFill>
-                              <a:latin typeface="Cambria Math" panose="02040503050406030204" pitchFamily="18" charset="0"/>
-                              <a:cs typeface="Times New Roman" panose="02020603050405020304" pitchFamily="18" charset="0"/>
-                            </a:rPr>
-                            <m:t>𝐹</m:t>
-                          </m:r>
-                        </m:oMath>
-                      </m:oMathPara>
-                    </a14:m>
-                    <a:endParaRPr lang="en-US" sz="1000" dirty="0">
-                      <a:solidFill>
-                        <a:schemeClr val="tx1">
-                          <a:lumMod val="50000"/>
-                          <a:lumOff val="50000"/>
-                        </a:schemeClr>
-                      </a:solidFill>
-                      <a:latin typeface="Times New Roman" panose="02020603050405020304" pitchFamily="18" charset="0"/>
-                      <a:cs typeface="Times New Roman" panose="02020603050405020304" pitchFamily="18" charset="0"/>
-                    </a:endParaRPr>
-                  </a:p>
-                </p:txBody>
-              </p:sp>
-            </mc:Choice>
-            <mc:Fallback xmlns="">
-              <p:sp>
-                <p:nvSpPr>
-                  <p:cNvPr id="180" name="TextBox 179"/>
-                  <p:cNvSpPr txBox="1">
-                    <a:spLocks noRot="1" noChangeAspect="1" noMove="1" noResize="1" noEditPoints="1" noAdjustHandles="1" noChangeArrowheads="1" noChangeShapeType="1" noTextEdit="1"/>
-                  </p:cNvSpPr>
-                  <p:nvPr/>
-                </p:nvSpPr>
-                <p:spPr>
-                  <a:xfrm>
-                    <a:off x="3725118" y="469562"/>
-                    <a:ext cx="320304" cy="246221"/>
-                  </a:xfrm>
-                  <a:prstGeom prst="rect">
-                    <a:avLst/>
-                  </a:prstGeom>
-                  <a:blipFill>
-                    <a:blip r:embed="rId7"/>
-                    <a:stretch>
-                      <a:fillRect/>
-                    </a:stretch>
-                  </a:blipFill>
-                </p:spPr>
-                <p:txBody>
-                  <a:bodyPr/>
-                  <a:lstStyle/>
-                  <a:p>
-                    <a:r>
-                      <a:rPr lang="en-US">
-                        <a:noFill/>
-                      </a:rPr>
-                      <a:t> </a:t>
-                    </a:r>
-                  </a:p>
-                </p:txBody>
-              </p:sp>
-            </mc:Fallback>
-          </mc:AlternateContent>
-          <p:sp>
-            <p:nvSpPr>
-              <p:cNvPr id="187" name="TextBox 186"/>
-              <p:cNvSpPr txBox="1"/>
-              <p:nvPr/>
-            </p:nvSpPr>
-            <p:spPr>
-              <a:xfrm>
-                <a:off x="5102101" y="2411515"/>
-                <a:ext cx="338554" cy="261610"/>
-              </a:xfrm>
-              <a:prstGeom prst="rect">
-                <a:avLst/>
-              </a:prstGeom>
-              <a:noFill/>
-            </p:spPr>
-            <p:txBody>
-              <a:bodyPr wrap="none" rtlCol="0">
-                <a:spAutoFit/>
-              </a:bodyPr>
-              <a:lstStyle/>
-              <a:p>
-                <a:r>
-                  <a:rPr lang="en-US" sz="1100">
-                    <a:solidFill>
-                      <a:schemeClr val="bg1">
-                        <a:lumMod val="95000"/>
-                      </a:schemeClr>
-                    </a:solidFill>
-                  </a:rPr>
-                  <a:t>(a)</a:t>
-                </a:r>
-              </a:p>
-            </p:txBody>
-          </p:sp>
-        </p:grpSp>
-        <p:sp>
-          <p:nvSpPr>
-            <p:cNvPr id="174" name="Arc 173"/>
-            <p:cNvSpPr/>
-            <p:nvPr/>
-          </p:nvSpPr>
-          <p:spPr>
-            <a:xfrm>
-              <a:off x="847895" y="2330274"/>
-              <a:ext cx="1554480" cy="1575770"/>
-            </a:xfrm>
-            <a:prstGeom prst="arc">
-              <a:avLst>
-                <a:gd name="adj1" fmla="val 13383903"/>
-                <a:gd name="adj2" fmla="val 14850917"/>
-              </a:avLst>
-            </a:prstGeom>
-            <a:ln>
-              <a:solidFill>
-                <a:schemeClr val="bg1">
-                  <a:lumMod val="85000"/>
-                </a:schemeClr>
-              </a:solidFill>
-              <a:headEnd type="triangle" w="sm" len="med"/>
-              <a:tailEnd type="none"/>
-            </a:ln>
-          </p:spPr>
-          <p:style>
-            <a:lnRef idx="1">
-              <a:schemeClr val="accent1"/>
-            </a:lnRef>
-            <a:fillRef idx="0">
-              <a:schemeClr val="accent1"/>
-            </a:fillRef>
-            <a:effectRef idx="0">
-              <a:schemeClr val="accent1"/>
-            </a:effectRef>
-            <a:fontRef idx="minor">
-              <a:schemeClr val="tx1"/>
-            </a:fontRef>
-          </p:style>
-          <p:txBody>
-            <a:bodyPr rtlCol="0" anchor="ctr"/>
-            <a:lstStyle/>
-            <a:p>
-              <a:pPr algn="ctr"/>
-              <a:endParaRPr lang="en-US"/>
-            </a:p>
-          </p:txBody>
-        </p:sp>
-        <p:grpSp>
-          <p:nvGrpSpPr>
-            <p:cNvPr id="3" name="Group 2"/>
+            <p:cNvPr id="9" name="Group 8"/>
             <p:cNvGrpSpPr/>
             <p:nvPr/>
           </p:nvGrpSpPr>
@@ -5302,46 +3854,6 @@
               </a:fontRef>
             </p:style>
           </p:cxnSp>
-          <p:cxnSp>
-            <p:nvCxnSpPr>
-              <p:cNvPr id="50" name="Straight Connector 49"/>
-              <p:cNvCxnSpPr/>
-              <p:nvPr/>
-            </p:nvCxnSpPr>
-            <p:spPr>
-              <a:xfrm>
-                <a:off x="546811" y="2812518"/>
-                <a:ext cx="4453164" cy="2188434"/>
-              </a:xfrm>
-              <a:prstGeom prst="line">
-                <a:avLst/>
-              </a:prstGeom>
-              <a:ln w="12700" cap="rnd">
-                <a:solidFill>
-                  <a:schemeClr val="tx1">
-                    <a:lumMod val="50000"/>
-                    <a:lumOff val="50000"/>
-                    <a:alpha val="88000"/>
-                  </a:schemeClr>
-                </a:solidFill>
-                <a:prstDash val="dash"/>
-              </a:ln>
-            </p:spPr>
-            <p:style>
-              <a:lnRef idx="1">
-                <a:schemeClr val="accent1"/>
-              </a:lnRef>
-              <a:fillRef idx="0">
-                <a:schemeClr val="accent1"/>
-              </a:fillRef>
-              <a:effectRef idx="0">
-                <a:schemeClr val="accent1"/>
-              </a:effectRef>
-              <a:fontRef idx="minor">
-                <a:schemeClr val="tx1"/>
-              </a:fontRef>
-            </p:style>
-          </p:cxnSp>
           <p:sp>
             <p:nvSpPr>
               <p:cNvPr id="55" name="TextBox 54"/>
@@ -5350,8 +3862,8 @@
             </p:nvSpPr>
             <p:spPr>
               <a:xfrm>
-                <a:off x="1740001" y="4373741"/>
-                <a:ext cx="1419125" cy="400110"/>
+                <a:off x="1539111" y="4394774"/>
+                <a:ext cx="1437926" cy="230832"/>
               </a:xfrm>
               <a:prstGeom prst="rect">
                 <a:avLst/>
@@ -5365,26 +3877,32 @@
               <a:lstStyle/>
               <a:p>
                 <a:r>
-                  <a:rPr lang="en-US" sz="1000" dirty="0">
+                  <a:rPr lang="en-US" sz="900" dirty="0">
                     <a:solidFill>
-                      <a:srgbClr val="00FF99"/>
+                      <a:schemeClr val="bg2">
+                        <a:lumMod val="90000"/>
+                      </a:schemeClr>
                     </a:solidFill>
                     <a:latin typeface="+mj-lt"/>
                   </a:rPr>
                   <a:t>Plane of </a:t>
                 </a:r>
                 <a:r>
-                  <a:rPr lang="en-US" sz="1000">
+                  <a:rPr lang="en-US" sz="900">
                     <a:solidFill>
-                      <a:srgbClr val="00FF99"/>
+                      <a:schemeClr val="bg2">
+                        <a:lumMod val="90000"/>
+                      </a:schemeClr>
                     </a:solidFill>
                     <a:latin typeface="+mj-lt"/>
                   </a:rPr>
                   <a:t>sharp focus (PoSF)</a:t>
                 </a:r>
-                <a:endParaRPr lang="en-US" sz="1000" dirty="0">
+                <a:endParaRPr lang="en-US" sz="900" dirty="0">
                   <a:solidFill>
-                    <a:srgbClr val="00FF99"/>
+                    <a:schemeClr val="bg2">
+                      <a:lumMod val="90000"/>
+                    </a:schemeClr>
                   </a:solidFill>
                   <a:latin typeface="+mj-lt"/>
                 </a:endParaRPr>
@@ -5421,11 +3939,11 @@
                 <p:nvPr/>
               </p:nvPicPr>
               <p:blipFill>
-                <a:blip r:embed="rId3" cstate="print">
+                <a:blip r:embed="rId2" cstate="print">
                   <a:extLst>
                     <a:ext uri="{BEBA8EAE-BF5A-486C-A8C5-ECC9F3942E4B}">
                       <a14:imgProps xmlns:a14="http://schemas.microsoft.com/office/drawing/2010/main">
-                        <a14:imgLayer r:embed="rId4">
+                        <a14:imgLayer r:embed="rId3">
                           <a14:imgEffect>
                             <a14:backgroundRemoval t="0" b="98499" l="6015" r="96241">
                               <a14:foregroundMark x1="43985" y1="5658" x2="49624" y2="13857"/>
@@ -5495,11 +4013,11 @@
                 <p:nvPr/>
               </p:nvPicPr>
               <p:blipFill>
-                <a:blip r:embed="rId3" cstate="print">
+                <a:blip r:embed="rId2" cstate="print">
                   <a:extLst>
                     <a:ext uri="{BEBA8EAE-BF5A-486C-A8C5-ECC9F3942E4B}">
                       <a14:imgProps xmlns:a14="http://schemas.microsoft.com/office/drawing/2010/main">
-                        <a14:imgLayer r:embed="rId4">
+                        <a14:imgLayer r:embed="rId3">
                           <a14:imgEffect>
                             <a14:backgroundRemoval t="0" b="98499" l="6015" r="96241">
                               <a14:foregroundMark x1="43985" y1="5658" x2="49624" y2="13857"/>
@@ -5569,11 +4087,11 @@
                 <p:nvPr/>
               </p:nvPicPr>
               <p:blipFill>
-                <a:blip r:embed="rId3" cstate="print">
+                <a:blip r:embed="rId2" cstate="print">
                   <a:extLst>
                     <a:ext uri="{BEBA8EAE-BF5A-486C-A8C5-ECC9F3942E4B}">
                       <a14:imgProps xmlns:a14="http://schemas.microsoft.com/office/drawing/2010/main">
-                        <a14:imgLayer r:embed="rId4">
+                        <a14:imgLayer r:embed="rId3">
                           <a14:imgEffect>
                             <a14:backgroundRemoval t="0" b="98499" l="6015" r="96241">
                               <a14:foregroundMark x1="43985" y1="5658" x2="49624" y2="13857"/>
@@ -5651,10 +4169,9 @@
               </a:prstGeom>
               <a:ln>
                 <a:solidFill>
-                  <a:schemeClr val="bg2">
-                    <a:lumMod val="75000"/>
-                    <a:alpha val="30000"/>
-                  </a:schemeClr>
+                  <a:srgbClr val="00FF99">
+                    <a:alpha val="73000"/>
+                  </a:srgbClr>
                 </a:solidFill>
                 <a:prstDash val="dash"/>
               </a:ln>
@@ -5719,42 +4236,6 @@
           </p:cxnSp>
           <p:cxnSp>
             <p:nvCxnSpPr>
-              <p:cNvPr id="90" name="Straight Connector 89"/>
-              <p:cNvCxnSpPr/>
-              <p:nvPr/>
-            </p:nvCxnSpPr>
-            <p:spPr>
-              <a:xfrm>
-                <a:off x="96568" y="3001669"/>
-                <a:ext cx="4899295" cy="1916406"/>
-              </a:xfrm>
-              <a:prstGeom prst="line">
-                <a:avLst/>
-              </a:prstGeom>
-              <a:ln w="12700" cap="rnd">
-                <a:solidFill>
-                  <a:srgbClr val="00FF99"/>
-                </a:solidFill>
-                <a:prstDash val="dash"/>
-              </a:ln>
-            </p:spPr>
-            <p:style>
-              <a:lnRef idx="1">
-                <a:schemeClr val="accent1"/>
-              </a:lnRef>
-              <a:fillRef idx="0">
-                <a:schemeClr val="accent1"/>
-              </a:fillRef>
-              <a:effectRef idx="0">
-                <a:schemeClr val="accent1"/>
-              </a:effectRef>
-              <a:fontRef idx="minor">
-                <a:schemeClr val="tx1"/>
-              </a:fontRef>
-            </p:style>
-          </p:cxnSp>
-          <p:cxnSp>
-            <p:nvCxnSpPr>
               <p:cNvPr id="84" name="Straight Connector 83"/>
               <p:cNvCxnSpPr/>
               <p:nvPr/>
@@ -5769,10 +4250,9 @@
               </a:prstGeom>
               <a:ln>
                 <a:solidFill>
-                  <a:schemeClr val="bg2">
-                    <a:lumMod val="75000"/>
-                    <a:alpha val="30000"/>
-                  </a:schemeClr>
+                  <a:srgbClr val="00FF99">
+                    <a:alpha val="73000"/>
+                  </a:srgbClr>
                 </a:solidFill>
                 <a:prstDash val="dash"/>
               </a:ln>
@@ -5808,10 +4288,9 @@
               </a:prstGeom>
               <a:ln>
                 <a:solidFill>
-                  <a:schemeClr val="bg2">
-                    <a:lumMod val="75000"/>
-                    <a:alpha val="30000"/>
-                  </a:schemeClr>
+                  <a:srgbClr val="00FF99">
+                    <a:alpha val="73000"/>
+                  </a:srgbClr>
                 </a:solidFill>
                 <a:prstDash val="dash"/>
               </a:ln>
@@ -5950,46 +4429,6 @@
           </p:cxnSp>
           <p:cxnSp>
             <p:nvCxnSpPr>
-              <p:cNvPr id="49" name="Straight Connector 48"/>
-              <p:cNvCxnSpPr/>
-              <p:nvPr/>
-            </p:nvCxnSpPr>
-            <p:spPr>
-              <a:xfrm>
-                <a:off x="81307" y="3416663"/>
-                <a:ext cx="4909316" cy="1418710"/>
-              </a:xfrm>
-              <a:prstGeom prst="line">
-                <a:avLst/>
-              </a:prstGeom>
-              <a:ln w="12700" cap="rnd">
-                <a:solidFill>
-                  <a:schemeClr val="tx1">
-                    <a:lumMod val="50000"/>
-                    <a:lumOff val="50000"/>
-                    <a:alpha val="88000"/>
-                  </a:schemeClr>
-                </a:solidFill>
-                <a:prstDash val="dash"/>
-              </a:ln>
-            </p:spPr>
-            <p:style>
-              <a:lnRef idx="1">
-                <a:schemeClr val="accent1"/>
-              </a:lnRef>
-              <a:fillRef idx="0">
-                <a:schemeClr val="accent1"/>
-              </a:fillRef>
-              <a:effectRef idx="0">
-                <a:schemeClr val="accent1"/>
-              </a:effectRef>
-              <a:fontRef idx="minor">
-                <a:schemeClr val="tx1"/>
-              </a:fontRef>
-            </p:style>
-          </p:cxnSp>
-          <p:cxnSp>
-            <p:nvCxnSpPr>
               <p:cNvPr id="117" name="Straight Connector 116"/>
               <p:cNvCxnSpPr/>
               <p:nvPr/>
@@ -6036,7 +4475,7 @@
               <p:nvPr/>
             </p:nvPicPr>
             <p:blipFill>
-              <a:blip r:embed="rId2" cstate="print">
+              <a:blip r:embed="rId4" cstate="print">
                 <a:extLst>
                   <a:ext uri="{28A0092B-C50C-407E-A947-70E740481C1C}">
                     <a14:useLocalDpi xmlns:a14="http://schemas.microsoft.com/office/drawing/2010/main" val="0"/>
@@ -6369,8 +4808,8 @@
             </p:nvSpPr>
             <p:spPr>
               <a:xfrm rot="20484303">
-                <a:off x="3055989" y="3745404"/>
-                <a:ext cx="855685" cy="246221"/>
+                <a:off x="3132123" y="3759029"/>
+                <a:ext cx="855685" cy="230832"/>
               </a:xfrm>
               <a:prstGeom prst="rect">
                 <a:avLst/>
@@ -6384,7 +4823,7 @@
               <a:lstStyle/>
               <a:p>
                 <a:r>
-                  <a:rPr lang="en-US" sz="1000">
+                  <a:rPr lang="en-US" sz="900">
                     <a:solidFill>
                       <a:srgbClr val="6B6767"/>
                     </a:solidFill>
@@ -6393,7 +4832,7 @@
                   </a:rPr>
                   <a:t>Optical axis</a:t>
                 </a:r>
-                <a:endParaRPr lang="en-US" sz="1000" dirty="0">
+                <a:endParaRPr lang="en-US" sz="900" dirty="0">
                   <a:solidFill>
                     <a:srgbClr val="6B6767"/>
                   </a:solidFill>
@@ -6460,7 +4899,7 @@
             <p:spPr>
               <a:xfrm>
                 <a:off x="2263206" y="3206842"/>
-                <a:ext cx="1292094" cy="246221"/>
+                <a:ext cx="1292094" cy="230832"/>
               </a:xfrm>
               <a:prstGeom prst="rect">
                 <a:avLst/>
@@ -6474,17 +4913,21 @@
               <a:lstStyle/>
               <a:p>
                 <a:r>
-                  <a:rPr lang="en-US" sz="1000">
+                  <a:rPr lang="en-US" sz="900">
                     <a:solidFill>
-                      <a:srgbClr val="00FF99"/>
+                      <a:schemeClr val="bg2">
+                        <a:lumMod val="90000"/>
+                      </a:schemeClr>
                     </a:solidFill>
                     <a:latin typeface="+mj-lt"/>
                   </a:rPr>
                   <a:t>Depth of Field (DOF)</a:t>
                 </a:r>
-                <a:endParaRPr lang="en-US" sz="1000" dirty="0">
+                <a:endParaRPr lang="en-US" sz="900" dirty="0">
                   <a:solidFill>
-                    <a:srgbClr val="00FF99"/>
+                    <a:schemeClr val="bg2">
+                      <a:lumMod val="90000"/>
+                    </a:schemeClr>
                   </a:solidFill>
                   <a:latin typeface="+mj-lt"/>
                 </a:endParaRPr>
@@ -6549,8 +4992,8 @@
             </p:nvSpPr>
             <p:spPr>
               <a:xfrm>
-                <a:off x="4664346" y="3048511"/>
-                <a:ext cx="563007" cy="246221"/>
+                <a:off x="4708160" y="3055353"/>
+                <a:ext cx="563007" cy="230832"/>
               </a:xfrm>
               <a:prstGeom prst="rect">
                 <a:avLst/>
@@ -6564,17 +5007,21 @@
               <a:lstStyle/>
               <a:p>
                 <a:r>
-                  <a:rPr lang="en-US" sz="1000">
+                  <a:rPr lang="en-US" sz="900">
                     <a:solidFill>
-                      <a:srgbClr val="00FF99"/>
+                      <a:schemeClr val="bg2">
+                        <a:lumMod val="90000"/>
+                      </a:schemeClr>
                     </a:solidFill>
                     <a:latin typeface="+mj-lt"/>
                   </a:rPr>
                   <a:t>Sensor</a:t>
                 </a:r>
-                <a:endParaRPr lang="en-US" sz="1000" dirty="0">
+                <a:endParaRPr lang="en-US" sz="900" dirty="0">
                   <a:solidFill>
-                    <a:srgbClr val="00FF99"/>
+                    <a:schemeClr val="bg2">
+                      <a:lumMod val="90000"/>
+                    </a:schemeClr>
                   </a:solidFill>
                   <a:latin typeface="+mj-lt"/>
                 </a:endParaRPr>
@@ -7002,6 +5449,1661 @@
               </a:p>
             </p:txBody>
           </p:sp>
+          <p:cxnSp>
+            <p:nvCxnSpPr>
+              <p:cNvPr id="90" name="Straight Connector 89"/>
+              <p:cNvCxnSpPr/>
+              <p:nvPr/>
+            </p:nvCxnSpPr>
+            <p:spPr>
+              <a:xfrm>
+                <a:off x="96568" y="3001669"/>
+                <a:ext cx="4899295" cy="1916406"/>
+              </a:xfrm>
+              <a:prstGeom prst="line">
+                <a:avLst/>
+              </a:prstGeom>
+              <a:ln w="12700" cap="rnd">
+                <a:solidFill>
+                  <a:srgbClr val="00FF99"/>
+                </a:solidFill>
+                <a:prstDash val="dash"/>
+              </a:ln>
+            </p:spPr>
+            <p:style>
+              <a:lnRef idx="1">
+                <a:schemeClr val="accent1"/>
+              </a:lnRef>
+              <a:fillRef idx="0">
+                <a:schemeClr val="accent1"/>
+              </a:fillRef>
+              <a:effectRef idx="0">
+                <a:schemeClr val="accent1"/>
+              </a:effectRef>
+              <a:fontRef idx="minor">
+                <a:schemeClr val="tx1"/>
+              </a:fontRef>
+            </p:style>
+          </p:cxnSp>
+          <p:cxnSp>
+            <p:nvCxnSpPr>
+              <p:cNvPr id="49" name="Straight Connector 48"/>
+              <p:cNvCxnSpPr/>
+              <p:nvPr/>
+            </p:nvCxnSpPr>
+            <p:spPr>
+              <a:xfrm>
+                <a:off x="81307" y="3416663"/>
+                <a:ext cx="4909316" cy="1418710"/>
+              </a:xfrm>
+              <a:prstGeom prst="line">
+                <a:avLst/>
+              </a:prstGeom>
+              <a:ln w="9525" cap="rnd">
+                <a:solidFill>
+                  <a:schemeClr val="tx1">
+                    <a:lumMod val="50000"/>
+                    <a:lumOff val="50000"/>
+                    <a:alpha val="88000"/>
+                  </a:schemeClr>
+                </a:solidFill>
+                <a:prstDash val="dash"/>
+              </a:ln>
+            </p:spPr>
+            <p:style>
+              <a:lnRef idx="1">
+                <a:schemeClr val="accent1"/>
+              </a:lnRef>
+              <a:fillRef idx="0">
+                <a:schemeClr val="accent1"/>
+              </a:fillRef>
+              <a:effectRef idx="0">
+                <a:schemeClr val="accent1"/>
+              </a:effectRef>
+              <a:fontRef idx="minor">
+                <a:schemeClr val="tx1"/>
+              </a:fontRef>
+            </p:style>
+          </p:cxnSp>
+          <p:cxnSp>
+            <p:nvCxnSpPr>
+              <p:cNvPr id="50" name="Straight Connector 49"/>
+              <p:cNvCxnSpPr/>
+              <p:nvPr/>
+            </p:nvCxnSpPr>
+            <p:spPr>
+              <a:xfrm>
+                <a:off x="546811" y="2812518"/>
+                <a:ext cx="4453164" cy="2188434"/>
+              </a:xfrm>
+              <a:prstGeom prst="line">
+                <a:avLst/>
+              </a:prstGeom>
+              <a:ln w="9525" cap="rnd">
+                <a:solidFill>
+                  <a:schemeClr val="tx1">
+                    <a:lumMod val="50000"/>
+                    <a:lumOff val="50000"/>
+                    <a:alpha val="88000"/>
+                  </a:schemeClr>
+                </a:solidFill>
+                <a:prstDash val="dash"/>
+              </a:ln>
+            </p:spPr>
+            <p:style>
+              <a:lnRef idx="1">
+                <a:schemeClr val="accent1"/>
+              </a:lnRef>
+              <a:fillRef idx="0">
+                <a:schemeClr val="accent1"/>
+              </a:fillRef>
+              <a:effectRef idx="0">
+                <a:schemeClr val="accent1"/>
+              </a:effectRef>
+              <a:fontRef idx="minor">
+                <a:schemeClr val="tx1"/>
+              </a:fontRef>
+            </p:style>
+          </p:cxnSp>
+        </p:grpSp>
+        <p:grpSp>
+          <p:nvGrpSpPr>
+            <p:cNvPr id="8" name="Group 7"/>
+            <p:cNvGrpSpPr/>
+            <p:nvPr/>
+          </p:nvGrpSpPr>
+          <p:grpSpPr>
+            <a:xfrm>
+              <a:off x="70377" y="283005"/>
+              <a:ext cx="5370278" cy="2747205"/>
+              <a:chOff x="70377" y="283005"/>
+              <a:chExt cx="5370278" cy="2747205"/>
+            </a:xfrm>
+          </p:grpSpPr>
+          <p:sp>
+            <p:nvSpPr>
+              <p:cNvPr id="20" name="Rectangle 19"/>
+              <p:cNvSpPr/>
+              <p:nvPr/>
+            </p:nvSpPr>
+            <p:spPr>
+              <a:xfrm>
+                <a:off x="70377" y="283005"/>
+                <a:ext cx="5311754" cy="2377440"/>
+              </a:xfrm>
+              <a:prstGeom prst="rect">
+                <a:avLst/>
+              </a:prstGeom>
+              <a:solidFill>
+                <a:srgbClr val="302E30"/>
+              </a:solidFill>
+              <a:ln w="6350">
+                <a:solidFill>
+                  <a:schemeClr val="tx1">
+                    <a:lumMod val="65000"/>
+                    <a:lumOff val="35000"/>
+                  </a:schemeClr>
+                </a:solidFill>
+              </a:ln>
+            </p:spPr>
+            <p:style>
+              <a:lnRef idx="2">
+                <a:schemeClr val="accent1">
+                  <a:shade val="50000"/>
+                </a:schemeClr>
+              </a:lnRef>
+              <a:fillRef idx="1">
+                <a:schemeClr val="accent1"/>
+              </a:fillRef>
+              <a:effectRef idx="0">
+                <a:schemeClr val="accent1"/>
+              </a:effectRef>
+              <a:fontRef idx="minor">
+                <a:schemeClr val="lt1"/>
+              </a:fontRef>
+            </p:style>
+            <p:txBody>
+              <a:bodyPr rtlCol="0" anchor="ctr"/>
+              <a:lstStyle/>
+              <a:p>
+                <a:pPr algn="ctr"/>
+                <a:endParaRPr lang="en-US" sz="1100"/>
+              </a:p>
+            </p:txBody>
+          </p:sp>
+          <p:sp>
+            <p:nvSpPr>
+              <p:cNvPr id="174" name="Arc 173"/>
+              <p:cNvSpPr/>
+              <p:nvPr/>
+            </p:nvSpPr>
+            <p:spPr>
+              <a:xfrm>
+                <a:off x="1006402" y="2396333"/>
+                <a:ext cx="625313" cy="633877"/>
+              </a:xfrm>
+              <a:prstGeom prst="arc">
+                <a:avLst>
+                  <a:gd name="adj1" fmla="val 12171531"/>
+                  <a:gd name="adj2" fmla="val 16294247"/>
+                </a:avLst>
+              </a:prstGeom>
+              <a:ln>
+                <a:solidFill>
+                  <a:schemeClr val="bg1">
+                    <a:lumMod val="85000"/>
+                  </a:schemeClr>
+                </a:solidFill>
+                <a:headEnd type="triangle" w="sm" len="med"/>
+                <a:tailEnd type="none"/>
+              </a:ln>
+            </p:spPr>
+            <p:style>
+              <a:lnRef idx="1">
+                <a:schemeClr val="accent1"/>
+              </a:lnRef>
+              <a:fillRef idx="0">
+                <a:schemeClr val="accent1"/>
+              </a:fillRef>
+              <a:effectRef idx="0">
+                <a:schemeClr val="accent1"/>
+              </a:effectRef>
+              <a:fontRef idx="minor">
+                <a:schemeClr val="tx1"/>
+              </a:fontRef>
+            </p:style>
+            <p:txBody>
+              <a:bodyPr rtlCol="0" anchor="ctr"/>
+              <a:lstStyle/>
+              <a:p>
+                <a:pPr algn="ctr"/>
+                <a:endParaRPr lang="en-US"/>
+              </a:p>
+            </p:txBody>
+          </p:sp>
+          <p:cxnSp>
+            <p:nvCxnSpPr>
+              <p:cNvPr id="17" name="Straight Connector 16"/>
+              <p:cNvCxnSpPr/>
+              <p:nvPr/>
+            </p:nvCxnSpPr>
+            <p:spPr>
+              <a:xfrm>
+                <a:off x="70399" y="1056757"/>
+                <a:ext cx="5257996" cy="0"/>
+              </a:xfrm>
+              <a:prstGeom prst="line">
+                <a:avLst/>
+              </a:prstGeom>
+              <a:ln w="9525">
+                <a:solidFill>
+                  <a:srgbClr val="F5504E"/>
+                </a:solidFill>
+                <a:prstDash val="dash"/>
+              </a:ln>
+            </p:spPr>
+            <p:style>
+              <a:lnRef idx="1">
+                <a:schemeClr val="accent1"/>
+              </a:lnRef>
+              <a:fillRef idx="0">
+                <a:schemeClr val="accent1"/>
+              </a:fillRef>
+              <a:effectRef idx="0">
+                <a:schemeClr val="accent1"/>
+              </a:effectRef>
+              <a:fontRef idx="minor">
+                <a:schemeClr val="tx1"/>
+              </a:fontRef>
+            </p:style>
+          </p:cxnSp>
+          <p:pic>
+            <p:nvPicPr>
+              <p:cNvPr id="19" name="lens"/>
+              <p:cNvPicPr>
+                <a:picLocks noChangeAspect="1"/>
+              </p:cNvPicPr>
+              <p:nvPr/>
+            </p:nvPicPr>
+            <p:blipFill>
+              <a:blip r:embed="rId4" cstate="print">
+                <a:extLst>
+                  <a:ext uri="{28A0092B-C50C-407E-A947-70E740481C1C}">
+                    <a14:useLocalDpi xmlns:a14="http://schemas.microsoft.com/office/drawing/2010/main" val="0"/>
+                  </a:ext>
+                </a:extLst>
+              </a:blip>
+              <a:stretch>
+                <a:fillRect/>
+              </a:stretch>
+            </p:blipFill>
+            <p:spPr>
+              <a:xfrm>
+                <a:off x="3914059" y="796434"/>
+                <a:ext cx="707239" cy="511257"/>
+              </a:xfrm>
+              <a:prstGeom prst="rect">
+                <a:avLst/>
+              </a:prstGeom>
+              <a:effectLst>
+                <a:outerShdw blurRad="50800" dist="38100" dir="5400000" algn="ctr" rotWithShape="0">
+                  <a:srgbClr val="000000">
+                    <a:alpha val="95000"/>
+                  </a:srgbClr>
+                </a:outerShdw>
+              </a:effectLst>
+            </p:spPr>
+          </p:pic>
+          <p:grpSp>
+            <p:nvGrpSpPr>
+              <p:cNvPr id="76" name="Group 75"/>
+              <p:cNvGrpSpPr/>
+              <p:nvPr/>
+            </p:nvGrpSpPr>
+            <p:grpSpPr>
+              <a:xfrm>
+                <a:off x="97165" y="740620"/>
+                <a:ext cx="1494658" cy="1299012"/>
+                <a:chOff x="1493618" y="4842570"/>
+                <a:chExt cx="1494658" cy="1299012"/>
+              </a:xfrm>
+              <a:effectLst>
+                <a:outerShdw blurRad="50800" dist="38100" dir="2700000" algn="tl" rotWithShape="0">
+                  <a:prstClr val="black">
+                    <a:alpha val="40000"/>
+                  </a:prstClr>
+                </a:outerShdw>
+              </a:effectLst>
+            </p:grpSpPr>
+            <p:pic>
+              <p:nvPicPr>
+                <p:cNvPr id="77" name="Picture 76"/>
+                <p:cNvPicPr>
+                  <a:picLocks noChangeAspect="1"/>
+                </p:cNvPicPr>
+                <p:nvPr/>
+              </p:nvPicPr>
+              <p:blipFill>
+                <a:blip r:embed="rId2" cstate="print">
+                  <a:extLst>
+                    <a:ext uri="{BEBA8EAE-BF5A-486C-A8C5-ECC9F3942E4B}">
+                      <a14:imgProps xmlns:a14="http://schemas.microsoft.com/office/drawing/2010/main">
+                        <a14:imgLayer r:embed="rId3">
+                          <a14:imgEffect>
+                            <a14:backgroundRemoval t="0" b="98499" l="6015" r="96241">
+                              <a14:foregroundMark x1="43985" y1="5658" x2="49624" y2="13857"/>
+                              <a14:foregroundMark x1="47368" y1="16975" x2="49624" y2="30023"/>
+                              <a14:foregroundMark x1="60526" y1="24134" x2="53759" y2="37182"/>
+                              <a14:foregroundMark x1="20301" y1="35797" x2="16917" y2="48152"/>
+                              <a14:foregroundMark x1="59398" y1="43995" x2="68421" y2="76674"/>
+                              <a14:foregroundMark x1="14662" y1="51617" x2="15789" y2="56005"/>
+                              <a14:foregroundMark x1="41729" y1="51963" x2="38346" y2="75982"/>
+                              <a14:foregroundMark x1="34962" y1="94804" x2="46241" y2="90993"/>
+                              <a14:foregroundMark x1="69549" y1="95843" x2="77444" y2="93418"/>
+                              <a14:foregroundMark x1="72932" y1="19400" x2="83083" y2="31640"/>
+                              <a14:foregroundMark x1="81955" y1="31986" x2="84211" y2="37875"/>
+                              <a14:foregroundMark x1="74060" y1="20323" x2="79699" y2="21016"/>
+                              <a14:foregroundMark x1="83459" y1="51501" x2="82707" y2="54388"/>
+                              <a14:foregroundMark x1="79699" y1="55081" x2="76692" y2="56351"/>
+                              <a14:foregroundMark x1="91729" y1="36721" x2="91729" y2="40531"/>
+                              <a14:foregroundMark x1="22932" y1="53349" x2="22180" y2="54965"/>
+                              <a14:foregroundMark x1="82331" y1="21709" x2="81955" y2="22171"/>
+                              <a14:foregroundMark x1="42105" y1="17321" x2="39098" y2="18014"/>
+                              <a14:foregroundMark x1="16541" y1="36143" x2="16541" y2="37644"/>
+                              <a14:backgroundMark x1="36090" y1="34296" x2="36090" y2="34296"/>
+                              <a14:backgroundMark x1="74060" y1="37529" x2="74060" y2="37529"/>
+                              <a14:backgroundMark x1="70301" y1="33372" x2="70301" y2="33372"/>
+                              <a14:backgroundMark x1="74060" y1="39607" x2="74060" y2="39607"/>
+                              <a14:backgroundMark x1="74436" y1="41801" x2="74436" y2="41801"/>
+                              <a14:backgroundMark x1="74436" y1="42610" x2="74436" y2="42610"/>
+                              <a14:backgroundMark x1="76336" y1="44162" x2="76336" y2="44162"/>
+                              <a14:backgroundMark x1="76336" y1="45431" x2="76336" y2="45431"/>
+                              <a14:backgroundMark x1="26718" y1="48731" x2="26718" y2="48731"/>
+                              <a14:backgroundMark x1="26718" y1="54061" x2="26718" y2="54061"/>
+                              <a14:backgroundMark x1="74046" y1="57360" x2="74046" y2="57360"/>
+                              <a14:backgroundMark x1="71756" y1="30203" x2="71756" y2="30203"/>
+                              <a14:backgroundMark x1="74046" y1="52792" x2="74046" y2="52792"/>
+                              <a14:backgroundMark x1="73282" y1="54061" x2="73282" y2="54061"/>
+                              <a14:backgroundMark x1="74046" y1="55584" x2="74046" y2="55584"/>
+                            </a14:backgroundRemoval>
+                          </a14:imgEffect>
+                        </a14:imgLayer>
+                      </a14:imgProps>
+                    </a:ext>
+                    <a:ext uri="{28A0092B-C50C-407E-A947-70E740481C1C}">
+                      <a14:useLocalDpi xmlns:a14="http://schemas.microsoft.com/office/drawing/2010/main" val="0"/>
+                    </a:ext>
+                  </a:extLst>
+                </a:blip>
+                <a:stretch>
+                  <a:fillRect/>
+                </a:stretch>
+              </p:blipFill>
+              <p:spPr>
+                <a:xfrm flipH="1">
+                  <a:off x="1493618" y="4842570"/>
+                  <a:ext cx="434112" cy="1299012"/>
+                </a:xfrm>
+                <a:prstGeom prst="rect">
+                  <a:avLst/>
+                </a:prstGeom>
+              </p:spPr>
+            </p:pic>
+            <p:pic>
+              <p:nvPicPr>
+                <p:cNvPr id="78" name="Picture 77"/>
+                <p:cNvPicPr>
+                  <a:picLocks noChangeAspect="1"/>
+                </p:cNvPicPr>
+                <p:nvPr/>
+              </p:nvPicPr>
+              <p:blipFill>
+                <a:blip r:embed="rId2" cstate="print">
+                  <a:extLst>
+                    <a:ext uri="{BEBA8EAE-BF5A-486C-A8C5-ECC9F3942E4B}">
+                      <a14:imgProps xmlns:a14="http://schemas.microsoft.com/office/drawing/2010/main">
+                        <a14:imgLayer r:embed="rId3">
+                          <a14:imgEffect>
+                            <a14:backgroundRemoval t="0" b="98499" l="6015" r="96241">
+                              <a14:foregroundMark x1="43985" y1="5658" x2="49624" y2="13857"/>
+                              <a14:foregroundMark x1="47368" y1="16975" x2="49624" y2="30023"/>
+                              <a14:foregroundMark x1="60526" y1="24134" x2="53759" y2="37182"/>
+                              <a14:foregroundMark x1="20301" y1="35797" x2="16917" y2="48152"/>
+                              <a14:foregroundMark x1="59398" y1="43995" x2="68421" y2="76674"/>
+                              <a14:foregroundMark x1="14662" y1="51617" x2="15789" y2="56005"/>
+                              <a14:foregroundMark x1="41729" y1="51963" x2="38346" y2="75982"/>
+                              <a14:foregroundMark x1="34962" y1="94804" x2="46241" y2="90993"/>
+                              <a14:foregroundMark x1="69549" y1="95843" x2="77444" y2="93418"/>
+                              <a14:foregroundMark x1="72932" y1="19400" x2="83083" y2="31640"/>
+                              <a14:foregroundMark x1="81955" y1="31986" x2="84211" y2="37875"/>
+                              <a14:foregroundMark x1="74060" y1="20323" x2="79699" y2="21016"/>
+                              <a14:foregroundMark x1="83459" y1="51501" x2="82707" y2="54388"/>
+                              <a14:foregroundMark x1="79699" y1="55081" x2="76692" y2="56351"/>
+                              <a14:foregroundMark x1="91729" y1="36721" x2="91729" y2="40531"/>
+                              <a14:foregroundMark x1="22932" y1="53349" x2="22180" y2="54965"/>
+                              <a14:foregroundMark x1="82331" y1="21709" x2="81955" y2="22171"/>
+                              <a14:foregroundMark x1="42105" y1="17321" x2="39098" y2="18014"/>
+                              <a14:foregroundMark x1="16541" y1="36143" x2="16541" y2="37644"/>
+                              <a14:backgroundMark x1="36090" y1="34296" x2="36090" y2="34296"/>
+                              <a14:backgroundMark x1="74060" y1="37529" x2="74060" y2="37529"/>
+                              <a14:backgroundMark x1="70301" y1="33372" x2="70301" y2="33372"/>
+                              <a14:backgroundMark x1="74060" y1="39607" x2="74060" y2="39607"/>
+                              <a14:backgroundMark x1="74436" y1="41801" x2="74436" y2="41801"/>
+                              <a14:backgroundMark x1="74436" y1="42610" x2="74436" y2="42610"/>
+                              <a14:backgroundMark x1="76336" y1="44162" x2="76336" y2="44162"/>
+                              <a14:backgroundMark x1="76336" y1="45431" x2="76336" y2="45431"/>
+                              <a14:backgroundMark x1="26718" y1="48731" x2="26718" y2="48731"/>
+                              <a14:backgroundMark x1="26718" y1="54061" x2="26718" y2="54061"/>
+                              <a14:backgroundMark x1="74046" y1="57360" x2="74046" y2="57360"/>
+                              <a14:backgroundMark x1="71756" y1="30203" x2="71756" y2="30203"/>
+                              <a14:backgroundMark x1="74046" y1="52792" x2="74046" y2="52792"/>
+                              <a14:backgroundMark x1="73282" y1="54061" x2="73282" y2="54061"/>
+                              <a14:backgroundMark x1="74046" y1="55584" x2="74046" y2="55584"/>
+                            </a14:backgroundRemoval>
+                          </a14:imgEffect>
+                        </a14:imgLayer>
+                      </a14:imgProps>
+                    </a:ext>
+                    <a:ext uri="{28A0092B-C50C-407E-A947-70E740481C1C}">
+                      <a14:useLocalDpi xmlns:a14="http://schemas.microsoft.com/office/drawing/2010/main" val="0"/>
+                    </a:ext>
+                  </a:extLst>
+                </a:blip>
+                <a:stretch>
+                  <a:fillRect/>
+                </a:stretch>
+              </p:blipFill>
+              <p:spPr>
+                <a:xfrm flipH="1">
+                  <a:off x="1990675" y="4842570"/>
+                  <a:ext cx="434112" cy="1299012"/>
+                </a:xfrm>
+                <a:prstGeom prst="rect">
+                  <a:avLst/>
+                </a:prstGeom>
+              </p:spPr>
+            </p:pic>
+            <p:pic>
+              <p:nvPicPr>
+                <p:cNvPr id="79" name="Picture 78"/>
+                <p:cNvPicPr>
+                  <a:picLocks noChangeAspect="1"/>
+                </p:cNvPicPr>
+                <p:nvPr/>
+              </p:nvPicPr>
+              <p:blipFill>
+                <a:blip r:embed="rId2" cstate="print">
+                  <a:extLst>
+                    <a:ext uri="{BEBA8EAE-BF5A-486C-A8C5-ECC9F3942E4B}">
+                      <a14:imgProps xmlns:a14="http://schemas.microsoft.com/office/drawing/2010/main">
+                        <a14:imgLayer r:embed="rId3">
+                          <a14:imgEffect>
+                            <a14:backgroundRemoval t="0" b="98499" l="6015" r="96241">
+                              <a14:foregroundMark x1="43985" y1="5658" x2="49624" y2="13857"/>
+                              <a14:foregroundMark x1="47368" y1="16975" x2="49624" y2="30023"/>
+                              <a14:foregroundMark x1="60526" y1="24134" x2="53759" y2="37182"/>
+                              <a14:foregroundMark x1="20301" y1="35797" x2="16917" y2="48152"/>
+                              <a14:foregroundMark x1="59398" y1="43995" x2="68421" y2="76674"/>
+                              <a14:foregroundMark x1="14662" y1="51617" x2="15789" y2="56005"/>
+                              <a14:foregroundMark x1="41729" y1="51963" x2="38346" y2="75982"/>
+                              <a14:foregroundMark x1="34962" y1="94804" x2="46241" y2="90993"/>
+                              <a14:foregroundMark x1="69549" y1="95843" x2="77444" y2="93418"/>
+                              <a14:foregroundMark x1="72932" y1="19400" x2="83083" y2="31640"/>
+                              <a14:foregroundMark x1="81955" y1="31986" x2="84211" y2="37875"/>
+                              <a14:foregroundMark x1="74060" y1="20323" x2="79699" y2="21016"/>
+                              <a14:foregroundMark x1="83459" y1="51501" x2="82707" y2="54388"/>
+                              <a14:foregroundMark x1="79699" y1="55081" x2="76692" y2="56351"/>
+                              <a14:foregroundMark x1="91729" y1="36721" x2="91729" y2="40531"/>
+                              <a14:foregroundMark x1="22932" y1="53349" x2="22180" y2="54965"/>
+                              <a14:foregroundMark x1="82331" y1="21709" x2="81955" y2="22171"/>
+                              <a14:foregroundMark x1="42105" y1="17321" x2="39098" y2="18014"/>
+                              <a14:foregroundMark x1="16541" y1="36143" x2="16541" y2="37644"/>
+                              <a14:backgroundMark x1="36090" y1="34296" x2="36090" y2="34296"/>
+                              <a14:backgroundMark x1="74060" y1="37529" x2="74060" y2="37529"/>
+                              <a14:backgroundMark x1="70301" y1="33372" x2="70301" y2="33372"/>
+                              <a14:backgroundMark x1="74060" y1="39607" x2="74060" y2="39607"/>
+                              <a14:backgroundMark x1="74436" y1="41801" x2="74436" y2="41801"/>
+                              <a14:backgroundMark x1="74436" y1="42610" x2="74436" y2="42610"/>
+                              <a14:backgroundMark x1="76336" y1="44162" x2="76336" y2="44162"/>
+                              <a14:backgroundMark x1="76336" y1="45431" x2="76336" y2="45431"/>
+                              <a14:backgroundMark x1="26718" y1="48731" x2="26718" y2="48731"/>
+                              <a14:backgroundMark x1="26718" y1="54061" x2="26718" y2="54061"/>
+                              <a14:backgroundMark x1="74046" y1="57360" x2="74046" y2="57360"/>
+                              <a14:backgroundMark x1="71756" y1="30203" x2="71756" y2="30203"/>
+                              <a14:backgroundMark x1="74046" y1="52792" x2="74046" y2="52792"/>
+                              <a14:backgroundMark x1="73282" y1="54061" x2="73282" y2="54061"/>
+                              <a14:backgroundMark x1="74046" y1="55584" x2="74046" y2="55584"/>
+                            </a14:backgroundRemoval>
+                          </a14:imgEffect>
+                        </a14:imgLayer>
+                      </a14:imgProps>
+                    </a:ext>
+                    <a:ext uri="{28A0092B-C50C-407E-A947-70E740481C1C}">
+                      <a14:useLocalDpi xmlns:a14="http://schemas.microsoft.com/office/drawing/2010/main" val="0"/>
+                    </a:ext>
+                  </a:extLst>
+                </a:blip>
+                <a:stretch>
+                  <a:fillRect/>
+                </a:stretch>
+              </p:blipFill>
+              <p:spPr>
+                <a:xfrm flipH="1">
+                  <a:off x="2554164" y="4842570"/>
+                  <a:ext cx="434112" cy="1299012"/>
+                </a:xfrm>
+                <a:prstGeom prst="rect">
+                  <a:avLst/>
+                </a:prstGeom>
+              </p:spPr>
+            </p:pic>
+          </p:grpSp>
+          <p:sp>
+            <p:nvSpPr>
+              <p:cNvPr id="29" name="Rectangle 28"/>
+              <p:cNvSpPr/>
+              <p:nvPr/>
+            </p:nvSpPr>
+            <p:spPr>
+              <a:xfrm>
+                <a:off x="335363" y="289177"/>
+                <a:ext cx="891458" cy="2377440"/>
+              </a:xfrm>
+              <a:prstGeom prst="rect">
+                <a:avLst/>
+              </a:prstGeom>
+              <a:solidFill>
+                <a:schemeClr val="bg2">
+                  <a:lumMod val="50000"/>
+                  <a:alpha val="38000"/>
+                </a:schemeClr>
+              </a:solidFill>
+              <a:ln>
+                <a:noFill/>
+              </a:ln>
+            </p:spPr>
+            <p:style>
+              <a:lnRef idx="2">
+                <a:schemeClr val="accent1">
+                  <a:shade val="50000"/>
+                </a:schemeClr>
+              </a:lnRef>
+              <a:fillRef idx="1">
+                <a:schemeClr val="accent1"/>
+              </a:fillRef>
+              <a:effectRef idx="0">
+                <a:schemeClr val="accent1"/>
+              </a:effectRef>
+              <a:fontRef idx="minor">
+                <a:schemeClr val="lt1"/>
+              </a:fontRef>
+            </p:style>
+            <p:txBody>
+              <a:bodyPr rtlCol="0" anchor="ctr"/>
+              <a:lstStyle/>
+              <a:p>
+                <a:pPr algn="ctr"/>
+                <a:endParaRPr lang="en-US" sz="1100"/>
+              </a:p>
+            </p:txBody>
+          </p:sp>
+          <p:cxnSp>
+            <p:nvCxnSpPr>
+              <p:cNvPr id="30" name="Straight Connector 29"/>
+              <p:cNvCxnSpPr/>
+              <p:nvPr/>
+            </p:nvCxnSpPr>
+            <p:spPr>
+              <a:xfrm>
+                <a:off x="852463" y="289177"/>
+                <a:ext cx="0" cy="2377440"/>
+              </a:xfrm>
+              <a:prstGeom prst="line">
+                <a:avLst/>
+              </a:prstGeom>
+              <a:ln w="12700" cap="rnd">
+                <a:solidFill>
+                  <a:srgbClr val="00FF99">
+                    <a:alpha val="94000"/>
+                  </a:srgbClr>
+                </a:solidFill>
+                <a:prstDash val="dash"/>
+              </a:ln>
+            </p:spPr>
+            <p:style>
+              <a:lnRef idx="1">
+                <a:schemeClr val="accent1"/>
+              </a:lnRef>
+              <a:fillRef idx="0">
+                <a:schemeClr val="accent1"/>
+              </a:fillRef>
+              <a:effectRef idx="0">
+                <a:schemeClr val="accent1"/>
+              </a:effectRef>
+              <a:fontRef idx="minor">
+                <a:schemeClr val="tx1"/>
+              </a:fontRef>
+            </p:style>
+          </p:cxnSp>
+          <p:cxnSp>
+            <p:nvCxnSpPr>
+              <p:cNvPr id="155" name="Straight Connector 154"/>
+              <p:cNvCxnSpPr/>
+              <p:nvPr/>
+            </p:nvCxnSpPr>
+            <p:spPr>
+              <a:xfrm>
+                <a:off x="5257800" y="426720"/>
+                <a:ext cx="0" cy="2068657"/>
+              </a:xfrm>
+              <a:prstGeom prst="line">
+                <a:avLst/>
+              </a:prstGeom>
+              <a:ln>
+                <a:solidFill>
+                  <a:srgbClr val="00FF99">
+                    <a:alpha val="73000"/>
+                  </a:srgbClr>
+                </a:solidFill>
+                <a:prstDash val="dash"/>
+              </a:ln>
+            </p:spPr>
+            <p:style>
+              <a:lnRef idx="1">
+                <a:schemeClr val="accent1"/>
+              </a:lnRef>
+              <a:fillRef idx="0">
+                <a:schemeClr val="accent1"/>
+              </a:fillRef>
+              <a:effectRef idx="0">
+                <a:schemeClr val="accent1"/>
+              </a:effectRef>
+              <a:fontRef idx="minor">
+                <a:schemeClr val="tx1"/>
+              </a:fontRef>
+            </p:style>
+          </p:cxnSp>
+          <p:cxnSp>
+            <p:nvCxnSpPr>
+              <p:cNvPr id="27" name="Straight Connector 26"/>
+              <p:cNvCxnSpPr/>
+              <p:nvPr/>
+            </p:nvCxnSpPr>
+            <p:spPr>
+              <a:xfrm>
+                <a:off x="5260934" y="737034"/>
+                <a:ext cx="0" cy="632473"/>
+              </a:xfrm>
+              <a:prstGeom prst="line">
+                <a:avLst/>
+              </a:prstGeom>
+              <a:ln w="38100" cap="rnd">
+                <a:solidFill>
+                  <a:srgbClr val="777777"/>
+                </a:solidFill>
+                <a:round/>
+              </a:ln>
+              <a:effectLst>
+                <a:outerShdw blurRad="50800" dist="38100" dir="2700000" algn="tl" rotWithShape="0">
+                  <a:prstClr val="black">
+                    <a:alpha val="40000"/>
+                  </a:prstClr>
+                </a:outerShdw>
+              </a:effectLst>
+            </p:spPr>
+            <p:style>
+              <a:lnRef idx="1">
+                <a:schemeClr val="accent1"/>
+              </a:lnRef>
+              <a:fillRef idx="0">
+                <a:schemeClr val="accent1"/>
+              </a:fillRef>
+              <a:effectRef idx="0">
+                <a:schemeClr val="accent1"/>
+              </a:effectRef>
+              <a:fontRef idx="minor">
+                <a:schemeClr val="tx1"/>
+              </a:fontRef>
+            </p:style>
+          </p:cxnSp>
+          <p:cxnSp>
+            <p:nvCxnSpPr>
+              <p:cNvPr id="156" name="Straight Connector 155"/>
+              <p:cNvCxnSpPr/>
+              <p:nvPr/>
+            </p:nvCxnSpPr>
+            <p:spPr>
+              <a:xfrm>
+                <a:off x="5196840" y="426720"/>
+                <a:ext cx="0" cy="2068657"/>
+              </a:xfrm>
+              <a:prstGeom prst="line">
+                <a:avLst/>
+              </a:prstGeom>
+              <a:ln>
+                <a:solidFill>
+                  <a:schemeClr val="bg2">
+                    <a:lumMod val="75000"/>
+                    <a:alpha val="30000"/>
+                  </a:schemeClr>
+                </a:solidFill>
+                <a:prstDash val="dash"/>
+              </a:ln>
+            </p:spPr>
+            <p:style>
+              <a:lnRef idx="1">
+                <a:schemeClr val="accent1"/>
+              </a:lnRef>
+              <a:fillRef idx="0">
+                <a:schemeClr val="accent1"/>
+              </a:fillRef>
+              <a:effectRef idx="0">
+                <a:schemeClr val="accent1"/>
+              </a:effectRef>
+              <a:fontRef idx="minor">
+                <a:schemeClr val="tx1"/>
+              </a:fontRef>
+            </p:style>
+          </p:cxnSp>
+          <p:cxnSp>
+            <p:nvCxnSpPr>
+              <p:cNvPr id="157" name="Straight Connector 156"/>
+              <p:cNvCxnSpPr/>
+              <p:nvPr/>
+            </p:nvCxnSpPr>
+            <p:spPr>
+              <a:xfrm>
+                <a:off x="5318760" y="426720"/>
+                <a:ext cx="0" cy="2068657"/>
+              </a:xfrm>
+              <a:prstGeom prst="line">
+                <a:avLst/>
+              </a:prstGeom>
+              <a:ln>
+                <a:solidFill>
+                  <a:schemeClr val="bg2">
+                    <a:lumMod val="75000"/>
+                    <a:alpha val="30000"/>
+                  </a:schemeClr>
+                </a:solidFill>
+                <a:prstDash val="dash"/>
+              </a:ln>
+            </p:spPr>
+            <p:style>
+              <a:lnRef idx="1">
+                <a:schemeClr val="accent1"/>
+              </a:lnRef>
+              <a:fillRef idx="0">
+                <a:schemeClr val="accent1"/>
+              </a:fillRef>
+              <a:effectRef idx="0">
+                <a:schemeClr val="accent1"/>
+              </a:effectRef>
+              <a:fontRef idx="minor">
+                <a:schemeClr val="tx1"/>
+              </a:fontRef>
+            </p:style>
+          </p:cxnSp>
+          <p:cxnSp>
+            <p:nvCxnSpPr>
+              <p:cNvPr id="158" name="Straight Connector 157"/>
+              <p:cNvCxnSpPr/>
+              <p:nvPr/>
+            </p:nvCxnSpPr>
+            <p:spPr>
+              <a:xfrm>
+                <a:off x="3825240" y="426720"/>
+                <a:ext cx="0" cy="2068657"/>
+              </a:xfrm>
+              <a:prstGeom prst="line">
+                <a:avLst/>
+              </a:prstGeom>
+              <a:ln>
+                <a:solidFill>
+                  <a:schemeClr val="bg2">
+                    <a:lumMod val="75000"/>
+                    <a:alpha val="30000"/>
+                  </a:schemeClr>
+                </a:solidFill>
+                <a:prstDash val="dash"/>
+              </a:ln>
+            </p:spPr>
+            <p:style>
+              <a:lnRef idx="1">
+                <a:schemeClr val="accent1"/>
+              </a:lnRef>
+              <a:fillRef idx="0">
+                <a:schemeClr val="accent1"/>
+              </a:fillRef>
+              <a:effectRef idx="0">
+                <a:schemeClr val="accent1"/>
+              </a:effectRef>
+              <a:fontRef idx="minor">
+                <a:schemeClr val="tx1"/>
+              </a:fontRef>
+            </p:style>
+          </p:cxnSp>
+          <p:cxnSp>
+            <p:nvCxnSpPr>
+              <p:cNvPr id="159" name="Straight Connector 158"/>
+              <p:cNvCxnSpPr/>
+              <p:nvPr/>
+            </p:nvCxnSpPr>
+            <p:spPr>
+              <a:xfrm>
+                <a:off x="4290060" y="426720"/>
+                <a:ext cx="0" cy="2068657"/>
+              </a:xfrm>
+              <a:prstGeom prst="line">
+                <a:avLst/>
+              </a:prstGeom>
+              <a:ln>
+                <a:solidFill>
+                  <a:srgbClr val="00FF99">
+                    <a:alpha val="73000"/>
+                  </a:srgbClr>
+                </a:solidFill>
+                <a:prstDash val="dash"/>
+              </a:ln>
+            </p:spPr>
+            <p:style>
+              <a:lnRef idx="1">
+                <a:schemeClr val="accent1"/>
+              </a:lnRef>
+              <a:fillRef idx="0">
+                <a:schemeClr val="accent1"/>
+              </a:fillRef>
+              <a:effectRef idx="0">
+                <a:schemeClr val="accent1"/>
+              </a:effectRef>
+              <a:fontRef idx="minor">
+                <a:schemeClr val="tx1"/>
+              </a:fontRef>
+            </p:style>
+          </p:cxnSp>
+          <p:cxnSp>
+            <p:nvCxnSpPr>
+              <p:cNvPr id="160" name="Straight Connector 159"/>
+              <p:cNvCxnSpPr/>
+              <p:nvPr/>
+            </p:nvCxnSpPr>
+            <p:spPr>
+              <a:xfrm>
+                <a:off x="4495800" y="426720"/>
+                <a:ext cx="0" cy="2068657"/>
+              </a:xfrm>
+              <a:prstGeom prst="line">
+                <a:avLst/>
+              </a:prstGeom>
+              <a:ln>
+                <a:solidFill>
+                  <a:srgbClr val="00FF99">
+                    <a:alpha val="73000"/>
+                  </a:srgbClr>
+                </a:solidFill>
+                <a:prstDash val="dash"/>
+              </a:ln>
+            </p:spPr>
+            <p:style>
+              <a:lnRef idx="1">
+                <a:schemeClr val="accent1"/>
+              </a:lnRef>
+              <a:fillRef idx="0">
+                <a:schemeClr val="accent1"/>
+              </a:fillRef>
+              <a:effectRef idx="0">
+                <a:schemeClr val="accent1"/>
+              </a:effectRef>
+              <a:fontRef idx="minor">
+                <a:schemeClr val="tx1"/>
+              </a:fontRef>
+            </p:style>
+          </p:cxnSp>
+          <p:sp>
+            <p:nvSpPr>
+              <p:cNvPr id="162" name="TextBox 161"/>
+              <p:cNvSpPr txBox="1"/>
+              <p:nvPr/>
+            </p:nvSpPr>
+            <p:spPr>
+              <a:xfrm>
+                <a:off x="2910674" y="858288"/>
+                <a:ext cx="855685" cy="230832"/>
+              </a:xfrm>
+              <a:prstGeom prst="rect">
+                <a:avLst/>
+              </a:prstGeom>
+              <a:noFill/>
+            </p:spPr>
+            <p:txBody>
+              <a:bodyPr wrap="square" rtlCol="0">
+                <a:spAutoFit/>
+              </a:bodyPr>
+              <a:lstStyle/>
+              <a:p>
+                <a:r>
+                  <a:rPr lang="en-US" sz="900">
+                    <a:solidFill>
+                      <a:srgbClr val="6B6767"/>
+                    </a:solidFill>
+                    <a:latin typeface="Times New Roman" panose="02020603050405020304" pitchFamily="18" charset="0"/>
+                    <a:cs typeface="Times New Roman" panose="02020603050405020304" pitchFamily="18" charset="0"/>
+                  </a:rPr>
+                  <a:t>Optical axis</a:t>
+                </a:r>
+                <a:endParaRPr lang="en-US" sz="900" dirty="0">
+                  <a:solidFill>
+                    <a:srgbClr val="6B6767"/>
+                  </a:solidFill>
+                  <a:latin typeface="Times New Roman" panose="02020603050405020304" pitchFamily="18" charset="0"/>
+                  <a:cs typeface="Times New Roman" panose="02020603050405020304" pitchFamily="18" charset="0"/>
+                </a:endParaRPr>
+              </a:p>
+            </p:txBody>
+          </p:sp>
+          <p:sp>
+            <p:nvSpPr>
+              <p:cNvPr id="163" name="TextBox 162"/>
+              <p:cNvSpPr txBox="1"/>
+              <p:nvPr/>
+            </p:nvSpPr>
+            <p:spPr>
+              <a:xfrm>
+                <a:off x="1251889" y="2143188"/>
+                <a:ext cx="1726027" cy="230832"/>
+              </a:xfrm>
+              <a:prstGeom prst="rect">
+                <a:avLst/>
+              </a:prstGeom>
+              <a:noFill/>
+            </p:spPr>
+            <p:txBody>
+              <a:bodyPr wrap="square" rtlCol="0">
+                <a:spAutoFit/>
+              </a:bodyPr>
+              <a:lstStyle/>
+              <a:p>
+                <a:r>
+                  <a:rPr lang="en-US" sz="900" dirty="0">
+                    <a:solidFill>
+                      <a:schemeClr val="bg2">
+                        <a:lumMod val="90000"/>
+                      </a:schemeClr>
+                    </a:solidFill>
+                    <a:latin typeface="+mj-lt"/>
+                  </a:rPr>
+                  <a:t>Plane </a:t>
+                </a:r>
+                <a:r>
+                  <a:rPr lang="en-US" sz="900">
+                    <a:solidFill>
+                      <a:schemeClr val="bg2">
+                        <a:lumMod val="90000"/>
+                      </a:schemeClr>
+                    </a:solidFill>
+                    <a:latin typeface="+mj-lt"/>
+                  </a:rPr>
+                  <a:t>of Sharp Focus (PoSF)</a:t>
+                </a:r>
+                <a:endParaRPr lang="en-US" sz="900" dirty="0">
+                  <a:solidFill>
+                    <a:schemeClr val="bg2">
+                      <a:lumMod val="90000"/>
+                    </a:schemeClr>
+                  </a:solidFill>
+                  <a:latin typeface="+mj-lt"/>
+                </a:endParaRPr>
+              </a:p>
+            </p:txBody>
+          </p:sp>
+          <p:sp>
+            <p:nvSpPr>
+              <p:cNvPr id="169" name="TextBox 168"/>
+              <p:cNvSpPr txBox="1"/>
+              <p:nvPr/>
+            </p:nvSpPr>
+            <p:spPr>
+              <a:xfrm>
+                <a:off x="1250448" y="2284886"/>
+                <a:ext cx="1357822" cy="230832"/>
+              </a:xfrm>
+              <a:prstGeom prst="rect">
+                <a:avLst/>
+              </a:prstGeom>
+              <a:noFill/>
+            </p:spPr>
+            <p:txBody>
+              <a:bodyPr wrap="square" rtlCol="0">
+                <a:spAutoFit/>
+              </a:bodyPr>
+              <a:lstStyle/>
+              <a:p>
+                <a:r>
+                  <a:rPr lang="en-US" sz="900">
+                    <a:solidFill>
+                      <a:schemeClr val="bg2">
+                        <a:lumMod val="90000"/>
+                      </a:schemeClr>
+                    </a:solidFill>
+                    <a:latin typeface="+mj-lt"/>
+                  </a:rPr>
+                  <a:t>Depth of Field (DOF)</a:t>
+                </a:r>
+                <a:endParaRPr lang="en-US" sz="900" dirty="0">
+                  <a:solidFill>
+                    <a:schemeClr val="bg2">
+                      <a:lumMod val="90000"/>
+                    </a:schemeClr>
+                  </a:solidFill>
+                  <a:latin typeface="+mj-lt"/>
+                </a:endParaRPr>
+              </a:p>
+            </p:txBody>
+          </p:sp>
+          <p:cxnSp>
+            <p:nvCxnSpPr>
+              <p:cNvPr id="173" name="Straight Arrow Connector 172"/>
+              <p:cNvCxnSpPr/>
+              <p:nvPr/>
+            </p:nvCxnSpPr>
+            <p:spPr>
+              <a:xfrm flipH="1" flipV="1">
+                <a:off x="872506" y="2259948"/>
+                <a:ext cx="448056" cy="0"/>
+              </a:xfrm>
+              <a:prstGeom prst="straightConnector1">
+                <a:avLst/>
+              </a:prstGeom>
+              <a:ln>
+                <a:solidFill>
+                  <a:schemeClr val="bg1">
+                    <a:lumMod val="85000"/>
+                  </a:schemeClr>
+                </a:solidFill>
+                <a:headEnd type="none" w="sm" len="med"/>
+                <a:tailEnd type="triangle" w="sm" len="med"/>
+              </a:ln>
+            </p:spPr>
+            <p:style>
+              <a:lnRef idx="1">
+                <a:schemeClr val="accent1"/>
+              </a:lnRef>
+              <a:fillRef idx="0">
+                <a:schemeClr val="accent1"/>
+              </a:fillRef>
+              <a:effectRef idx="0">
+                <a:schemeClr val="accent1"/>
+              </a:effectRef>
+              <a:fontRef idx="minor">
+                <a:schemeClr val="tx1"/>
+              </a:fontRef>
+            </p:style>
+          </p:cxnSp>
+          <mc:AlternateContent xmlns:mc="http://schemas.openxmlformats.org/markup-compatibility/2006">
+            <mc:Choice xmlns:a14="http://schemas.microsoft.com/office/drawing/2010/main" Requires="a14">
+              <p:sp>
+                <p:nvSpPr>
+                  <p:cNvPr id="176" name="TextBox 175"/>
+                  <p:cNvSpPr txBox="1"/>
+                  <p:nvPr/>
+                </p:nvSpPr>
+                <p:spPr>
+                  <a:xfrm>
+                    <a:off x="4410537" y="469562"/>
+                    <a:ext cx="320304" cy="246221"/>
+                  </a:xfrm>
+                  <a:prstGeom prst="rect">
+                    <a:avLst/>
+                  </a:prstGeom>
+                  <a:noFill/>
+                </p:spPr>
+                <p:txBody>
+                  <a:bodyPr wrap="square" rtlCol="0">
+                    <a:spAutoFit/>
+                  </a:bodyPr>
+                  <a:lstStyle/>
+                  <a:p>
+                    <a:pPr/>
+                    <a14:m>
+                      <m:oMathPara xmlns:m="http://schemas.openxmlformats.org/officeDocument/2006/math">
+                        <m:oMathParaPr>
+                          <m:jc m:val="centerGroup"/>
+                        </m:oMathParaPr>
+                        <m:oMath xmlns:m="http://schemas.openxmlformats.org/officeDocument/2006/math">
+                          <m:r>
+                            <a:rPr lang="en-US" sz="1000" i="1" smtClean="0">
+                              <a:solidFill>
+                                <a:schemeClr val="tx1">
+                                  <a:lumMod val="50000"/>
+                                  <a:lumOff val="50000"/>
+                                </a:schemeClr>
+                              </a:solidFill>
+                              <a:latin typeface="Cambria Math" panose="02040503050406030204" pitchFamily="18" charset="0"/>
+                              <a:cs typeface="Times New Roman" panose="02020603050405020304" pitchFamily="18" charset="0"/>
+                            </a:rPr>
+                            <m:t>𝐻</m:t>
+                          </m:r>
+                        </m:oMath>
+                      </m:oMathPara>
+                    </a14:m>
+                    <a:endParaRPr lang="en-US" sz="1000" dirty="0">
+                      <a:solidFill>
+                        <a:schemeClr val="tx1">
+                          <a:lumMod val="50000"/>
+                          <a:lumOff val="50000"/>
+                        </a:schemeClr>
+                      </a:solidFill>
+                      <a:latin typeface="Times New Roman" panose="02020603050405020304" pitchFamily="18" charset="0"/>
+                      <a:cs typeface="Times New Roman" panose="02020603050405020304" pitchFamily="18" charset="0"/>
+                    </a:endParaRPr>
+                  </a:p>
+                </p:txBody>
+              </p:sp>
+            </mc:Choice>
+            <mc:Fallback>
+              <p:sp>
+                <p:nvSpPr>
+                  <p:cNvPr id="176" name="TextBox 175"/>
+                  <p:cNvSpPr txBox="1">
+                    <a:spLocks noRot="1" noChangeAspect="1" noMove="1" noResize="1" noEditPoints="1" noAdjustHandles="1" noChangeArrowheads="1" noChangeShapeType="1" noTextEdit="1"/>
+                  </p:cNvSpPr>
+                  <p:nvPr/>
+                </p:nvSpPr>
+                <p:spPr>
+                  <a:xfrm>
+                    <a:off x="4410537" y="469562"/>
+                    <a:ext cx="320304" cy="246221"/>
+                  </a:xfrm>
+                  <a:prstGeom prst="rect">
+                    <a:avLst/>
+                  </a:prstGeom>
+                  <a:blipFill>
+                    <a:blip r:embed="rId11"/>
+                    <a:stretch>
+                      <a:fillRect/>
+                    </a:stretch>
+                  </a:blipFill>
+                </p:spPr>
+                <p:txBody>
+                  <a:bodyPr/>
+                  <a:lstStyle/>
+                  <a:p>
+                    <a:r>
+                      <a:rPr lang="en-US">
+                        <a:noFill/>
+                      </a:rPr>
+                      <a:t> </a:t>
+                    </a:r>
+                  </a:p>
+                </p:txBody>
+              </p:sp>
+            </mc:Fallback>
+          </mc:AlternateContent>
+          <p:sp>
+            <p:nvSpPr>
+              <p:cNvPr id="177" name="TextBox 176"/>
+              <p:cNvSpPr txBox="1"/>
+              <p:nvPr/>
+            </p:nvSpPr>
+            <p:spPr>
+              <a:xfrm>
+                <a:off x="4663813" y="1627769"/>
+                <a:ext cx="563007" cy="230832"/>
+              </a:xfrm>
+              <a:prstGeom prst="rect">
+                <a:avLst/>
+              </a:prstGeom>
+              <a:noFill/>
+            </p:spPr>
+            <p:txBody>
+              <a:bodyPr wrap="square" rtlCol="0">
+                <a:spAutoFit/>
+              </a:bodyPr>
+              <a:lstStyle/>
+              <a:p>
+                <a:r>
+                  <a:rPr lang="en-US" sz="900">
+                    <a:solidFill>
+                      <a:schemeClr val="bg2">
+                        <a:lumMod val="90000"/>
+                      </a:schemeClr>
+                    </a:solidFill>
+                    <a:latin typeface="+mj-lt"/>
+                  </a:rPr>
+                  <a:t>Sensor</a:t>
+                </a:r>
+                <a:endParaRPr lang="en-US" sz="900" dirty="0">
+                  <a:solidFill>
+                    <a:schemeClr val="bg2">
+                      <a:lumMod val="90000"/>
+                    </a:schemeClr>
+                  </a:solidFill>
+                  <a:latin typeface="+mj-lt"/>
+                </a:endParaRPr>
+              </a:p>
+            </p:txBody>
+          </p:sp>
+          <p:sp>
+            <p:nvSpPr>
+              <p:cNvPr id="178" name="Arc 177"/>
+              <p:cNvSpPr/>
+              <p:nvPr/>
+            </p:nvSpPr>
+            <p:spPr>
+              <a:xfrm>
+                <a:off x="4572528" y="1108488"/>
+                <a:ext cx="690149" cy="690149"/>
+              </a:xfrm>
+              <a:prstGeom prst="arc">
+                <a:avLst>
+                  <a:gd name="adj1" fmla="val 21307292"/>
+                  <a:gd name="adj2" fmla="val 3641619"/>
+                </a:avLst>
+              </a:prstGeom>
+              <a:ln>
+                <a:solidFill>
+                  <a:schemeClr val="bg1">
+                    <a:lumMod val="85000"/>
+                  </a:schemeClr>
+                </a:solidFill>
+                <a:headEnd type="triangle" w="sm" len="med"/>
+                <a:tailEnd type="none"/>
+              </a:ln>
+            </p:spPr>
+            <p:style>
+              <a:lnRef idx="1">
+                <a:schemeClr val="accent1"/>
+              </a:lnRef>
+              <a:fillRef idx="0">
+                <a:schemeClr val="accent1"/>
+              </a:fillRef>
+              <a:effectRef idx="0">
+                <a:schemeClr val="accent1"/>
+              </a:effectRef>
+              <a:fontRef idx="minor">
+                <a:schemeClr val="tx1"/>
+              </a:fontRef>
+            </p:style>
+            <p:txBody>
+              <a:bodyPr rtlCol="0" anchor="ctr"/>
+              <a:lstStyle/>
+              <a:p>
+                <a:pPr algn="ctr"/>
+                <a:endParaRPr lang="en-US"/>
+              </a:p>
+            </p:txBody>
+          </p:sp>
+          <mc:AlternateContent xmlns:mc="http://schemas.openxmlformats.org/markup-compatibility/2006">
+            <mc:Choice xmlns:a14="http://schemas.microsoft.com/office/drawing/2010/main" Requires="a14">
+              <p:sp>
+                <p:nvSpPr>
+                  <p:cNvPr id="179" name="TextBox 178"/>
+                  <p:cNvSpPr txBox="1"/>
+                  <p:nvPr/>
+                </p:nvSpPr>
+                <p:spPr>
+                  <a:xfrm>
+                    <a:off x="4202064" y="469562"/>
+                    <a:ext cx="320304" cy="250646"/>
+                  </a:xfrm>
+                  <a:prstGeom prst="rect">
+                    <a:avLst/>
+                  </a:prstGeom>
+                  <a:noFill/>
+                </p:spPr>
+                <p:txBody>
+                  <a:bodyPr wrap="square" rtlCol="0">
+                    <a:spAutoFit/>
+                  </a:bodyPr>
+                  <a:lstStyle/>
+                  <a:p>
+                    <a:pPr/>
+                    <a14:m>
+                      <m:oMathPara xmlns:m="http://schemas.openxmlformats.org/officeDocument/2006/math">
+                        <m:oMathParaPr>
+                          <m:jc m:val="centerGroup"/>
+                        </m:oMathParaPr>
+                        <m:oMath xmlns:m="http://schemas.openxmlformats.org/officeDocument/2006/math">
+                          <m:acc>
+                            <m:accPr>
+                              <m:chr m:val="́"/>
+                              <m:ctrlPr>
+                                <a:rPr lang="en-US" sz="1000" b="0" i="1" smtClean="0">
+                                  <a:solidFill>
+                                    <a:schemeClr val="tx1">
+                                      <a:lumMod val="50000"/>
+                                      <a:lumOff val="50000"/>
+                                    </a:schemeClr>
+                                  </a:solidFill>
+                                  <a:latin typeface="Cambria Math" panose="02040503050406030204" pitchFamily="18" charset="0"/>
+                                  <a:cs typeface="Times New Roman" panose="02020603050405020304" pitchFamily="18" charset="0"/>
+                                </a:rPr>
+                              </m:ctrlPr>
+                            </m:accPr>
+                            <m:e>
+                              <m:r>
+                                <a:rPr lang="en-US" sz="1000" i="1" smtClean="0">
+                                  <a:solidFill>
+                                    <a:schemeClr val="tx1">
+                                      <a:lumMod val="50000"/>
+                                      <a:lumOff val="50000"/>
+                                    </a:schemeClr>
+                                  </a:solidFill>
+                                  <a:latin typeface="Cambria Math" panose="02040503050406030204" pitchFamily="18" charset="0"/>
+                                  <a:cs typeface="Times New Roman" panose="02020603050405020304" pitchFamily="18" charset="0"/>
+                                </a:rPr>
+                                <m:t>𝐻</m:t>
+                              </m:r>
+                            </m:e>
+                          </m:acc>
+                        </m:oMath>
+                      </m:oMathPara>
+                    </a14:m>
+                    <a:endParaRPr lang="en-US" sz="1000" dirty="0">
+                      <a:solidFill>
+                        <a:schemeClr val="tx1">
+                          <a:lumMod val="50000"/>
+                          <a:lumOff val="50000"/>
+                        </a:schemeClr>
+                      </a:solidFill>
+                      <a:latin typeface="Times New Roman" panose="02020603050405020304" pitchFamily="18" charset="0"/>
+                      <a:cs typeface="Times New Roman" panose="02020603050405020304" pitchFamily="18" charset="0"/>
+                    </a:endParaRPr>
+                  </a:p>
+                </p:txBody>
+              </p:sp>
+            </mc:Choice>
+            <mc:Fallback>
+              <p:sp>
+                <p:nvSpPr>
+                  <p:cNvPr id="179" name="TextBox 178"/>
+                  <p:cNvSpPr txBox="1">
+                    <a:spLocks noRot="1" noChangeAspect="1" noMove="1" noResize="1" noEditPoints="1" noAdjustHandles="1" noChangeArrowheads="1" noChangeShapeType="1" noTextEdit="1"/>
+                  </p:cNvSpPr>
+                  <p:nvPr/>
+                </p:nvSpPr>
+                <p:spPr>
+                  <a:xfrm>
+                    <a:off x="4202064" y="469562"/>
+                    <a:ext cx="320304" cy="250646"/>
+                  </a:xfrm>
+                  <a:prstGeom prst="rect">
+                    <a:avLst/>
+                  </a:prstGeom>
+                  <a:blipFill>
+                    <a:blip r:embed="rId12"/>
+                    <a:stretch>
+                      <a:fillRect/>
+                    </a:stretch>
+                  </a:blipFill>
+                </p:spPr>
+                <p:txBody>
+                  <a:bodyPr/>
+                  <a:lstStyle/>
+                  <a:p>
+                    <a:r>
+                      <a:rPr lang="en-US">
+                        <a:noFill/>
+                      </a:rPr>
+                      <a:t> </a:t>
+                    </a:r>
+                  </a:p>
+                </p:txBody>
+              </p:sp>
+            </mc:Fallback>
+          </mc:AlternateContent>
+          <mc:AlternateContent xmlns:mc="http://schemas.openxmlformats.org/markup-compatibility/2006">
+            <mc:Choice xmlns:a14="http://schemas.microsoft.com/office/drawing/2010/main" Requires="a14">
+              <p:sp>
+                <p:nvSpPr>
+                  <p:cNvPr id="180" name="TextBox 179"/>
+                  <p:cNvSpPr txBox="1"/>
+                  <p:nvPr/>
+                </p:nvSpPr>
+                <p:spPr>
+                  <a:xfrm>
+                    <a:off x="3725118" y="469562"/>
+                    <a:ext cx="320304" cy="246221"/>
+                  </a:xfrm>
+                  <a:prstGeom prst="rect">
+                    <a:avLst/>
+                  </a:prstGeom>
+                  <a:noFill/>
+                </p:spPr>
+                <p:txBody>
+                  <a:bodyPr wrap="square" rtlCol="0">
+                    <a:spAutoFit/>
+                  </a:bodyPr>
+                  <a:lstStyle/>
+                  <a:p>
+                    <a:pPr/>
+                    <a14:m>
+                      <m:oMathPara xmlns:m="http://schemas.openxmlformats.org/officeDocument/2006/math">
+                        <m:oMathParaPr>
+                          <m:jc m:val="centerGroup"/>
+                        </m:oMathParaPr>
+                        <m:oMath xmlns:m="http://schemas.openxmlformats.org/officeDocument/2006/math">
+                          <m:r>
+                            <a:rPr lang="en-US" sz="1000" b="0" i="1" smtClean="0">
+                              <a:solidFill>
+                                <a:schemeClr val="tx1">
+                                  <a:lumMod val="50000"/>
+                                  <a:lumOff val="50000"/>
+                                </a:schemeClr>
+                              </a:solidFill>
+                              <a:latin typeface="Cambria Math" panose="02040503050406030204" pitchFamily="18" charset="0"/>
+                              <a:cs typeface="Times New Roman" panose="02020603050405020304" pitchFamily="18" charset="0"/>
+                            </a:rPr>
+                            <m:t>𝐹</m:t>
+                          </m:r>
+                        </m:oMath>
+                      </m:oMathPara>
+                    </a14:m>
+                    <a:endParaRPr lang="en-US" sz="1000" dirty="0">
+                      <a:solidFill>
+                        <a:schemeClr val="tx1">
+                          <a:lumMod val="50000"/>
+                          <a:lumOff val="50000"/>
+                        </a:schemeClr>
+                      </a:solidFill>
+                      <a:latin typeface="Times New Roman" panose="02020603050405020304" pitchFamily="18" charset="0"/>
+                      <a:cs typeface="Times New Roman" panose="02020603050405020304" pitchFamily="18" charset="0"/>
+                    </a:endParaRPr>
+                  </a:p>
+                </p:txBody>
+              </p:sp>
+            </mc:Choice>
+            <mc:Fallback>
+              <p:sp>
+                <p:nvSpPr>
+                  <p:cNvPr id="180" name="TextBox 179"/>
+                  <p:cNvSpPr txBox="1">
+                    <a:spLocks noRot="1" noChangeAspect="1" noMove="1" noResize="1" noEditPoints="1" noAdjustHandles="1" noChangeArrowheads="1" noChangeShapeType="1" noTextEdit="1"/>
+                  </p:cNvSpPr>
+                  <p:nvPr/>
+                </p:nvSpPr>
+                <p:spPr>
+                  <a:xfrm>
+                    <a:off x="3725118" y="469562"/>
+                    <a:ext cx="320304" cy="246221"/>
+                  </a:xfrm>
+                  <a:prstGeom prst="rect">
+                    <a:avLst/>
+                  </a:prstGeom>
+                  <a:blipFill>
+                    <a:blip r:embed="rId13"/>
+                    <a:stretch>
+                      <a:fillRect/>
+                    </a:stretch>
+                  </a:blipFill>
+                </p:spPr>
+                <p:txBody>
+                  <a:bodyPr/>
+                  <a:lstStyle/>
+                  <a:p>
+                    <a:r>
+                      <a:rPr lang="en-US">
+                        <a:noFill/>
+                      </a:rPr>
+                      <a:t> </a:t>
+                    </a:r>
+                  </a:p>
+                </p:txBody>
+              </p:sp>
+            </mc:Fallback>
+          </mc:AlternateContent>
+          <p:sp>
+            <p:nvSpPr>
+              <p:cNvPr id="187" name="TextBox 186"/>
+              <p:cNvSpPr txBox="1"/>
+              <p:nvPr/>
+            </p:nvSpPr>
+            <p:spPr>
+              <a:xfrm>
+                <a:off x="5102101" y="2411515"/>
+                <a:ext cx="338554" cy="261610"/>
+              </a:xfrm>
+              <a:prstGeom prst="rect">
+                <a:avLst/>
+              </a:prstGeom>
+              <a:noFill/>
+            </p:spPr>
+            <p:txBody>
+              <a:bodyPr wrap="none" rtlCol="0">
+                <a:spAutoFit/>
+              </a:bodyPr>
+              <a:lstStyle/>
+              <a:p>
+                <a:r>
+                  <a:rPr lang="en-US" sz="1100">
+                    <a:solidFill>
+                      <a:schemeClr val="bg1">
+                        <a:lumMod val="95000"/>
+                      </a:schemeClr>
+                    </a:solidFill>
+                  </a:rPr>
+                  <a:t>(a)</a:t>
+                </a:r>
+              </a:p>
+            </p:txBody>
+          </p:sp>
+          <p:cxnSp>
+            <p:nvCxnSpPr>
+              <p:cNvPr id="81" name="Straight Connector 80"/>
+              <p:cNvCxnSpPr/>
+              <p:nvPr/>
+            </p:nvCxnSpPr>
+            <p:spPr>
+              <a:xfrm>
+                <a:off x="1226821" y="295685"/>
+                <a:ext cx="0" cy="2377440"/>
+              </a:xfrm>
+              <a:prstGeom prst="line">
+                <a:avLst/>
+              </a:prstGeom>
+              <a:ln w="9525" cap="rnd">
+                <a:solidFill>
+                  <a:schemeClr val="tx1">
+                    <a:lumMod val="50000"/>
+                    <a:lumOff val="50000"/>
+                    <a:alpha val="88000"/>
+                  </a:schemeClr>
+                </a:solidFill>
+                <a:prstDash val="dash"/>
+              </a:ln>
+            </p:spPr>
+            <p:style>
+              <a:lnRef idx="1">
+                <a:schemeClr val="accent1"/>
+              </a:lnRef>
+              <a:fillRef idx="0">
+                <a:schemeClr val="accent1"/>
+              </a:fillRef>
+              <a:effectRef idx="0">
+                <a:schemeClr val="accent1"/>
+              </a:effectRef>
+              <a:fontRef idx="minor">
+                <a:schemeClr val="tx1"/>
+              </a:fontRef>
+            </p:style>
+          </p:cxnSp>
+          <p:cxnSp>
+            <p:nvCxnSpPr>
+              <p:cNvPr id="83" name="Straight Connector 82"/>
+              <p:cNvCxnSpPr/>
+              <p:nvPr/>
+            </p:nvCxnSpPr>
+            <p:spPr>
+              <a:xfrm>
+                <a:off x="336968" y="292531"/>
+                <a:ext cx="0" cy="2377440"/>
+              </a:xfrm>
+              <a:prstGeom prst="line">
+                <a:avLst/>
+              </a:prstGeom>
+              <a:ln w="9525" cap="rnd">
+                <a:solidFill>
+                  <a:schemeClr val="tx1">
+                    <a:lumMod val="50000"/>
+                    <a:lumOff val="50000"/>
+                    <a:alpha val="88000"/>
+                  </a:schemeClr>
+                </a:solidFill>
+                <a:prstDash val="dash"/>
+              </a:ln>
+            </p:spPr>
+            <p:style>
+              <a:lnRef idx="1">
+                <a:schemeClr val="accent1"/>
+              </a:lnRef>
+              <a:fillRef idx="0">
+                <a:schemeClr val="accent1"/>
+              </a:fillRef>
+              <a:effectRef idx="0">
+                <a:schemeClr val="accent1"/>
+              </a:effectRef>
+              <a:fontRef idx="minor">
+                <a:schemeClr val="tx1"/>
+              </a:fontRef>
+            </p:style>
+          </p:cxnSp>
+          <p:cxnSp>
+            <p:nvCxnSpPr>
+              <p:cNvPr id="165" name="Straight Arrow Connector 164"/>
+              <p:cNvCxnSpPr/>
+              <p:nvPr/>
+            </p:nvCxnSpPr>
+            <p:spPr>
+              <a:xfrm flipV="1">
+                <a:off x="332230" y="2598542"/>
+                <a:ext cx="894591" cy="0"/>
+              </a:xfrm>
+              <a:prstGeom prst="straightConnector1">
+                <a:avLst/>
+              </a:prstGeom>
+              <a:ln w="12700">
+                <a:solidFill>
+                  <a:srgbClr val="FFFF00"/>
+                </a:solidFill>
+                <a:headEnd type="arrow" w="med" len="sm"/>
+                <a:tailEnd type="arrow" w="med" len="sm"/>
+              </a:ln>
+            </p:spPr>
+            <p:style>
+              <a:lnRef idx="1">
+                <a:schemeClr val="accent1"/>
+              </a:lnRef>
+              <a:fillRef idx="0">
+                <a:schemeClr val="accent1"/>
+              </a:fillRef>
+              <a:effectRef idx="0">
+                <a:schemeClr val="accent1"/>
+              </a:effectRef>
+              <a:fontRef idx="minor">
+                <a:schemeClr val="tx1"/>
+              </a:fontRef>
+            </p:style>
+          </p:cxnSp>
         </p:grpSp>
       </p:grpSp>
     </p:spTree>

--- a/chapters/figures_chapters_1_2/Chapter01/figures_PPT.pptx
+++ b/chapters/figures_chapters_1_2/Chapter01/figures_PPT.pptx
@@ -6,6 +6,7 @@
   </p:sldMasterIdLst>
   <p:sldIdLst>
     <p:sldId id="296" r:id="rId2"/>
+    <p:sldId id="297" r:id="rId3"/>
   </p:sldIdLst>
   <p:sldSz cx="5486400" cy="7772400"/>
   <p:notesSz cx="6858000" cy="9144000"/>
@@ -243,7 +244,7 @@
           <a:p>
             <a:fld id="{D25EE769-EC14-4089-BCC7-B0C4A40ED0F9}" type="datetimeFigureOut">
               <a:rPr lang="en-US" smtClean="0"/>
-              <a:t>10/22/2016</a:t>
+              <a:t>4/29/2017</a:t>
             </a:fld>
             <a:endParaRPr lang="en-US"/>
           </a:p>
@@ -413,7 +414,7 @@
           <a:p>
             <a:fld id="{D25EE769-EC14-4089-BCC7-B0C4A40ED0F9}" type="datetimeFigureOut">
               <a:rPr lang="en-US" smtClean="0"/>
-              <a:t>10/22/2016</a:t>
+              <a:t>4/29/2017</a:t>
             </a:fld>
             <a:endParaRPr lang="en-US"/>
           </a:p>
@@ -593,7 +594,7 @@
           <a:p>
             <a:fld id="{D25EE769-EC14-4089-BCC7-B0C4A40ED0F9}" type="datetimeFigureOut">
               <a:rPr lang="en-US" smtClean="0"/>
-              <a:t>10/22/2016</a:t>
+              <a:t>4/29/2017</a:t>
             </a:fld>
             <a:endParaRPr lang="en-US"/>
           </a:p>
@@ -763,7 +764,7 @@
           <a:p>
             <a:fld id="{D25EE769-EC14-4089-BCC7-B0C4A40ED0F9}" type="datetimeFigureOut">
               <a:rPr lang="en-US" smtClean="0"/>
-              <a:t>10/22/2016</a:t>
+              <a:t>4/29/2017</a:t>
             </a:fld>
             <a:endParaRPr lang="en-US"/>
           </a:p>
@@ -1007,7 +1008,7 @@
           <a:p>
             <a:fld id="{D25EE769-EC14-4089-BCC7-B0C4A40ED0F9}" type="datetimeFigureOut">
               <a:rPr lang="en-US" smtClean="0"/>
-              <a:t>10/22/2016</a:t>
+              <a:t>4/29/2017</a:t>
             </a:fld>
             <a:endParaRPr lang="en-US"/>
           </a:p>
@@ -1239,7 +1240,7 @@
           <a:p>
             <a:fld id="{D25EE769-EC14-4089-BCC7-B0C4A40ED0F9}" type="datetimeFigureOut">
               <a:rPr lang="en-US" smtClean="0"/>
-              <a:t>10/22/2016</a:t>
+              <a:t>4/29/2017</a:t>
             </a:fld>
             <a:endParaRPr lang="en-US"/>
           </a:p>
@@ -1606,7 +1607,7 @@
           <a:p>
             <a:fld id="{D25EE769-EC14-4089-BCC7-B0C4A40ED0F9}" type="datetimeFigureOut">
               <a:rPr lang="en-US" smtClean="0"/>
-              <a:t>10/22/2016</a:t>
+              <a:t>4/29/2017</a:t>
             </a:fld>
             <a:endParaRPr lang="en-US"/>
           </a:p>
@@ -1724,7 +1725,7 @@
           <a:p>
             <a:fld id="{D25EE769-EC14-4089-BCC7-B0C4A40ED0F9}" type="datetimeFigureOut">
               <a:rPr lang="en-US" smtClean="0"/>
-              <a:t>10/22/2016</a:t>
+              <a:t>4/29/2017</a:t>
             </a:fld>
             <a:endParaRPr lang="en-US"/>
           </a:p>
@@ -1819,7 +1820,7 @@
           <a:p>
             <a:fld id="{D25EE769-EC14-4089-BCC7-B0C4A40ED0F9}" type="datetimeFigureOut">
               <a:rPr lang="en-US" smtClean="0"/>
-              <a:t>10/22/2016</a:t>
+              <a:t>4/29/2017</a:t>
             </a:fld>
             <a:endParaRPr lang="en-US"/>
           </a:p>
@@ -2096,7 +2097,7 @@
           <a:p>
             <a:fld id="{D25EE769-EC14-4089-BCC7-B0C4A40ED0F9}" type="datetimeFigureOut">
               <a:rPr lang="en-US" smtClean="0"/>
-              <a:t>10/22/2016</a:t>
+              <a:t>4/29/2017</a:t>
             </a:fld>
             <a:endParaRPr lang="en-US"/>
           </a:p>
@@ -2353,7 +2354,7 @@
           <a:p>
             <a:fld id="{D25EE769-EC14-4089-BCC7-B0C4A40ED0F9}" type="datetimeFigureOut">
               <a:rPr lang="en-US" smtClean="0"/>
-              <a:t>10/22/2016</a:t>
+              <a:t>4/29/2017</a:t>
             </a:fld>
             <a:endParaRPr lang="en-US"/>
           </a:p>
@@ -2566,7 +2567,7 @@
           <a:p>
             <a:fld id="{D25EE769-EC14-4089-BCC7-B0C4A40ED0F9}" type="datetimeFigureOut">
               <a:rPr lang="en-US" smtClean="0"/>
-              <a:t>10/22/2016</a:t>
+              <a:t>4/29/2017</a:t>
             </a:fld>
             <a:endParaRPr lang="en-US"/>
           </a:p>
@@ -6539,8 +6540,8 @@
               </a:fontRef>
             </p:style>
           </p:cxnSp>
-          <mc:AlternateContent xmlns:mc="http://schemas.openxmlformats.org/markup-compatibility/2006">
-            <mc:Choice xmlns:a14="http://schemas.microsoft.com/office/drawing/2010/main" Requires="a14">
+          <mc:AlternateContent xmlns:mc="http://schemas.openxmlformats.org/markup-compatibility/2006" xmlns:a14="http://schemas.microsoft.com/office/drawing/2010/main">
+            <mc:Choice Requires="a14">
               <p:sp>
                 <p:nvSpPr>
                   <p:cNvPr id="176" name="TextBox 175"/>
@@ -6600,7 +6601,7 @@
                 </p:txBody>
               </p:sp>
             </mc:Choice>
-            <mc:Fallback>
+            <mc:Fallback xmlns="">
               <p:sp>
                 <p:nvSpPr>
                   <p:cNvPr id="176" name="TextBox 175"/>
@@ -6733,8 +6734,8 @@
               </a:p>
             </p:txBody>
           </p:sp>
-          <mc:AlternateContent xmlns:mc="http://schemas.openxmlformats.org/markup-compatibility/2006">
-            <mc:Choice xmlns:a14="http://schemas.microsoft.com/office/drawing/2010/main" Requires="a14">
+          <mc:AlternateContent xmlns:mc="http://schemas.openxmlformats.org/markup-compatibility/2006" xmlns:a14="http://schemas.microsoft.com/office/drawing/2010/main">
+            <mc:Choice Requires="a14">
               <p:sp>
                 <p:nvSpPr>
                   <p:cNvPr id="179" name="TextBox 178"/>
@@ -6813,7 +6814,7 @@
                 </p:txBody>
               </p:sp>
             </mc:Choice>
-            <mc:Fallback>
+            <mc:Fallback xmlns="">
               <p:sp>
                 <p:nvSpPr>
                   <p:cNvPr id="179" name="TextBox 178"/>
@@ -6852,8 +6853,8 @@
               </p:sp>
             </mc:Fallback>
           </mc:AlternateContent>
-          <mc:AlternateContent xmlns:mc="http://schemas.openxmlformats.org/markup-compatibility/2006">
-            <mc:Choice xmlns:a14="http://schemas.microsoft.com/office/drawing/2010/main" Requires="a14">
+          <mc:AlternateContent xmlns:mc="http://schemas.openxmlformats.org/markup-compatibility/2006" xmlns:a14="http://schemas.microsoft.com/office/drawing/2010/main">
+            <mc:Choice Requires="a14">
               <p:sp>
                 <p:nvSpPr>
                   <p:cNvPr id="180" name="TextBox 179"/>
@@ -6913,7 +6914,7 @@
                 </p:txBody>
               </p:sp>
             </mc:Choice>
-            <mc:Fallback>
+            <mc:Fallback xmlns="">
               <p:sp>
                 <p:nvSpPr>
                   <p:cNvPr id="180" name="TextBox 179"/>
@@ -7110,6 +7111,2582 @@
     <p:extLst>
       <p:ext uri="{BB962C8B-B14F-4D97-AF65-F5344CB8AC3E}">
         <p14:creationId xmlns:p14="http://schemas.microsoft.com/office/powerpoint/2010/main" val="3350786273"/>
+      </p:ext>
+    </p:extLst>
+  </p:cSld>
+  <p:clrMapOvr>
+    <a:masterClrMapping/>
+  </p:clrMapOvr>
+</p:sld>
+</file>
+
+<file path=ppt/slides/slide2.xml><?xml version="1.0" encoding="utf-8"?>
+<p:sld xmlns:a="http://schemas.openxmlformats.org/drawingml/2006/main" xmlns:r="http://schemas.openxmlformats.org/officeDocument/2006/relationships" xmlns:p="http://schemas.openxmlformats.org/presentationml/2006/main">
+  <p:cSld>
+    <p:spTree>
+      <p:nvGrpSpPr>
+        <p:cNvPr id="1" name=""/>
+        <p:cNvGrpSpPr/>
+        <p:nvPr/>
+      </p:nvGrpSpPr>
+      <p:grpSpPr>
+        <a:xfrm>
+          <a:off x="0" y="0"/>
+          <a:ext cx="0" cy="0"/>
+          <a:chOff x="0" y="0"/>
+          <a:chExt cx="0" cy="0"/>
+        </a:xfrm>
+      </p:grpSpPr>
+      <p:sp>
+        <p:nvSpPr>
+          <p:cNvPr id="18" name="Cube 17" hidden="1"/>
+          <p:cNvSpPr/>
+          <p:nvPr/>
+        </p:nvSpPr>
+        <p:spPr>
+          <a:xfrm>
+            <a:off x="2296443" y="844618"/>
+            <a:ext cx="283634" cy="281679"/>
+          </a:xfrm>
+          <a:prstGeom prst="cube">
+            <a:avLst>
+              <a:gd name="adj" fmla="val 25000"/>
+            </a:avLst>
+          </a:prstGeom>
+          <a:solidFill>
+            <a:schemeClr val="bg1">
+              <a:lumMod val="65000"/>
+              <a:alpha val="85000"/>
+            </a:schemeClr>
+          </a:solidFill>
+          <a:ln w="0">
+            <a:solidFill>
+              <a:schemeClr val="tx1">
+                <a:lumMod val="50000"/>
+                <a:lumOff val="50000"/>
+                <a:alpha val="34000"/>
+              </a:schemeClr>
+            </a:solidFill>
+          </a:ln>
+          <a:effectLst>
+            <a:outerShdw blurRad="76200" dist="12700" dir="13500000" sy="23000" kx="1200000" algn="br" rotWithShape="0">
+              <a:prstClr val="black">
+                <a:alpha val="48000"/>
+              </a:prstClr>
+            </a:outerShdw>
+          </a:effectLst>
+        </p:spPr>
+        <p:style>
+          <a:lnRef idx="2">
+            <a:schemeClr val="accent1">
+              <a:shade val="50000"/>
+            </a:schemeClr>
+          </a:lnRef>
+          <a:fillRef idx="1">
+            <a:schemeClr val="accent1"/>
+          </a:fillRef>
+          <a:effectRef idx="0">
+            <a:schemeClr val="accent1"/>
+          </a:effectRef>
+          <a:fontRef idx="minor">
+            <a:schemeClr val="lt1"/>
+          </a:fontRef>
+        </p:style>
+        <p:txBody>
+          <a:bodyPr rtlCol="0" anchor="ctr"/>
+          <a:lstStyle/>
+          <a:p>
+            <a:pPr algn="ctr"/>
+            <a:endParaRPr lang="en-US" sz="1100"/>
+          </a:p>
+        </p:txBody>
+      </p:sp>
+      <p:sp>
+        <p:nvSpPr>
+          <p:cNvPr id="21" name="Cube 20" hidden="1"/>
+          <p:cNvSpPr/>
+          <p:nvPr/>
+        </p:nvSpPr>
+        <p:spPr>
+          <a:xfrm>
+            <a:off x="266989" y="844618"/>
+            <a:ext cx="283634" cy="281679"/>
+          </a:xfrm>
+          <a:prstGeom prst="cube">
+            <a:avLst>
+              <a:gd name="adj" fmla="val 25000"/>
+            </a:avLst>
+          </a:prstGeom>
+          <a:solidFill>
+            <a:schemeClr val="bg1">
+              <a:lumMod val="65000"/>
+              <a:alpha val="85000"/>
+            </a:schemeClr>
+          </a:solidFill>
+          <a:ln w="0">
+            <a:solidFill>
+              <a:schemeClr val="tx1">
+                <a:lumMod val="50000"/>
+                <a:lumOff val="50000"/>
+                <a:alpha val="34000"/>
+              </a:schemeClr>
+            </a:solidFill>
+          </a:ln>
+          <a:effectLst>
+            <a:outerShdw blurRad="76200" dist="12700" dir="13500000" sy="23000" kx="1200000" algn="br" rotWithShape="0">
+              <a:prstClr val="black">
+                <a:alpha val="48000"/>
+              </a:prstClr>
+            </a:outerShdw>
+          </a:effectLst>
+        </p:spPr>
+        <p:style>
+          <a:lnRef idx="2">
+            <a:schemeClr val="accent1">
+              <a:shade val="50000"/>
+            </a:schemeClr>
+          </a:lnRef>
+          <a:fillRef idx="1">
+            <a:schemeClr val="accent1"/>
+          </a:fillRef>
+          <a:effectRef idx="0">
+            <a:schemeClr val="accent1"/>
+          </a:effectRef>
+          <a:fontRef idx="minor">
+            <a:schemeClr val="lt1"/>
+          </a:fontRef>
+        </p:style>
+        <p:txBody>
+          <a:bodyPr rtlCol="0" anchor="ctr"/>
+          <a:lstStyle/>
+          <a:p>
+            <a:pPr algn="ctr"/>
+            <a:endParaRPr lang="en-US" sz="1100"/>
+          </a:p>
+        </p:txBody>
+      </p:sp>
+      <p:sp>
+        <p:nvSpPr>
+          <p:cNvPr id="22" name="Cube 21" hidden="1"/>
+          <p:cNvSpPr/>
+          <p:nvPr/>
+        </p:nvSpPr>
+        <p:spPr>
+          <a:xfrm>
+            <a:off x="941844" y="844618"/>
+            <a:ext cx="283634" cy="281679"/>
+          </a:xfrm>
+          <a:prstGeom prst="cube">
+            <a:avLst>
+              <a:gd name="adj" fmla="val 25000"/>
+            </a:avLst>
+          </a:prstGeom>
+          <a:solidFill>
+            <a:schemeClr val="bg1">
+              <a:lumMod val="65000"/>
+              <a:alpha val="85000"/>
+            </a:schemeClr>
+          </a:solidFill>
+          <a:ln w="0">
+            <a:solidFill>
+              <a:schemeClr val="tx1">
+                <a:lumMod val="50000"/>
+                <a:lumOff val="50000"/>
+                <a:alpha val="34000"/>
+              </a:schemeClr>
+            </a:solidFill>
+          </a:ln>
+          <a:effectLst>
+            <a:outerShdw blurRad="76200" dist="12700" dir="13500000" sy="23000" kx="1200000" algn="br" rotWithShape="0">
+              <a:prstClr val="black">
+                <a:alpha val="48000"/>
+              </a:prstClr>
+            </a:outerShdw>
+          </a:effectLst>
+        </p:spPr>
+        <p:style>
+          <a:lnRef idx="2">
+            <a:schemeClr val="accent1">
+              <a:shade val="50000"/>
+            </a:schemeClr>
+          </a:lnRef>
+          <a:fillRef idx="1">
+            <a:schemeClr val="accent1"/>
+          </a:fillRef>
+          <a:effectRef idx="0">
+            <a:schemeClr val="accent1"/>
+          </a:effectRef>
+          <a:fontRef idx="minor">
+            <a:schemeClr val="lt1"/>
+          </a:fontRef>
+        </p:style>
+        <p:txBody>
+          <a:bodyPr rtlCol="0" anchor="ctr"/>
+          <a:lstStyle/>
+          <a:p>
+            <a:pPr algn="ctr"/>
+            <a:endParaRPr lang="en-US" sz="1100"/>
+          </a:p>
+        </p:txBody>
+      </p:sp>
+      <p:sp>
+        <p:nvSpPr>
+          <p:cNvPr id="23" name="Cube 22" hidden="1"/>
+          <p:cNvSpPr/>
+          <p:nvPr/>
+        </p:nvSpPr>
+        <p:spPr>
+          <a:xfrm>
+            <a:off x="1616698" y="844618"/>
+            <a:ext cx="283634" cy="281679"/>
+          </a:xfrm>
+          <a:prstGeom prst="cube">
+            <a:avLst>
+              <a:gd name="adj" fmla="val 25000"/>
+            </a:avLst>
+          </a:prstGeom>
+          <a:solidFill>
+            <a:schemeClr val="bg1">
+              <a:lumMod val="65000"/>
+              <a:alpha val="85000"/>
+            </a:schemeClr>
+          </a:solidFill>
+          <a:ln w="0">
+            <a:solidFill>
+              <a:schemeClr val="tx1">
+                <a:lumMod val="50000"/>
+                <a:lumOff val="50000"/>
+                <a:alpha val="34000"/>
+              </a:schemeClr>
+            </a:solidFill>
+          </a:ln>
+          <a:effectLst>
+            <a:outerShdw blurRad="76200" dist="12700" dir="13500000" sy="23000" kx="1200000" algn="br" rotWithShape="0">
+              <a:prstClr val="black">
+                <a:alpha val="48000"/>
+              </a:prstClr>
+            </a:outerShdw>
+          </a:effectLst>
+        </p:spPr>
+        <p:style>
+          <a:lnRef idx="2">
+            <a:schemeClr val="accent1">
+              <a:shade val="50000"/>
+            </a:schemeClr>
+          </a:lnRef>
+          <a:fillRef idx="1">
+            <a:schemeClr val="accent1"/>
+          </a:fillRef>
+          <a:effectRef idx="0">
+            <a:schemeClr val="accent1"/>
+          </a:effectRef>
+          <a:fontRef idx="minor">
+            <a:schemeClr val="lt1"/>
+          </a:fontRef>
+        </p:style>
+        <p:txBody>
+          <a:bodyPr rtlCol="0" anchor="ctr"/>
+          <a:lstStyle/>
+          <a:p>
+            <a:pPr algn="ctr"/>
+            <a:endParaRPr lang="en-US" sz="1100"/>
+          </a:p>
+        </p:txBody>
+      </p:sp>
+      <p:sp>
+        <p:nvSpPr>
+          <p:cNvPr id="24" name="Cube 23" hidden="1"/>
+          <p:cNvSpPr/>
+          <p:nvPr/>
+        </p:nvSpPr>
+        <p:spPr>
+          <a:xfrm>
+            <a:off x="2966356" y="844618"/>
+            <a:ext cx="283634" cy="281679"/>
+          </a:xfrm>
+          <a:prstGeom prst="cube">
+            <a:avLst>
+              <a:gd name="adj" fmla="val 25000"/>
+            </a:avLst>
+          </a:prstGeom>
+          <a:solidFill>
+            <a:schemeClr val="bg1">
+              <a:lumMod val="65000"/>
+              <a:alpha val="85000"/>
+            </a:schemeClr>
+          </a:solidFill>
+          <a:ln w="0">
+            <a:solidFill>
+              <a:schemeClr val="tx1">
+                <a:lumMod val="50000"/>
+                <a:lumOff val="50000"/>
+                <a:alpha val="34000"/>
+              </a:schemeClr>
+            </a:solidFill>
+          </a:ln>
+          <a:effectLst>
+            <a:outerShdw blurRad="76200" dist="12700" dir="13500000" sy="23000" kx="1200000" algn="br" rotWithShape="0">
+              <a:prstClr val="black">
+                <a:alpha val="48000"/>
+              </a:prstClr>
+            </a:outerShdw>
+          </a:effectLst>
+        </p:spPr>
+        <p:style>
+          <a:lnRef idx="2">
+            <a:schemeClr val="accent1">
+              <a:shade val="50000"/>
+            </a:schemeClr>
+          </a:lnRef>
+          <a:fillRef idx="1">
+            <a:schemeClr val="accent1"/>
+          </a:fillRef>
+          <a:effectRef idx="0">
+            <a:schemeClr val="accent1"/>
+          </a:effectRef>
+          <a:fontRef idx="minor">
+            <a:schemeClr val="lt1"/>
+          </a:fontRef>
+        </p:style>
+        <p:txBody>
+          <a:bodyPr rtlCol="0" anchor="ctr"/>
+          <a:lstStyle/>
+          <a:p>
+            <a:pPr algn="ctr"/>
+            <a:endParaRPr lang="en-US" sz="1100"/>
+          </a:p>
+        </p:txBody>
+      </p:sp>
+      <p:sp>
+        <p:nvSpPr>
+          <p:cNvPr id="25" name="Cube 24" hidden="1"/>
+          <p:cNvSpPr/>
+          <p:nvPr/>
+        </p:nvSpPr>
+        <p:spPr>
+          <a:xfrm>
+            <a:off x="3651042" y="844618"/>
+            <a:ext cx="283634" cy="281679"/>
+          </a:xfrm>
+          <a:prstGeom prst="cube">
+            <a:avLst>
+              <a:gd name="adj" fmla="val 25000"/>
+            </a:avLst>
+          </a:prstGeom>
+          <a:solidFill>
+            <a:schemeClr val="bg1">
+              <a:lumMod val="65000"/>
+              <a:alpha val="85000"/>
+            </a:schemeClr>
+          </a:solidFill>
+          <a:ln w="0">
+            <a:solidFill>
+              <a:schemeClr val="tx1">
+                <a:lumMod val="50000"/>
+                <a:lumOff val="50000"/>
+                <a:alpha val="34000"/>
+              </a:schemeClr>
+            </a:solidFill>
+          </a:ln>
+          <a:effectLst>
+            <a:outerShdw blurRad="76200" dist="12700" dir="13500000" sy="23000" kx="1200000" algn="br" rotWithShape="0">
+              <a:prstClr val="black">
+                <a:alpha val="48000"/>
+              </a:prstClr>
+            </a:outerShdw>
+          </a:effectLst>
+        </p:spPr>
+        <p:style>
+          <a:lnRef idx="2">
+            <a:schemeClr val="accent1">
+              <a:shade val="50000"/>
+            </a:schemeClr>
+          </a:lnRef>
+          <a:fillRef idx="1">
+            <a:schemeClr val="accent1"/>
+          </a:fillRef>
+          <a:effectRef idx="0">
+            <a:schemeClr val="accent1"/>
+          </a:effectRef>
+          <a:fontRef idx="minor">
+            <a:schemeClr val="lt1"/>
+          </a:fontRef>
+        </p:style>
+        <p:txBody>
+          <a:bodyPr rtlCol="0" anchor="ctr"/>
+          <a:lstStyle/>
+          <a:p>
+            <a:pPr algn="ctr"/>
+            <a:endParaRPr lang="en-US" sz="1100"/>
+          </a:p>
+        </p:txBody>
+      </p:sp>
+      <p:sp>
+        <p:nvSpPr>
+          <p:cNvPr id="34" name="Cube 33" hidden="1"/>
+          <p:cNvSpPr/>
+          <p:nvPr/>
+        </p:nvSpPr>
+        <p:spPr>
+          <a:xfrm>
+            <a:off x="2269766" y="3365872"/>
+            <a:ext cx="283634" cy="281679"/>
+          </a:xfrm>
+          <a:prstGeom prst="cube">
+            <a:avLst>
+              <a:gd name="adj" fmla="val 25000"/>
+            </a:avLst>
+          </a:prstGeom>
+          <a:solidFill>
+            <a:schemeClr val="bg1">
+              <a:lumMod val="65000"/>
+              <a:alpha val="85000"/>
+            </a:schemeClr>
+          </a:solidFill>
+          <a:ln w="0">
+            <a:solidFill>
+              <a:schemeClr val="tx1">
+                <a:lumMod val="50000"/>
+                <a:lumOff val="50000"/>
+                <a:alpha val="34000"/>
+              </a:schemeClr>
+            </a:solidFill>
+          </a:ln>
+          <a:effectLst>
+            <a:outerShdw blurRad="76200" dist="12700" dir="13500000" sy="23000" kx="1200000" algn="br" rotWithShape="0">
+              <a:prstClr val="black">
+                <a:alpha val="48000"/>
+              </a:prstClr>
+            </a:outerShdw>
+          </a:effectLst>
+        </p:spPr>
+        <p:style>
+          <a:lnRef idx="2">
+            <a:schemeClr val="accent1">
+              <a:shade val="50000"/>
+            </a:schemeClr>
+          </a:lnRef>
+          <a:fillRef idx="1">
+            <a:schemeClr val="accent1"/>
+          </a:fillRef>
+          <a:effectRef idx="0">
+            <a:schemeClr val="accent1"/>
+          </a:effectRef>
+          <a:fontRef idx="minor">
+            <a:schemeClr val="lt1"/>
+          </a:fontRef>
+        </p:style>
+        <p:txBody>
+          <a:bodyPr rtlCol="0" anchor="ctr"/>
+          <a:lstStyle/>
+          <a:p>
+            <a:pPr algn="ctr"/>
+            <a:endParaRPr lang="en-US" sz="1100"/>
+          </a:p>
+        </p:txBody>
+      </p:sp>
+      <p:sp>
+        <p:nvSpPr>
+          <p:cNvPr id="37" name="Cube 36" hidden="1"/>
+          <p:cNvSpPr/>
+          <p:nvPr/>
+        </p:nvSpPr>
+        <p:spPr>
+          <a:xfrm>
+            <a:off x="240312" y="3365872"/>
+            <a:ext cx="283634" cy="281679"/>
+          </a:xfrm>
+          <a:prstGeom prst="cube">
+            <a:avLst>
+              <a:gd name="adj" fmla="val 25000"/>
+            </a:avLst>
+          </a:prstGeom>
+          <a:solidFill>
+            <a:schemeClr val="bg1">
+              <a:lumMod val="65000"/>
+              <a:alpha val="85000"/>
+            </a:schemeClr>
+          </a:solidFill>
+          <a:ln w="0">
+            <a:solidFill>
+              <a:schemeClr val="tx1">
+                <a:lumMod val="50000"/>
+                <a:lumOff val="50000"/>
+                <a:alpha val="34000"/>
+              </a:schemeClr>
+            </a:solidFill>
+          </a:ln>
+          <a:effectLst>
+            <a:outerShdw blurRad="76200" dist="12700" dir="13500000" sy="23000" kx="1200000" algn="br" rotWithShape="0">
+              <a:prstClr val="black">
+                <a:alpha val="48000"/>
+              </a:prstClr>
+            </a:outerShdw>
+          </a:effectLst>
+        </p:spPr>
+        <p:style>
+          <a:lnRef idx="2">
+            <a:schemeClr val="accent1">
+              <a:shade val="50000"/>
+            </a:schemeClr>
+          </a:lnRef>
+          <a:fillRef idx="1">
+            <a:schemeClr val="accent1"/>
+          </a:fillRef>
+          <a:effectRef idx="0">
+            <a:schemeClr val="accent1"/>
+          </a:effectRef>
+          <a:fontRef idx="minor">
+            <a:schemeClr val="lt1"/>
+          </a:fontRef>
+        </p:style>
+        <p:txBody>
+          <a:bodyPr rtlCol="0" anchor="ctr"/>
+          <a:lstStyle/>
+          <a:p>
+            <a:pPr algn="ctr"/>
+            <a:endParaRPr lang="en-US" sz="1100"/>
+          </a:p>
+        </p:txBody>
+      </p:sp>
+      <p:sp>
+        <p:nvSpPr>
+          <p:cNvPr id="38" name="Cube 37" hidden="1"/>
+          <p:cNvSpPr/>
+          <p:nvPr/>
+        </p:nvSpPr>
+        <p:spPr>
+          <a:xfrm>
+            <a:off x="915167" y="3365872"/>
+            <a:ext cx="283634" cy="281679"/>
+          </a:xfrm>
+          <a:prstGeom prst="cube">
+            <a:avLst>
+              <a:gd name="adj" fmla="val 25000"/>
+            </a:avLst>
+          </a:prstGeom>
+          <a:solidFill>
+            <a:schemeClr val="bg1">
+              <a:lumMod val="65000"/>
+              <a:alpha val="85000"/>
+            </a:schemeClr>
+          </a:solidFill>
+          <a:ln w="0">
+            <a:solidFill>
+              <a:schemeClr val="tx1">
+                <a:lumMod val="50000"/>
+                <a:lumOff val="50000"/>
+                <a:alpha val="34000"/>
+              </a:schemeClr>
+            </a:solidFill>
+          </a:ln>
+          <a:effectLst>
+            <a:outerShdw blurRad="76200" dist="12700" dir="13500000" sy="23000" kx="1200000" algn="br" rotWithShape="0">
+              <a:prstClr val="black">
+                <a:alpha val="48000"/>
+              </a:prstClr>
+            </a:outerShdw>
+          </a:effectLst>
+        </p:spPr>
+        <p:style>
+          <a:lnRef idx="2">
+            <a:schemeClr val="accent1">
+              <a:shade val="50000"/>
+            </a:schemeClr>
+          </a:lnRef>
+          <a:fillRef idx="1">
+            <a:schemeClr val="accent1"/>
+          </a:fillRef>
+          <a:effectRef idx="0">
+            <a:schemeClr val="accent1"/>
+          </a:effectRef>
+          <a:fontRef idx="minor">
+            <a:schemeClr val="lt1"/>
+          </a:fontRef>
+        </p:style>
+        <p:txBody>
+          <a:bodyPr rtlCol="0" anchor="ctr"/>
+          <a:lstStyle/>
+          <a:p>
+            <a:pPr algn="ctr"/>
+            <a:endParaRPr lang="en-US" sz="1100"/>
+          </a:p>
+        </p:txBody>
+      </p:sp>
+      <p:sp>
+        <p:nvSpPr>
+          <p:cNvPr id="39" name="Cube 38" hidden="1"/>
+          <p:cNvSpPr/>
+          <p:nvPr/>
+        </p:nvSpPr>
+        <p:spPr>
+          <a:xfrm>
+            <a:off x="1590021" y="3365872"/>
+            <a:ext cx="283634" cy="281679"/>
+          </a:xfrm>
+          <a:prstGeom prst="cube">
+            <a:avLst>
+              <a:gd name="adj" fmla="val 25000"/>
+            </a:avLst>
+          </a:prstGeom>
+          <a:solidFill>
+            <a:schemeClr val="bg1">
+              <a:lumMod val="65000"/>
+              <a:alpha val="85000"/>
+            </a:schemeClr>
+          </a:solidFill>
+          <a:ln w="0">
+            <a:solidFill>
+              <a:schemeClr val="tx1">
+                <a:lumMod val="50000"/>
+                <a:lumOff val="50000"/>
+                <a:alpha val="34000"/>
+              </a:schemeClr>
+            </a:solidFill>
+          </a:ln>
+          <a:effectLst>
+            <a:outerShdw blurRad="76200" dist="12700" dir="13500000" sy="23000" kx="1200000" algn="br" rotWithShape="0">
+              <a:prstClr val="black">
+                <a:alpha val="48000"/>
+              </a:prstClr>
+            </a:outerShdw>
+          </a:effectLst>
+        </p:spPr>
+        <p:style>
+          <a:lnRef idx="2">
+            <a:schemeClr val="accent1">
+              <a:shade val="50000"/>
+            </a:schemeClr>
+          </a:lnRef>
+          <a:fillRef idx="1">
+            <a:schemeClr val="accent1"/>
+          </a:fillRef>
+          <a:effectRef idx="0">
+            <a:schemeClr val="accent1"/>
+          </a:effectRef>
+          <a:fontRef idx="minor">
+            <a:schemeClr val="lt1"/>
+          </a:fontRef>
+        </p:style>
+        <p:txBody>
+          <a:bodyPr rtlCol="0" anchor="ctr"/>
+          <a:lstStyle/>
+          <a:p>
+            <a:pPr algn="ctr"/>
+            <a:endParaRPr lang="en-US" sz="1100"/>
+          </a:p>
+        </p:txBody>
+      </p:sp>
+      <p:sp>
+        <p:nvSpPr>
+          <p:cNvPr id="40" name="Cube 39" hidden="1"/>
+          <p:cNvSpPr/>
+          <p:nvPr/>
+        </p:nvSpPr>
+        <p:spPr>
+          <a:xfrm>
+            <a:off x="2939679" y="3365872"/>
+            <a:ext cx="283634" cy="281679"/>
+          </a:xfrm>
+          <a:prstGeom prst="cube">
+            <a:avLst>
+              <a:gd name="adj" fmla="val 25000"/>
+            </a:avLst>
+          </a:prstGeom>
+          <a:solidFill>
+            <a:schemeClr val="bg1">
+              <a:lumMod val="65000"/>
+              <a:alpha val="85000"/>
+            </a:schemeClr>
+          </a:solidFill>
+          <a:ln w="0">
+            <a:solidFill>
+              <a:schemeClr val="tx1">
+                <a:lumMod val="50000"/>
+                <a:lumOff val="50000"/>
+                <a:alpha val="34000"/>
+              </a:schemeClr>
+            </a:solidFill>
+          </a:ln>
+          <a:effectLst>
+            <a:outerShdw blurRad="76200" dist="12700" dir="13500000" sy="23000" kx="1200000" algn="br" rotWithShape="0">
+              <a:prstClr val="black">
+                <a:alpha val="48000"/>
+              </a:prstClr>
+            </a:outerShdw>
+          </a:effectLst>
+        </p:spPr>
+        <p:style>
+          <a:lnRef idx="2">
+            <a:schemeClr val="accent1">
+              <a:shade val="50000"/>
+            </a:schemeClr>
+          </a:lnRef>
+          <a:fillRef idx="1">
+            <a:schemeClr val="accent1"/>
+          </a:fillRef>
+          <a:effectRef idx="0">
+            <a:schemeClr val="accent1"/>
+          </a:effectRef>
+          <a:fontRef idx="minor">
+            <a:schemeClr val="lt1"/>
+          </a:fontRef>
+        </p:style>
+        <p:txBody>
+          <a:bodyPr rtlCol="0" anchor="ctr"/>
+          <a:lstStyle/>
+          <a:p>
+            <a:pPr algn="ctr"/>
+            <a:endParaRPr lang="en-US" sz="1100"/>
+          </a:p>
+        </p:txBody>
+      </p:sp>
+      <p:sp>
+        <p:nvSpPr>
+          <p:cNvPr id="41" name="Cube 40" hidden="1"/>
+          <p:cNvSpPr/>
+          <p:nvPr/>
+        </p:nvSpPr>
+        <p:spPr>
+          <a:xfrm>
+            <a:off x="3624365" y="3365872"/>
+            <a:ext cx="283634" cy="281679"/>
+          </a:xfrm>
+          <a:prstGeom prst="cube">
+            <a:avLst>
+              <a:gd name="adj" fmla="val 25000"/>
+            </a:avLst>
+          </a:prstGeom>
+          <a:solidFill>
+            <a:schemeClr val="bg1">
+              <a:lumMod val="65000"/>
+              <a:alpha val="85000"/>
+            </a:schemeClr>
+          </a:solidFill>
+          <a:ln w="0">
+            <a:solidFill>
+              <a:schemeClr val="tx1">
+                <a:lumMod val="50000"/>
+                <a:lumOff val="50000"/>
+                <a:alpha val="34000"/>
+              </a:schemeClr>
+            </a:solidFill>
+          </a:ln>
+          <a:effectLst>
+            <a:outerShdw blurRad="76200" dist="12700" dir="13500000" sy="23000" kx="1200000" algn="br" rotWithShape="0">
+              <a:prstClr val="black">
+                <a:alpha val="48000"/>
+              </a:prstClr>
+            </a:outerShdw>
+          </a:effectLst>
+        </p:spPr>
+        <p:style>
+          <a:lnRef idx="2">
+            <a:schemeClr val="accent1">
+              <a:shade val="50000"/>
+            </a:schemeClr>
+          </a:lnRef>
+          <a:fillRef idx="1">
+            <a:schemeClr val="accent1"/>
+          </a:fillRef>
+          <a:effectRef idx="0">
+            <a:schemeClr val="accent1"/>
+          </a:effectRef>
+          <a:fontRef idx="minor">
+            <a:schemeClr val="lt1"/>
+          </a:fontRef>
+        </p:style>
+        <p:txBody>
+          <a:bodyPr rtlCol="0" anchor="ctr"/>
+          <a:lstStyle/>
+          <a:p>
+            <a:pPr algn="ctr"/>
+            <a:endParaRPr lang="en-US" sz="1100"/>
+          </a:p>
+        </p:txBody>
+      </p:sp>
+      <p:grpSp>
+        <p:nvGrpSpPr>
+          <p:cNvPr id="9" name="Group 8"/>
+          <p:cNvGrpSpPr/>
+          <p:nvPr/>
+        </p:nvGrpSpPr>
+        <p:grpSpPr>
+          <a:xfrm>
+            <a:off x="69850" y="2803525"/>
+            <a:ext cx="5369179" cy="2378075"/>
+            <a:chOff x="69850" y="2803525"/>
+            <a:chExt cx="5369179" cy="2378075"/>
+          </a:xfrm>
+        </p:grpSpPr>
+        <p:sp>
+          <p:nvSpPr>
+            <p:cNvPr id="36" name="Rectangle 35"/>
+            <p:cNvSpPr/>
+            <p:nvPr/>
+          </p:nvSpPr>
+          <p:spPr>
+            <a:xfrm>
+              <a:off x="69891" y="2804261"/>
+              <a:ext cx="5311754" cy="2377339"/>
+            </a:xfrm>
+            <a:prstGeom prst="rect">
+              <a:avLst/>
+            </a:prstGeom>
+            <a:solidFill>
+              <a:srgbClr val="302E30"/>
+            </a:solidFill>
+            <a:ln w="6350">
+              <a:solidFill>
+                <a:schemeClr val="tx1">
+                  <a:lumMod val="65000"/>
+                  <a:lumOff val="35000"/>
+                </a:schemeClr>
+              </a:solidFill>
+            </a:ln>
+          </p:spPr>
+          <p:style>
+            <a:lnRef idx="2">
+              <a:schemeClr val="accent1">
+                <a:shade val="50000"/>
+              </a:schemeClr>
+            </a:lnRef>
+            <a:fillRef idx="1">
+              <a:schemeClr val="accent1"/>
+            </a:fillRef>
+            <a:effectRef idx="0">
+              <a:schemeClr val="accent1"/>
+            </a:effectRef>
+            <a:fontRef idx="minor">
+              <a:schemeClr val="lt1"/>
+            </a:fontRef>
+          </p:style>
+          <p:txBody>
+            <a:bodyPr rtlCol="0" anchor="ctr"/>
+            <a:lstStyle/>
+            <a:p>
+              <a:pPr algn="ctr"/>
+              <a:endParaRPr lang="en-US" sz="1100"/>
+            </a:p>
+          </p:txBody>
+        </p:sp>
+        <p:cxnSp>
+          <p:nvCxnSpPr>
+            <p:cNvPr id="33" name="Straight Connector 32"/>
+            <p:cNvCxnSpPr/>
+            <p:nvPr/>
+          </p:nvCxnSpPr>
+          <p:spPr>
+            <a:xfrm>
+              <a:off x="71942" y="3578010"/>
+              <a:ext cx="5257996" cy="0"/>
+            </a:xfrm>
+            <a:prstGeom prst="line">
+              <a:avLst/>
+            </a:prstGeom>
+            <a:ln w="9525">
+              <a:solidFill>
+                <a:srgbClr val="F5504E"/>
+              </a:solidFill>
+              <a:prstDash val="dash"/>
+            </a:ln>
+          </p:spPr>
+          <p:style>
+            <a:lnRef idx="1">
+              <a:schemeClr val="accent1"/>
+            </a:lnRef>
+            <a:fillRef idx="0">
+              <a:schemeClr val="accent1"/>
+            </a:fillRef>
+            <a:effectRef idx="0">
+              <a:schemeClr val="accent1"/>
+            </a:effectRef>
+            <a:fontRef idx="minor">
+              <a:schemeClr val="tx1"/>
+            </a:fontRef>
+          </p:style>
+        </p:cxnSp>
+        <p:sp>
+          <p:nvSpPr>
+            <p:cNvPr id="55" name="TextBox 54"/>
+            <p:cNvSpPr txBox="1"/>
+            <p:nvPr/>
+          </p:nvSpPr>
+          <p:spPr>
+            <a:xfrm>
+              <a:off x="1539111" y="4394774"/>
+              <a:ext cx="1437926" cy="230832"/>
+            </a:xfrm>
+            <a:prstGeom prst="rect">
+              <a:avLst/>
+            </a:prstGeom>
+            <a:noFill/>
+          </p:spPr>
+          <p:txBody>
+            <a:bodyPr wrap="square" rtlCol="0">
+              <a:spAutoFit/>
+            </a:bodyPr>
+            <a:lstStyle/>
+            <a:p>
+              <a:r>
+                <a:rPr lang="en-US" sz="900" dirty="0">
+                  <a:solidFill>
+                    <a:schemeClr val="bg2">
+                      <a:lumMod val="90000"/>
+                    </a:schemeClr>
+                  </a:solidFill>
+                  <a:latin typeface="+mj-lt"/>
+                </a:rPr>
+                <a:t>Plane of </a:t>
+              </a:r>
+              <a:r>
+                <a:rPr lang="en-US" sz="900">
+                  <a:solidFill>
+                    <a:schemeClr val="bg2">
+                      <a:lumMod val="90000"/>
+                    </a:schemeClr>
+                  </a:solidFill>
+                  <a:latin typeface="+mj-lt"/>
+                </a:rPr>
+                <a:t>sharp focus (PoSF)</a:t>
+              </a:r>
+              <a:endParaRPr lang="en-US" sz="900" dirty="0">
+                <a:solidFill>
+                  <a:schemeClr val="bg2">
+                    <a:lumMod val="90000"/>
+                  </a:schemeClr>
+                </a:solidFill>
+                <a:latin typeface="+mj-lt"/>
+              </a:endParaRPr>
+            </a:p>
+          </p:txBody>
+        </p:sp>
+        <p:grpSp>
+          <p:nvGrpSpPr>
+            <p:cNvPr id="75" name="Group 74"/>
+            <p:cNvGrpSpPr/>
+            <p:nvPr/>
+          </p:nvGrpSpPr>
+          <p:grpSpPr>
+            <a:xfrm>
+              <a:off x="97165" y="3256505"/>
+              <a:ext cx="1494658" cy="1299012"/>
+              <a:chOff x="1493618" y="4842570"/>
+              <a:chExt cx="1494658" cy="1299012"/>
+            </a:xfrm>
+            <a:effectLst>
+              <a:outerShdw blurRad="50800" dist="38100" dir="2700000" algn="tl" rotWithShape="0">
+                <a:prstClr val="black">
+                  <a:alpha val="40000"/>
+                </a:prstClr>
+              </a:outerShdw>
+            </a:effectLst>
+          </p:grpSpPr>
+          <p:pic>
+            <p:nvPicPr>
+              <p:cNvPr id="69" name="Picture 68"/>
+              <p:cNvPicPr>
+                <a:picLocks noChangeAspect="1"/>
+              </p:cNvPicPr>
+              <p:nvPr/>
+            </p:nvPicPr>
+            <p:blipFill>
+              <a:blip r:embed="rId2" cstate="print">
+                <a:extLst>
+                  <a:ext uri="{BEBA8EAE-BF5A-486C-A8C5-ECC9F3942E4B}">
+                    <a14:imgProps xmlns:a14="http://schemas.microsoft.com/office/drawing/2010/main">
+                      <a14:imgLayer r:embed="rId3">
+                        <a14:imgEffect>
+                          <a14:backgroundRemoval t="0" b="98499" l="6015" r="96241">
+                            <a14:foregroundMark x1="43985" y1="5658" x2="49624" y2="13857"/>
+                            <a14:foregroundMark x1="47368" y1="16975" x2="49624" y2="30023"/>
+                            <a14:foregroundMark x1="60526" y1="24134" x2="53759" y2="37182"/>
+                            <a14:foregroundMark x1="20301" y1="35797" x2="16917" y2="48152"/>
+                            <a14:foregroundMark x1="59398" y1="43995" x2="68421" y2="76674"/>
+                            <a14:foregroundMark x1="14662" y1="51617" x2="15789" y2="56005"/>
+                            <a14:foregroundMark x1="41729" y1="51963" x2="38346" y2="75982"/>
+                            <a14:foregroundMark x1="34962" y1="94804" x2="46241" y2="90993"/>
+                            <a14:foregroundMark x1="69549" y1="95843" x2="77444" y2="93418"/>
+                            <a14:foregroundMark x1="72932" y1="19400" x2="83083" y2="31640"/>
+                            <a14:foregroundMark x1="81955" y1="31986" x2="84211" y2="37875"/>
+                            <a14:foregroundMark x1="74060" y1="20323" x2="79699" y2="21016"/>
+                            <a14:foregroundMark x1="83459" y1="51501" x2="82707" y2="54388"/>
+                            <a14:foregroundMark x1="79699" y1="55081" x2="76692" y2="56351"/>
+                            <a14:foregroundMark x1="91729" y1="36721" x2="91729" y2="40531"/>
+                            <a14:foregroundMark x1="22932" y1="53349" x2="22180" y2="54965"/>
+                            <a14:foregroundMark x1="82331" y1="21709" x2="81955" y2="22171"/>
+                            <a14:foregroundMark x1="42105" y1="17321" x2="39098" y2="18014"/>
+                            <a14:foregroundMark x1="16541" y1="36143" x2="16541" y2="37644"/>
+                            <a14:backgroundMark x1="36090" y1="34296" x2="36090" y2="34296"/>
+                            <a14:backgroundMark x1="74060" y1="37529" x2="74060" y2="37529"/>
+                            <a14:backgroundMark x1="70301" y1="33372" x2="70301" y2="33372"/>
+                            <a14:backgroundMark x1="74060" y1="39607" x2="74060" y2="39607"/>
+                            <a14:backgroundMark x1="74436" y1="41801" x2="74436" y2="41801"/>
+                            <a14:backgroundMark x1="74436" y1="42610" x2="74436" y2="42610"/>
+                            <a14:backgroundMark x1="76336" y1="44162" x2="76336" y2="44162"/>
+                            <a14:backgroundMark x1="76336" y1="45431" x2="76336" y2="45431"/>
+                            <a14:backgroundMark x1="26718" y1="48731" x2="26718" y2="48731"/>
+                            <a14:backgroundMark x1="26718" y1="54061" x2="26718" y2="54061"/>
+                            <a14:backgroundMark x1="74046" y1="57360" x2="74046" y2="57360"/>
+                            <a14:backgroundMark x1="71756" y1="30203" x2="71756" y2="30203"/>
+                            <a14:backgroundMark x1="74046" y1="52792" x2="74046" y2="52792"/>
+                            <a14:backgroundMark x1="73282" y1="54061" x2="73282" y2="54061"/>
+                            <a14:backgroundMark x1="74046" y1="55584" x2="74046" y2="55584"/>
+                          </a14:backgroundRemoval>
+                        </a14:imgEffect>
+                      </a14:imgLayer>
+                    </a14:imgProps>
+                  </a:ext>
+                  <a:ext uri="{28A0092B-C50C-407E-A947-70E740481C1C}">
+                    <a14:useLocalDpi xmlns:a14="http://schemas.microsoft.com/office/drawing/2010/main" val="0"/>
+                  </a:ext>
+                </a:extLst>
+              </a:blip>
+              <a:stretch>
+                <a:fillRect/>
+              </a:stretch>
+            </p:blipFill>
+            <p:spPr>
+              <a:xfrm flipH="1">
+                <a:off x="1493618" y="4842570"/>
+                <a:ext cx="434112" cy="1299012"/>
+              </a:xfrm>
+              <a:prstGeom prst="rect">
+                <a:avLst/>
+              </a:prstGeom>
+            </p:spPr>
+          </p:pic>
+          <p:pic>
+            <p:nvPicPr>
+              <p:cNvPr id="73" name="Picture 72"/>
+              <p:cNvPicPr>
+                <a:picLocks noChangeAspect="1"/>
+              </p:cNvPicPr>
+              <p:nvPr/>
+            </p:nvPicPr>
+            <p:blipFill>
+              <a:blip r:embed="rId2" cstate="print">
+                <a:extLst>
+                  <a:ext uri="{BEBA8EAE-BF5A-486C-A8C5-ECC9F3942E4B}">
+                    <a14:imgProps xmlns:a14="http://schemas.microsoft.com/office/drawing/2010/main">
+                      <a14:imgLayer r:embed="rId3">
+                        <a14:imgEffect>
+                          <a14:backgroundRemoval t="0" b="98499" l="6015" r="96241">
+                            <a14:foregroundMark x1="43985" y1="5658" x2="49624" y2="13857"/>
+                            <a14:foregroundMark x1="47368" y1="16975" x2="49624" y2="30023"/>
+                            <a14:foregroundMark x1="60526" y1="24134" x2="53759" y2="37182"/>
+                            <a14:foregroundMark x1="20301" y1="35797" x2="16917" y2="48152"/>
+                            <a14:foregroundMark x1="59398" y1="43995" x2="68421" y2="76674"/>
+                            <a14:foregroundMark x1="14662" y1="51617" x2="15789" y2="56005"/>
+                            <a14:foregroundMark x1="41729" y1="51963" x2="38346" y2="75982"/>
+                            <a14:foregroundMark x1="34962" y1="94804" x2="46241" y2="90993"/>
+                            <a14:foregroundMark x1="69549" y1="95843" x2="77444" y2="93418"/>
+                            <a14:foregroundMark x1="72932" y1="19400" x2="83083" y2="31640"/>
+                            <a14:foregroundMark x1="81955" y1="31986" x2="84211" y2="37875"/>
+                            <a14:foregroundMark x1="74060" y1="20323" x2="79699" y2="21016"/>
+                            <a14:foregroundMark x1="83459" y1="51501" x2="82707" y2="54388"/>
+                            <a14:foregroundMark x1="79699" y1="55081" x2="76692" y2="56351"/>
+                            <a14:foregroundMark x1="91729" y1="36721" x2="91729" y2="40531"/>
+                            <a14:foregroundMark x1="22932" y1="53349" x2="22180" y2="54965"/>
+                            <a14:foregroundMark x1="82331" y1="21709" x2="81955" y2="22171"/>
+                            <a14:foregroundMark x1="42105" y1="17321" x2="39098" y2="18014"/>
+                            <a14:foregroundMark x1="16541" y1="36143" x2="16541" y2="37644"/>
+                            <a14:backgroundMark x1="36090" y1="34296" x2="36090" y2="34296"/>
+                            <a14:backgroundMark x1="74060" y1="37529" x2="74060" y2="37529"/>
+                            <a14:backgroundMark x1="70301" y1="33372" x2="70301" y2="33372"/>
+                            <a14:backgroundMark x1="74060" y1="39607" x2="74060" y2="39607"/>
+                            <a14:backgroundMark x1="74436" y1="41801" x2="74436" y2="41801"/>
+                            <a14:backgroundMark x1="74436" y1="42610" x2="74436" y2="42610"/>
+                            <a14:backgroundMark x1="76336" y1="44162" x2="76336" y2="44162"/>
+                            <a14:backgroundMark x1="76336" y1="45431" x2="76336" y2="45431"/>
+                            <a14:backgroundMark x1="26718" y1="48731" x2="26718" y2="48731"/>
+                            <a14:backgroundMark x1="26718" y1="54061" x2="26718" y2="54061"/>
+                            <a14:backgroundMark x1="74046" y1="57360" x2="74046" y2="57360"/>
+                            <a14:backgroundMark x1="71756" y1="30203" x2="71756" y2="30203"/>
+                            <a14:backgroundMark x1="74046" y1="52792" x2="74046" y2="52792"/>
+                            <a14:backgroundMark x1="73282" y1="54061" x2="73282" y2="54061"/>
+                            <a14:backgroundMark x1="74046" y1="55584" x2="74046" y2="55584"/>
+                          </a14:backgroundRemoval>
+                        </a14:imgEffect>
+                      </a14:imgLayer>
+                    </a14:imgProps>
+                  </a:ext>
+                  <a:ext uri="{28A0092B-C50C-407E-A947-70E740481C1C}">
+                    <a14:useLocalDpi xmlns:a14="http://schemas.microsoft.com/office/drawing/2010/main" val="0"/>
+                  </a:ext>
+                </a:extLst>
+              </a:blip>
+              <a:stretch>
+                <a:fillRect/>
+              </a:stretch>
+            </p:blipFill>
+            <p:spPr>
+              <a:xfrm flipH="1">
+                <a:off x="1990675" y="4842570"/>
+                <a:ext cx="434112" cy="1299012"/>
+              </a:xfrm>
+              <a:prstGeom prst="rect">
+                <a:avLst/>
+              </a:prstGeom>
+            </p:spPr>
+          </p:pic>
+          <p:pic>
+            <p:nvPicPr>
+              <p:cNvPr id="74" name="Picture 73"/>
+              <p:cNvPicPr>
+                <a:picLocks noChangeAspect="1"/>
+              </p:cNvPicPr>
+              <p:nvPr/>
+            </p:nvPicPr>
+            <p:blipFill>
+              <a:blip r:embed="rId2" cstate="print">
+                <a:extLst>
+                  <a:ext uri="{BEBA8EAE-BF5A-486C-A8C5-ECC9F3942E4B}">
+                    <a14:imgProps xmlns:a14="http://schemas.microsoft.com/office/drawing/2010/main">
+                      <a14:imgLayer r:embed="rId3">
+                        <a14:imgEffect>
+                          <a14:backgroundRemoval t="0" b="98499" l="6015" r="96241">
+                            <a14:foregroundMark x1="43985" y1="5658" x2="49624" y2="13857"/>
+                            <a14:foregroundMark x1="47368" y1="16975" x2="49624" y2="30023"/>
+                            <a14:foregroundMark x1="60526" y1="24134" x2="53759" y2="37182"/>
+                            <a14:foregroundMark x1="20301" y1="35797" x2="16917" y2="48152"/>
+                            <a14:foregroundMark x1="59398" y1="43995" x2="68421" y2="76674"/>
+                            <a14:foregroundMark x1="14662" y1="51617" x2="15789" y2="56005"/>
+                            <a14:foregroundMark x1="41729" y1="51963" x2="38346" y2="75982"/>
+                            <a14:foregroundMark x1="34962" y1="94804" x2="46241" y2="90993"/>
+                            <a14:foregroundMark x1="69549" y1="95843" x2="77444" y2="93418"/>
+                            <a14:foregroundMark x1="72932" y1="19400" x2="83083" y2="31640"/>
+                            <a14:foregroundMark x1="81955" y1="31986" x2="84211" y2="37875"/>
+                            <a14:foregroundMark x1="74060" y1="20323" x2="79699" y2="21016"/>
+                            <a14:foregroundMark x1="83459" y1="51501" x2="82707" y2="54388"/>
+                            <a14:foregroundMark x1="79699" y1="55081" x2="76692" y2="56351"/>
+                            <a14:foregroundMark x1="91729" y1="36721" x2="91729" y2="40531"/>
+                            <a14:foregroundMark x1="22932" y1="53349" x2="22180" y2="54965"/>
+                            <a14:foregroundMark x1="82331" y1="21709" x2="81955" y2="22171"/>
+                            <a14:foregroundMark x1="42105" y1="17321" x2="39098" y2="18014"/>
+                            <a14:foregroundMark x1="16541" y1="36143" x2="16541" y2="37644"/>
+                            <a14:backgroundMark x1="36090" y1="34296" x2="36090" y2="34296"/>
+                            <a14:backgroundMark x1="74060" y1="37529" x2="74060" y2="37529"/>
+                            <a14:backgroundMark x1="70301" y1="33372" x2="70301" y2="33372"/>
+                            <a14:backgroundMark x1="74060" y1="39607" x2="74060" y2="39607"/>
+                            <a14:backgroundMark x1="74436" y1="41801" x2="74436" y2="41801"/>
+                            <a14:backgroundMark x1="74436" y1="42610" x2="74436" y2="42610"/>
+                            <a14:backgroundMark x1="76336" y1="44162" x2="76336" y2="44162"/>
+                            <a14:backgroundMark x1="76336" y1="45431" x2="76336" y2="45431"/>
+                            <a14:backgroundMark x1="26718" y1="48731" x2="26718" y2="48731"/>
+                            <a14:backgroundMark x1="26718" y1="54061" x2="26718" y2="54061"/>
+                            <a14:backgroundMark x1="74046" y1="57360" x2="74046" y2="57360"/>
+                            <a14:backgroundMark x1="71756" y1="30203" x2="71756" y2="30203"/>
+                            <a14:backgroundMark x1="74046" y1="52792" x2="74046" y2="52792"/>
+                            <a14:backgroundMark x1="73282" y1="54061" x2="73282" y2="54061"/>
+                            <a14:backgroundMark x1="74046" y1="55584" x2="74046" y2="55584"/>
+                          </a14:backgroundRemoval>
+                        </a14:imgEffect>
+                      </a14:imgLayer>
+                    </a14:imgProps>
+                  </a:ext>
+                  <a:ext uri="{28A0092B-C50C-407E-A947-70E740481C1C}">
+                    <a14:useLocalDpi xmlns:a14="http://schemas.microsoft.com/office/drawing/2010/main" val="0"/>
+                  </a:ext>
+                </a:extLst>
+              </a:blip>
+              <a:stretch>
+                <a:fillRect/>
+              </a:stretch>
+            </p:blipFill>
+            <p:spPr>
+              <a:xfrm flipH="1">
+                <a:off x="2554164" y="4842570"/>
+                <a:ext cx="434112" cy="1299012"/>
+              </a:xfrm>
+              <a:prstGeom prst="rect">
+                <a:avLst/>
+              </a:prstGeom>
+            </p:spPr>
+          </p:pic>
+        </p:grpSp>
+        <p:cxnSp>
+          <p:nvCxnSpPr>
+            <p:cNvPr id="82" name="Straight Connector 81"/>
+            <p:cNvCxnSpPr/>
+            <p:nvPr/>
+          </p:nvCxnSpPr>
+          <p:spPr>
+            <a:xfrm flipH="1">
+              <a:off x="4769657" y="3533458"/>
+              <a:ext cx="499184" cy="1464567"/>
+            </a:xfrm>
+            <a:prstGeom prst="line">
+              <a:avLst/>
+            </a:prstGeom>
+            <a:ln>
+              <a:solidFill>
+                <a:srgbClr val="00FF99">
+                  <a:alpha val="73000"/>
+                </a:srgbClr>
+              </a:solidFill>
+              <a:prstDash val="dash"/>
+            </a:ln>
+          </p:spPr>
+          <p:style>
+            <a:lnRef idx="1">
+              <a:schemeClr val="accent1"/>
+            </a:lnRef>
+            <a:fillRef idx="0">
+              <a:schemeClr val="accent1"/>
+            </a:fillRef>
+            <a:effectRef idx="0">
+              <a:schemeClr val="accent1"/>
+            </a:effectRef>
+            <a:fontRef idx="minor">
+              <a:schemeClr val="tx1"/>
+            </a:fontRef>
+          </p:style>
+        </p:cxnSp>
+        <p:cxnSp>
+          <p:nvCxnSpPr>
+            <p:cNvPr id="35" name="Straight Connector 34"/>
+            <p:cNvCxnSpPr/>
+            <p:nvPr/>
+          </p:nvCxnSpPr>
+          <p:spPr>
+            <a:xfrm rot="1140000">
+              <a:off x="5252433" y="3287715"/>
+              <a:ext cx="0" cy="632473"/>
+            </a:xfrm>
+            <a:prstGeom prst="line">
+              <a:avLst/>
+            </a:prstGeom>
+            <a:ln w="38100" cap="rnd">
+              <a:solidFill>
+                <a:srgbClr val="777777"/>
+              </a:solidFill>
+              <a:round/>
+            </a:ln>
+            <a:effectLst>
+              <a:outerShdw blurRad="50800" dist="38100" dir="2700000" algn="tl" rotWithShape="0">
+                <a:prstClr val="black">
+                  <a:alpha val="40000"/>
+                </a:prstClr>
+              </a:outerShdw>
+            </a:effectLst>
+          </p:spPr>
+          <p:style>
+            <a:lnRef idx="1">
+              <a:schemeClr val="accent1"/>
+            </a:lnRef>
+            <a:fillRef idx="0">
+              <a:schemeClr val="accent1"/>
+            </a:fillRef>
+            <a:effectRef idx="0">
+              <a:schemeClr val="accent1"/>
+            </a:effectRef>
+            <a:fontRef idx="minor">
+              <a:schemeClr val="tx1"/>
+            </a:fontRef>
+          </p:style>
+        </p:cxnSp>
+        <p:cxnSp>
+          <p:nvCxnSpPr>
+            <p:cNvPr id="84" name="Straight Connector 83"/>
+            <p:cNvCxnSpPr/>
+            <p:nvPr/>
+          </p:nvCxnSpPr>
+          <p:spPr>
+            <a:xfrm>
+              <a:off x="4028543" y="2895583"/>
+              <a:ext cx="786384" cy="2190293"/>
+            </a:xfrm>
+            <a:prstGeom prst="line">
+              <a:avLst/>
+            </a:prstGeom>
+            <a:ln>
+              <a:solidFill>
+                <a:srgbClr val="00FF99">
+                  <a:alpha val="73000"/>
+                </a:srgbClr>
+              </a:solidFill>
+              <a:prstDash val="dash"/>
+            </a:ln>
+          </p:spPr>
+          <p:style>
+            <a:lnRef idx="1">
+              <a:schemeClr val="accent1"/>
+            </a:lnRef>
+            <a:fillRef idx="0">
+              <a:schemeClr val="accent1"/>
+            </a:fillRef>
+            <a:effectRef idx="0">
+              <a:schemeClr val="accent1"/>
+            </a:effectRef>
+            <a:fontRef idx="minor">
+              <a:schemeClr val="tx1"/>
+            </a:fontRef>
+          </p:style>
+        </p:cxnSp>
+        <p:cxnSp>
+          <p:nvCxnSpPr>
+            <p:cNvPr id="86" name="Straight Connector 85"/>
+            <p:cNvCxnSpPr/>
+            <p:nvPr/>
+          </p:nvCxnSpPr>
+          <p:spPr>
+            <a:xfrm>
+              <a:off x="4229792" y="2861932"/>
+              <a:ext cx="785717" cy="2143538"/>
+            </a:xfrm>
+            <a:prstGeom prst="line">
+              <a:avLst/>
+            </a:prstGeom>
+            <a:ln>
+              <a:solidFill>
+                <a:srgbClr val="00FF99">
+                  <a:alpha val="73000"/>
+                </a:srgbClr>
+              </a:solidFill>
+              <a:prstDash val="dash"/>
+            </a:ln>
+          </p:spPr>
+          <p:style>
+            <a:lnRef idx="1">
+              <a:schemeClr val="accent1"/>
+            </a:lnRef>
+            <a:fillRef idx="0">
+              <a:schemeClr val="accent1"/>
+            </a:fillRef>
+            <a:effectRef idx="0">
+              <a:schemeClr val="accent1"/>
+            </a:effectRef>
+            <a:fontRef idx="minor">
+              <a:schemeClr val="tx1"/>
+            </a:fontRef>
+          </p:style>
+        </p:cxnSp>
+        <p:cxnSp>
+          <p:nvCxnSpPr>
+            <p:cNvPr id="101" name="Straight Connector 100"/>
+            <p:cNvCxnSpPr/>
+            <p:nvPr/>
+          </p:nvCxnSpPr>
+          <p:spPr>
+            <a:xfrm>
+              <a:off x="3585699" y="3075522"/>
+              <a:ext cx="706084" cy="1948997"/>
+            </a:xfrm>
+            <a:prstGeom prst="line">
+              <a:avLst/>
+            </a:prstGeom>
+            <a:ln>
+              <a:solidFill>
+                <a:schemeClr val="bg2">
+                  <a:lumMod val="75000"/>
+                  <a:alpha val="30000"/>
+                </a:schemeClr>
+              </a:solidFill>
+              <a:prstDash val="dash"/>
+            </a:ln>
+          </p:spPr>
+          <p:style>
+            <a:lnRef idx="1">
+              <a:schemeClr val="accent1"/>
+            </a:lnRef>
+            <a:fillRef idx="0">
+              <a:schemeClr val="accent1"/>
+            </a:fillRef>
+            <a:effectRef idx="0">
+              <a:schemeClr val="accent1"/>
+            </a:effectRef>
+            <a:fontRef idx="minor">
+              <a:schemeClr val="tx1"/>
+            </a:fontRef>
+          </p:style>
+        </p:cxnSp>
+        <p:cxnSp>
+          <p:nvCxnSpPr>
+            <p:cNvPr id="102" name="Straight Connector 101"/>
+            <p:cNvCxnSpPr/>
+            <p:nvPr/>
+          </p:nvCxnSpPr>
+          <p:spPr>
+            <a:xfrm flipH="1">
+              <a:off x="3952208" y="2895583"/>
+              <a:ext cx="756709" cy="2209342"/>
+            </a:xfrm>
+            <a:prstGeom prst="line">
+              <a:avLst/>
+            </a:prstGeom>
+            <a:ln>
+              <a:solidFill>
+                <a:schemeClr val="bg2">
+                  <a:lumMod val="75000"/>
+                  <a:alpha val="30000"/>
+                </a:schemeClr>
+              </a:solidFill>
+              <a:prstDash val="dash"/>
+            </a:ln>
+          </p:spPr>
+          <p:style>
+            <a:lnRef idx="1">
+              <a:schemeClr val="accent1"/>
+            </a:lnRef>
+            <a:fillRef idx="0">
+              <a:schemeClr val="accent1"/>
+            </a:fillRef>
+            <a:effectRef idx="0">
+              <a:schemeClr val="accent1"/>
+            </a:effectRef>
+            <a:fontRef idx="minor">
+              <a:schemeClr val="tx1"/>
+            </a:fontRef>
+          </p:style>
+        </p:cxnSp>
+        <p:cxnSp>
+          <p:nvCxnSpPr>
+            <p:cNvPr id="114" name="Straight Connector 113"/>
+            <p:cNvCxnSpPr/>
+            <p:nvPr/>
+          </p:nvCxnSpPr>
+          <p:spPr>
+            <a:xfrm flipH="1">
+              <a:off x="4735181" y="3533458"/>
+              <a:ext cx="476510" cy="1368840"/>
+            </a:xfrm>
+            <a:prstGeom prst="line">
+              <a:avLst/>
+            </a:prstGeom>
+            <a:ln>
+              <a:solidFill>
+                <a:schemeClr val="bg2">
+                  <a:lumMod val="75000"/>
+                  <a:alpha val="30000"/>
+                </a:schemeClr>
+              </a:solidFill>
+              <a:prstDash val="dash"/>
+            </a:ln>
+          </p:spPr>
+          <p:style>
+            <a:lnRef idx="1">
+              <a:schemeClr val="accent1"/>
+            </a:lnRef>
+            <a:fillRef idx="0">
+              <a:schemeClr val="accent1"/>
+            </a:fillRef>
+            <a:effectRef idx="0">
+              <a:schemeClr val="accent1"/>
+            </a:effectRef>
+            <a:fontRef idx="minor">
+              <a:schemeClr val="tx1"/>
+            </a:fontRef>
+          </p:style>
+        </p:cxnSp>
+        <p:cxnSp>
+          <p:nvCxnSpPr>
+            <p:cNvPr id="117" name="Straight Connector 116"/>
+            <p:cNvCxnSpPr/>
+            <p:nvPr/>
+          </p:nvCxnSpPr>
+          <p:spPr>
+            <a:xfrm flipH="1">
+              <a:off x="4804002" y="3533458"/>
+              <a:ext cx="531229" cy="1550559"/>
+            </a:xfrm>
+            <a:prstGeom prst="line">
+              <a:avLst/>
+            </a:prstGeom>
+            <a:ln>
+              <a:solidFill>
+                <a:schemeClr val="bg2">
+                  <a:lumMod val="75000"/>
+                  <a:alpha val="30000"/>
+                </a:schemeClr>
+              </a:solidFill>
+              <a:prstDash val="dash"/>
+            </a:ln>
+          </p:spPr>
+          <p:style>
+            <a:lnRef idx="1">
+              <a:schemeClr val="accent1"/>
+            </a:lnRef>
+            <a:fillRef idx="0">
+              <a:schemeClr val="accent1"/>
+            </a:fillRef>
+            <a:effectRef idx="0">
+              <a:schemeClr val="accent1"/>
+            </a:effectRef>
+            <a:fontRef idx="minor">
+              <a:schemeClr val="tx1"/>
+            </a:fontRef>
+          </p:style>
+        </p:cxnSp>
+        <p:pic>
+          <p:nvPicPr>
+            <p:cNvPr id="43" name="lens"/>
+            <p:cNvPicPr>
+              <a:picLocks noChangeAspect="1"/>
+            </p:cNvPicPr>
+            <p:nvPr/>
+          </p:nvPicPr>
+          <p:blipFill>
+            <a:blip r:embed="rId4" cstate="print">
+              <a:extLst>
+                <a:ext uri="{28A0092B-C50C-407E-A947-70E740481C1C}">
+                  <a14:useLocalDpi xmlns:a14="http://schemas.microsoft.com/office/drawing/2010/main" val="0"/>
+                </a:ext>
+              </a:extLst>
+            </a:blip>
+            <a:stretch>
+              <a:fillRect/>
+            </a:stretch>
+          </p:blipFill>
+          <p:spPr>
+            <a:xfrm rot="20400000">
+              <a:off x="3916111" y="3378589"/>
+              <a:ext cx="701031" cy="506669"/>
+            </a:xfrm>
+            <a:prstGeom prst="rect">
+              <a:avLst/>
+            </a:prstGeom>
+            <a:effectLst>
+              <a:outerShdw blurRad="50800" dist="38100" dir="5400000" algn="ctr" rotWithShape="0">
+                <a:srgbClr val="000000">
+                  <a:alpha val="95000"/>
+                </a:srgbClr>
+              </a:outerShdw>
+            </a:effectLst>
+          </p:spPr>
+        </p:pic>
+        <p:cxnSp>
+          <p:nvCxnSpPr>
+            <p:cNvPr id="44" name="Straight Connector 43"/>
+            <p:cNvCxnSpPr>
+              <a:cxnSpLocks noChangeAspect="1"/>
+            </p:cNvCxnSpPr>
+            <p:nvPr/>
+          </p:nvCxnSpPr>
+          <p:spPr>
+            <a:xfrm rot="20580000" flipV="1">
+              <a:off x="3772965" y="3600040"/>
+              <a:ext cx="1015037" cy="53196"/>
+            </a:xfrm>
+            <a:prstGeom prst="line">
+              <a:avLst/>
+            </a:prstGeom>
+            <a:ln w="9525" cap="rnd">
+              <a:solidFill>
+                <a:srgbClr val="FFFF00"/>
+              </a:solidFill>
+              <a:prstDash val="dash"/>
+              <a:round/>
+            </a:ln>
+          </p:spPr>
+          <p:style>
+            <a:lnRef idx="1">
+              <a:schemeClr val="accent1"/>
+            </a:lnRef>
+            <a:fillRef idx="0">
+              <a:schemeClr val="accent1"/>
+            </a:fillRef>
+            <a:effectRef idx="0">
+              <a:schemeClr val="accent1"/>
+            </a:effectRef>
+            <a:fontRef idx="minor">
+              <a:schemeClr val="tx1"/>
+            </a:fontRef>
+          </p:style>
+        </p:cxnSp>
+        <p:sp>
+          <p:nvSpPr>
+            <p:cNvPr id="45" name="Oval 44"/>
+            <p:cNvSpPr/>
+            <p:nvPr/>
+          </p:nvSpPr>
+          <p:spPr>
+            <a:xfrm rot="21000000">
+              <a:off x="4400861" y="3562660"/>
+              <a:ext cx="28895" cy="28895"/>
+            </a:xfrm>
+            <a:prstGeom prst="ellipse">
+              <a:avLst/>
+            </a:prstGeom>
+            <a:solidFill>
+              <a:srgbClr val="FF2F2F">
+                <a:alpha val="78000"/>
+              </a:srgbClr>
+            </a:solidFill>
+            <a:ln w="6350">
+              <a:solidFill>
+                <a:schemeClr val="tx1">
+                  <a:lumMod val="85000"/>
+                  <a:lumOff val="15000"/>
+                </a:schemeClr>
+              </a:solidFill>
+            </a:ln>
+          </p:spPr>
+          <p:style>
+            <a:lnRef idx="2">
+              <a:schemeClr val="accent1">
+                <a:shade val="50000"/>
+              </a:schemeClr>
+            </a:lnRef>
+            <a:fillRef idx="1">
+              <a:schemeClr val="accent1"/>
+            </a:fillRef>
+            <a:effectRef idx="0">
+              <a:schemeClr val="accent1"/>
+            </a:effectRef>
+            <a:fontRef idx="minor">
+              <a:schemeClr val="lt1"/>
+            </a:fontRef>
+          </p:style>
+          <p:txBody>
+            <a:bodyPr rtlCol="0" anchor="ctr"/>
+            <a:lstStyle/>
+            <a:p>
+              <a:pPr algn="ctr"/>
+              <a:endParaRPr lang="en-US" sz="1100"/>
+            </a:p>
+          </p:txBody>
+        </p:sp>
+        <p:sp>
+          <p:nvSpPr>
+            <p:cNvPr id="145" name="Freeform: Shape 144"/>
+            <p:cNvSpPr/>
+            <p:nvPr/>
+          </p:nvSpPr>
+          <p:spPr>
+            <a:xfrm>
+              <a:off x="69850" y="2803525"/>
+              <a:ext cx="4067175" cy="1781175"/>
+            </a:xfrm>
+            <a:custGeom>
+              <a:avLst/>
+              <a:gdLst>
+                <a:gd name="connsiteX0" fmla="*/ 4067175 w 4067175"/>
+                <a:gd name="connsiteY0" fmla="*/ 1781175 h 1781175"/>
+                <a:gd name="connsiteX1" fmla="*/ 0 w 4067175"/>
+                <a:gd name="connsiteY1" fmla="*/ 609600 h 1781175"/>
+                <a:gd name="connsiteX2" fmla="*/ 3175 w 4067175"/>
+                <a:gd name="connsiteY2" fmla="*/ 0 h 1781175"/>
+                <a:gd name="connsiteX3" fmla="*/ 473075 w 4067175"/>
+                <a:gd name="connsiteY3" fmla="*/ 3175 h 1781175"/>
+                <a:gd name="connsiteX4" fmla="*/ 4067175 w 4067175"/>
+                <a:gd name="connsiteY4" fmla="*/ 1781175 h 1781175"/>
+              </a:gdLst>
+              <a:ahLst/>
+              <a:cxnLst>
+                <a:cxn ang="0">
+                  <a:pos x="connsiteX0" y="connsiteY0"/>
+                </a:cxn>
+                <a:cxn ang="0">
+                  <a:pos x="connsiteX1" y="connsiteY1"/>
+                </a:cxn>
+                <a:cxn ang="0">
+                  <a:pos x="connsiteX2" y="connsiteY2"/>
+                </a:cxn>
+                <a:cxn ang="0">
+                  <a:pos x="connsiteX3" y="connsiteY3"/>
+                </a:cxn>
+                <a:cxn ang="0">
+                  <a:pos x="connsiteX4" y="connsiteY4"/>
+                </a:cxn>
+              </a:cxnLst>
+              <a:rect l="l" t="t" r="r" b="b"/>
+              <a:pathLst>
+                <a:path w="4067175" h="1781175">
+                  <a:moveTo>
+                    <a:pt x="4067175" y="1781175"/>
+                  </a:moveTo>
+                  <a:lnTo>
+                    <a:pt x="0" y="609600"/>
+                  </a:lnTo>
+                  <a:cubicBezTo>
+                    <a:pt x="1058" y="406400"/>
+                    <a:pt x="2117" y="203200"/>
+                    <a:pt x="3175" y="0"/>
+                  </a:cubicBezTo>
+                  <a:lnTo>
+                    <a:pt x="473075" y="3175"/>
+                  </a:lnTo>
+                  <a:lnTo>
+                    <a:pt x="4067175" y="1781175"/>
+                  </a:lnTo>
+                  <a:close/>
+                </a:path>
+              </a:pathLst>
+            </a:custGeom>
+            <a:solidFill>
+              <a:schemeClr val="bg2">
+                <a:lumMod val="50000"/>
+                <a:alpha val="38000"/>
+              </a:schemeClr>
+            </a:solidFill>
+            <a:ln>
+              <a:noFill/>
+            </a:ln>
+          </p:spPr>
+          <p:style>
+            <a:lnRef idx="2">
+              <a:schemeClr val="accent1">
+                <a:shade val="50000"/>
+              </a:schemeClr>
+            </a:lnRef>
+            <a:fillRef idx="1">
+              <a:schemeClr val="accent1"/>
+            </a:fillRef>
+            <a:effectRef idx="0">
+              <a:schemeClr val="accent1"/>
+            </a:effectRef>
+            <a:fontRef idx="minor">
+              <a:schemeClr val="lt1"/>
+            </a:fontRef>
+          </p:style>
+          <p:txBody>
+            <a:bodyPr rtlCol="0" anchor="ctr"/>
+            <a:lstStyle/>
+            <a:p>
+              <a:pPr algn="ctr"/>
+              <a:endParaRPr lang="en-US" sz="1100"/>
+            </a:p>
+          </p:txBody>
+        </p:sp>
+        <p:sp>
+          <p:nvSpPr>
+            <p:cNvPr id="146" name="Arc 145"/>
+            <p:cNvSpPr/>
+            <p:nvPr/>
+          </p:nvSpPr>
+          <p:spPr>
+            <a:xfrm>
+              <a:off x="2317084" y="3896810"/>
+              <a:ext cx="690149" cy="690149"/>
+            </a:xfrm>
+            <a:prstGeom prst="arc">
+              <a:avLst>
+                <a:gd name="adj1" fmla="val 20771053"/>
+                <a:gd name="adj2" fmla="val 2790707"/>
+              </a:avLst>
+            </a:prstGeom>
+            <a:ln>
+              <a:solidFill>
+                <a:schemeClr val="bg1">
+                  <a:lumMod val="85000"/>
+                </a:schemeClr>
+              </a:solidFill>
+              <a:headEnd type="triangle" w="sm" len="med"/>
+              <a:tailEnd type="none"/>
+            </a:ln>
+          </p:spPr>
+          <p:style>
+            <a:lnRef idx="1">
+              <a:schemeClr val="accent1"/>
+            </a:lnRef>
+            <a:fillRef idx="0">
+              <a:schemeClr val="accent1"/>
+            </a:fillRef>
+            <a:effectRef idx="0">
+              <a:schemeClr val="accent1"/>
+            </a:effectRef>
+            <a:fontRef idx="minor">
+              <a:schemeClr val="tx1"/>
+            </a:fontRef>
+          </p:style>
+          <p:txBody>
+            <a:bodyPr rtlCol="0" anchor="ctr"/>
+            <a:lstStyle/>
+            <a:p>
+              <a:pPr algn="ctr"/>
+              <a:endParaRPr lang="en-US"/>
+            </a:p>
+          </p:txBody>
+        </p:sp>
+        <p:sp>
+          <p:nvSpPr>
+            <p:cNvPr id="153" name="Oval 152"/>
+            <p:cNvSpPr/>
+            <p:nvPr/>
+          </p:nvSpPr>
+          <p:spPr>
+            <a:xfrm rot="21000000">
+              <a:off x="5246321" y="3562659"/>
+              <a:ext cx="28895" cy="28895"/>
+            </a:xfrm>
+            <a:prstGeom prst="ellipse">
+              <a:avLst/>
+            </a:prstGeom>
+            <a:solidFill>
+              <a:srgbClr val="FF2F2F">
+                <a:alpha val="78000"/>
+              </a:srgbClr>
+            </a:solidFill>
+            <a:ln w="6350">
+              <a:solidFill>
+                <a:schemeClr val="tx1">
+                  <a:lumMod val="85000"/>
+                  <a:lumOff val="15000"/>
+                </a:schemeClr>
+              </a:solidFill>
+            </a:ln>
+          </p:spPr>
+          <p:style>
+            <a:lnRef idx="2">
+              <a:schemeClr val="accent1">
+                <a:shade val="50000"/>
+              </a:schemeClr>
+            </a:lnRef>
+            <a:fillRef idx="1">
+              <a:schemeClr val="accent1"/>
+            </a:fillRef>
+            <a:effectRef idx="0">
+              <a:schemeClr val="accent1"/>
+            </a:effectRef>
+            <a:fontRef idx="minor">
+              <a:schemeClr val="lt1"/>
+            </a:fontRef>
+          </p:style>
+          <p:txBody>
+            <a:bodyPr rtlCol="0" anchor="ctr"/>
+            <a:lstStyle/>
+            <a:p>
+              <a:pPr algn="ctr"/>
+              <a:endParaRPr lang="en-US" sz="1100"/>
+            </a:p>
+          </p:txBody>
+        </p:sp>
+        <p:sp>
+          <p:nvSpPr>
+            <p:cNvPr id="161" name="TextBox 160"/>
+            <p:cNvSpPr txBox="1"/>
+            <p:nvPr/>
+          </p:nvSpPr>
+          <p:spPr>
+            <a:xfrm rot="20484303">
+              <a:off x="3132123" y="3759029"/>
+              <a:ext cx="855685" cy="230832"/>
+            </a:xfrm>
+            <a:prstGeom prst="rect">
+              <a:avLst/>
+            </a:prstGeom>
+            <a:noFill/>
+          </p:spPr>
+          <p:txBody>
+            <a:bodyPr wrap="square" rtlCol="0">
+              <a:spAutoFit/>
+            </a:bodyPr>
+            <a:lstStyle/>
+            <a:p>
+              <a:r>
+                <a:rPr lang="en-US" sz="900">
+                  <a:solidFill>
+                    <a:srgbClr val="6B6767"/>
+                  </a:solidFill>
+                  <a:latin typeface="Times New Roman" panose="02020603050405020304" pitchFamily="18" charset="0"/>
+                  <a:cs typeface="Times New Roman" panose="02020603050405020304" pitchFamily="18" charset="0"/>
+                </a:rPr>
+                <a:t>Optical axis</a:t>
+              </a:r>
+              <a:endParaRPr lang="en-US" sz="900" dirty="0">
+                <a:solidFill>
+                  <a:srgbClr val="6B6767"/>
+                </a:solidFill>
+                <a:latin typeface="Times New Roman" panose="02020603050405020304" pitchFamily="18" charset="0"/>
+                <a:cs typeface="Times New Roman" panose="02020603050405020304" pitchFamily="18" charset="0"/>
+              </a:endParaRPr>
+            </a:p>
+          </p:txBody>
+        </p:sp>
+        <p:sp>
+          <p:nvSpPr>
+            <p:cNvPr id="166" name="Arc 165"/>
+            <p:cNvSpPr/>
+            <p:nvPr/>
+          </p:nvSpPr>
+          <p:spPr>
+            <a:xfrm>
+              <a:off x="2236485" y="3495821"/>
+              <a:ext cx="1150503" cy="1150503"/>
+            </a:xfrm>
+            <a:prstGeom prst="arc">
+              <a:avLst>
+                <a:gd name="adj1" fmla="val 10993417"/>
+                <a:gd name="adj2" fmla="val 13149602"/>
+              </a:avLst>
+            </a:prstGeom>
+            <a:ln w="12700">
+              <a:solidFill>
+                <a:srgbClr val="FFFF00"/>
+              </a:solidFill>
+              <a:headEnd type="arrow" w="med" len="sm"/>
+              <a:tailEnd type="arrow" w="med" len="sm"/>
+            </a:ln>
+          </p:spPr>
+          <p:style>
+            <a:lnRef idx="1">
+              <a:schemeClr val="accent1"/>
+            </a:lnRef>
+            <a:fillRef idx="0">
+              <a:schemeClr val="accent1"/>
+            </a:fillRef>
+            <a:effectRef idx="0">
+              <a:schemeClr val="accent1"/>
+            </a:effectRef>
+            <a:fontRef idx="minor">
+              <a:schemeClr val="tx1"/>
+            </a:fontRef>
+          </p:style>
+          <p:txBody>
+            <a:bodyPr rtlCol="0" anchor="ctr"/>
+            <a:lstStyle/>
+            <a:p>
+              <a:pPr algn="ctr"/>
+              <a:endParaRPr lang="en-US"/>
+            </a:p>
+          </p:txBody>
+        </p:sp>
+        <p:sp>
+          <p:nvSpPr>
+            <p:cNvPr id="167" name="TextBox 166"/>
+            <p:cNvSpPr txBox="1"/>
+            <p:nvPr/>
+          </p:nvSpPr>
+          <p:spPr>
+            <a:xfrm>
+              <a:off x="2263206" y="3206842"/>
+              <a:ext cx="1292094" cy="230832"/>
+            </a:xfrm>
+            <a:prstGeom prst="rect">
+              <a:avLst/>
+            </a:prstGeom>
+            <a:noFill/>
+          </p:spPr>
+          <p:txBody>
+            <a:bodyPr wrap="square" rtlCol="0">
+              <a:spAutoFit/>
+            </a:bodyPr>
+            <a:lstStyle/>
+            <a:p>
+              <a:r>
+                <a:rPr lang="en-US" sz="900">
+                  <a:solidFill>
+                    <a:schemeClr val="bg2">
+                      <a:lumMod val="90000"/>
+                    </a:schemeClr>
+                  </a:solidFill>
+                  <a:latin typeface="+mj-lt"/>
+                </a:rPr>
+                <a:t>Depth of Field (DOF)</a:t>
+              </a:r>
+              <a:endParaRPr lang="en-US" sz="900" dirty="0">
+                <a:solidFill>
+                  <a:schemeClr val="bg2">
+                    <a:lumMod val="90000"/>
+                  </a:schemeClr>
+                </a:solidFill>
+                <a:latin typeface="+mj-lt"/>
+              </a:endParaRPr>
+            </a:p>
+          </p:txBody>
+        </p:sp>
+        <p:sp>
+          <p:nvSpPr>
+            <p:cNvPr id="168" name="Arc 167"/>
+            <p:cNvSpPr/>
+            <p:nvPr/>
+          </p:nvSpPr>
+          <p:spPr>
+            <a:xfrm>
+              <a:off x="2197669" y="3256505"/>
+              <a:ext cx="690149" cy="690149"/>
+            </a:xfrm>
+            <a:prstGeom prst="arc">
+              <a:avLst>
+                <a:gd name="adj1" fmla="val 8519488"/>
+                <a:gd name="adj2" fmla="val 13986768"/>
+              </a:avLst>
+            </a:prstGeom>
+            <a:ln>
+              <a:solidFill>
+                <a:schemeClr val="bg1">
+                  <a:lumMod val="85000"/>
+                </a:schemeClr>
+              </a:solidFill>
+              <a:headEnd type="triangle" w="sm" len="med"/>
+              <a:tailEnd type="none"/>
+            </a:ln>
+          </p:spPr>
+          <p:style>
+            <a:lnRef idx="1">
+              <a:schemeClr val="accent1"/>
+            </a:lnRef>
+            <a:fillRef idx="0">
+              <a:schemeClr val="accent1"/>
+            </a:fillRef>
+            <a:effectRef idx="0">
+              <a:schemeClr val="accent1"/>
+            </a:effectRef>
+            <a:fontRef idx="minor">
+              <a:schemeClr val="tx1"/>
+            </a:fontRef>
+          </p:style>
+          <p:txBody>
+            <a:bodyPr rtlCol="0" anchor="ctr"/>
+            <a:lstStyle/>
+            <a:p>
+              <a:pPr algn="ctr"/>
+              <a:endParaRPr lang="en-US"/>
+            </a:p>
+          </p:txBody>
+        </p:sp>
+        <p:sp>
+          <p:nvSpPr>
+            <p:cNvPr id="170" name="TextBox 169"/>
+            <p:cNvSpPr txBox="1"/>
+            <p:nvPr/>
+          </p:nvSpPr>
+          <p:spPr>
+            <a:xfrm>
+              <a:off x="4708160" y="3055353"/>
+              <a:ext cx="563007" cy="230832"/>
+            </a:xfrm>
+            <a:prstGeom prst="rect">
+              <a:avLst/>
+            </a:prstGeom>
+            <a:noFill/>
+          </p:spPr>
+          <p:txBody>
+            <a:bodyPr wrap="square" rtlCol="0">
+              <a:spAutoFit/>
+            </a:bodyPr>
+            <a:lstStyle/>
+            <a:p>
+              <a:r>
+                <a:rPr lang="en-US" sz="900">
+                  <a:solidFill>
+                    <a:schemeClr val="bg2">
+                      <a:lumMod val="90000"/>
+                    </a:schemeClr>
+                  </a:solidFill>
+                  <a:latin typeface="+mj-lt"/>
+                </a:rPr>
+                <a:t>Sensor</a:t>
+              </a:r>
+              <a:endParaRPr lang="en-US" sz="900" dirty="0">
+                <a:solidFill>
+                  <a:schemeClr val="bg2">
+                    <a:lumMod val="90000"/>
+                  </a:schemeClr>
+                </a:solidFill>
+                <a:latin typeface="+mj-lt"/>
+              </a:endParaRPr>
+            </a:p>
+          </p:txBody>
+        </p:sp>
+        <p:sp>
+          <p:nvSpPr>
+            <p:cNvPr id="171" name="Arc 170"/>
+            <p:cNvSpPr/>
+            <p:nvPr/>
+          </p:nvSpPr>
+          <p:spPr>
+            <a:xfrm>
+              <a:off x="4748880" y="3180938"/>
+              <a:ext cx="690149" cy="690149"/>
+            </a:xfrm>
+            <a:prstGeom prst="arc">
+              <a:avLst>
+                <a:gd name="adj1" fmla="val 16459473"/>
+                <a:gd name="adj2" fmla="val 18802953"/>
+              </a:avLst>
+            </a:prstGeom>
+            <a:ln>
+              <a:solidFill>
+                <a:schemeClr val="bg1">
+                  <a:lumMod val="85000"/>
+                </a:schemeClr>
+              </a:solidFill>
+              <a:headEnd type="none" w="sm" len="med"/>
+              <a:tailEnd type="triangle" w="sm" len="med"/>
+            </a:ln>
+          </p:spPr>
+          <p:style>
+            <a:lnRef idx="1">
+              <a:schemeClr val="accent1"/>
+            </a:lnRef>
+            <a:fillRef idx="0">
+              <a:schemeClr val="accent1"/>
+            </a:fillRef>
+            <a:effectRef idx="0">
+              <a:schemeClr val="accent1"/>
+            </a:effectRef>
+            <a:fontRef idx="minor">
+              <a:schemeClr val="tx1"/>
+            </a:fontRef>
+          </p:style>
+          <p:txBody>
+            <a:bodyPr rtlCol="0" anchor="ctr"/>
+            <a:lstStyle/>
+            <a:p>
+              <a:pPr algn="ctr"/>
+              <a:endParaRPr lang="en-US"/>
+            </a:p>
+          </p:txBody>
+        </p:sp>
+        <p:grpSp>
+          <p:nvGrpSpPr>
+            <p:cNvPr id="184" name="Group 183"/>
+            <p:cNvGrpSpPr>
+              <a:grpSpLocks noChangeAspect="1"/>
+            </p:cNvGrpSpPr>
+            <p:nvPr/>
+          </p:nvGrpSpPr>
+          <p:grpSpPr>
+            <a:xfrm rot="20460000">
+              <a:off x="3557116" y="3051927"/>
+              <a:ext cx="998518" cy="253127"/>
+              <a:chOff x="3877518" y="2212061"/>
+              <a:chExt cx="998518" cy="253127"/>
+            </a:xfrm>
+          </p:grpSpPr>
+          <mc:AlternateContent xmlns:mc="http://schemas.openxmlformats.org/markup-compatibility/2006" xmlns:a14="http://schemas.microsoft.com/office/drawing/2010/main">
+            <mc:Choice Requires="a14">
+              <p:sp>
+                <p:nvSpPr>
+                  <p:cNvPr id="181" name="TextBox 180"/>
+                  <p:cNvSpPr txBox="1"/>
+                  <p:nvPr/>
+                </p:nvSpPr>
+                <p:spPr>
+                  <a:xfrm>
+                    <a:off x="4555732" y="2212061"/>
+                    <a:ext cx="320304" cy="246221"/>
+                  </a:xfrm>
+                  <a:prstGeom prst="rect">
+                    <a:avLst/>
+                  </a:prstGeom>
+                  <a:noFill/>
+                </p:spPr>
+                <p:txBody>
+                  <a:bodyPr wrap="square" rtlCol="0">
+                    <a:spAutoFit/>
+                  </a:bodyPr>
+                  <a:lstStyle/>
+                  <a:p>
+                    <a:pPr/>
+                    <a14:m>
+                      <m:oMathPara xmlns:m="http://schemas.openxmlformats.org/officeDocument/2006/math">
+                        <m:oMathParaPr>
+                          <m:jc m:val="centerGroup"/>
+                        </m:oMathParaPr>
+                        <m:oMath xmlns:m="http://schemas.openxmlformats.org/officeDocument/2006/math">
+                          <m:r>
+                            <a:rPr lang="en-US" sz="1000" i="1" smtClean="0">
+                              <a:solidFill>
+                                <a:schemeClr val="tx1">
+                                  <a:lumMod val="50000"/>
+                                  <a:lumOff val="50000"/>
+                                </a:schemeClr>
+                              </a:solidFill>
+                              <a:latin typeface="Cambria Math" panose="02040503050406030204" pitchFamily="18" charset="0"/>
+                              <a:cs typeface="Times New Roman" panose="02020603050405020304" pitchFamily="18" charset="0"/>
+                            </a:rPr>
+                            <m:t>𝐻</m:t>
+                          </m:r>
+                        </m:oMath>
+                      </m:oMathPara>
+                    </a14:m>
+                    <a:endParaRPr lang="en-US" sz="1000" dirty="0">
+                      <a:solidFill>
+                        <a:schemeClr val="tx1">
+                          <a:lumMod val="50000"/>
+                          <a:lumOff val="50000"/>
+                        </a:schemeClr>
+                      </a:solidFill>
+                      <a:latin typeface="Times New Roman" panose="02020603050405020304" pitchFamily="18" charset="0"/>
+                      <a:cs typeface="Times New Roman" panose="02020603050405020304" pitchFamily="18" charset="0"/>
+                    </a:endParaRPr>
+                  </a:p>
+                </p:txBody>
+              </p:sp>
+            </mc:Choice>
+            <mc:Fallback xmlns="">
+              <p:sp>
+                <p:nvSpPr>
+                  <p:cNvPr id="181" name="TextBox 180"/>
+                  <p:cNvSpPr txBox="1">
+                    <a:spLocks noRot="1" noChangeAspect="1" noMove="1" noResize="1" noEditPoints="1" noAdjustHandles="1" noChangeArrowheads="1" noChangeShapeType="1" noTextEdit="1"/>
+                  </p:cNvSpPr>
+                  <p:nvPr/>
+                </p:nvSpPr>
+                <p:spPr>
+                  <a:xfrm>
+                    <a:off x="4555732" y="2212061"/>
+                    <a:ext cx="320304" cy="246221"/>
+                  </a:xfrm>
+                  <a:prstGeom prst="rect">
+                    <a:avLst/>
+                  </a:prstGeom>
+                  <a:blipFill>
+                    <a:blip r:embed="rId8"/>
+                    <a:stretch>
+                      <a:fillRect/>
+                    </a:stretch>
+                  </a:blipFill>
+                </p:spPr>
+                <p:txBody>
+                  <a:bodyPr/>
+                  <a:lstStyle/>
+                  <a:p>
+                    <a:r>
+                      <a:rPr lang="en-US">
+                        <a:noFill/>
+                      </a:rPr>
+                      <a:t> </a:t>
+                    </a:r>
+                  </a:p>
+                </p:txBody>
+              </p:sp>
+            </mc:Fallback>
+          </mc:AlternateContent>
+          <mc:AlternateContent xmlns:mc="http://schemas.openxmlformats.org/markup-compatibility/2006" xmlns:a14="http://schemas.microsoft.com/office/drawing/2010/main">
+            <mc:Choice Requires="a14">
+              <p:sp>
+                <p:nvSpPr>
+                  <p:cNvPr id="182" name="TextBox 181"/>
+                  <p:cNvSpPr txBox="1"/>
+                  <p:nvPr/>
+                </p:nvSpPr>
+                <p:spPr>
+                  <a:xfrm>
+                    <a:off x="4354464" y="2214542"/>
+                    <a:ext cx="320304" cy="250646"/>
+                  </a:xfrm>
+                  <a:prstGeom prst="rect">
+                    <a:avLst/>
+                  </a:prstGeom>
+                  <a:noFill/>
+                </p:spPr>
+                <p:txBody>
+                  <a:bodyPr wrap="square" rtlCol="0">
+                    <a:spAutoFit/>
+                  </a:bodyPr>
+                  <a:lstStyle/>
+                  <a:p>
+                    <a:pPr/>
+                    <a14:m>
+                      <m:oMathPara xmlns:m="http://schemas.openxmlformats.org/officeDocument/2006/math">
+                        <m:oMathParaPr>
+                          <m:jc m:val="centerGroup"/>
+                        </m:oMathParaPr>
+                        <m:oMath xmlns:m="http://schemas.openxmlformats.org/officeDocument/2006/math">
+                          <m:acc>
+                            <m:accPr>
+                              <m:chr m:val="́"/>
+                              <m:ctrlPr>
+                                <a:rPr lang="en-US" sz="1000" b="0" i="1" smtClean="0">
+                                  <a:solidFill>
+                                    <a:schemeClr val="tx1">
+                                      <a:lumMod val="50000"/>
+                                      <a:lumOff val="50000"/>
+                                    </a:schemeClr>
+                                  </a:solidFill>
+                                  <a:latin typeface="Cambria Math" panose="02040503050406030204" pitchFamily="18" charset="0"/>
+                                  <a:cs typeface="Times New Roman" panose="02020603050405020304" pitchFamily="18" charset="0"/>
+                                </a:rPr>
+                              </m:ctrlPr>
+                            </m:accPr>
+                            <m:e>
+                              <m:r>
+                                <a:rPr lang="en-US" sz="1000" i="1" smtClean="0">
+                                  <a:solidFill>
+                                    <a:schemeClr val="tx1">
+                                      <a:lumMod val="50000"/>
+                                      <a:lumOff val="50000"/>
+                                    </a:schemeClr>
+                                  </a:solidFill>
+                                  <a:latin typeface="Cambria Math" panose="02040503050406030204" pitchFamily="18" charset="0"/>
+                                  <a:cs typeface="Times New Roman" panose="02020603050405020304" pitchFamily="18" charset="0"/>
+                                </a:rPr>
+                                <m:t>𝐻</m:t>
+                              </m:r>
+                            </m:e>
+                          </m:acc>
+                        </m:oMath>
+                      </m:oMathPara>
+                    </a14:m>
+                    <a:endParaRPr lang="en-US" sz="1000" dirty="0">
+                      <a:solidFill>
+                        <a:schemeClr val="tx1">
+                          <a:lumMod val="50000"/>
+                          <a:lumOff val="50000"/>
+                        </a:schemeClr>
+                      </a:solidFill>
+                      <a:latin typeface="Times New Roman" panose="02020603050405020304" pitchFamily="18" charset="0"/>
+                      <a:cs typeface="Times New Roman" panose="02020603050405020304" pitchFamily="18" charset="0"/>
+                    </a:endParaRPr>
+                  </a:p>
+                </p:txBody>
+              </p:sp>
+            </mc:Choice>
+            <mc:Fallback xmlns="">
+              <p:sp>
+                <p:nvSpPr>
+                  <p:cNvPr id="182" name="TextBox 181"/>
+                  <p:cNvSpPr txBox="1">
+                    <a:spLocks noRot="1" noChangeAspect="1" noMove="1" noResize="1" noEditPoints="1" noAdjustHandles="1" noChangeArrowheads="1" noChangeShapeType="1" noTextEdit="1"/>
+                  </p:cNvSpPr>
+                  <p:nvPr/>
+                </p:nvSpPr>
+                <p:spPr>
+                  <a:xfrm>
+                    <a:off x="4354464" y="2214542"/>
+                    <a:ext cx="320304" cy="250646"/>
+                  </a:xfrm>
+                  <a:prstGeom prst="rect">
+                    <a:avLst/>
+                  </a:prstGeom>
+                  <a:blipFill>
+                    <a:blip r:embed="rId9"/>
+                    <a:stretch>
+                      <a:fillRect/>
+                    </a:stretch>
+                  </a:blipFill>
+                </p:spPr>
+                <p:txBody>
+                  <a:bodyPr/>
+                  <a:lstStyle/>
+                  <a:p>
+                    <a:r>
+                      <a:rPr lang="en-US">
+                        <a:noFill/>
+                      </a:rPr>
+                      <a:t> </a:t>
+                    </a:r>
+                  </a:p>
+                </p:txBody>
+              </p:sp>
+            </mc:Fallback>
+          </mc:AlternateContent>
+          <mc:AlternateContent xmlns:mc="http://schemas.openxmlformats.org/markup-compatibility/2006" xmlns:a14="http://schemas.microsoft.com/office/drawing/2010/main">
+            <mc:Choice Requires="a14">
+              <p:sp>
+                <p:nvSpPr>
+                  <p:cNvPr id="183" name="TextBox 182"/>
+                  <p:cNvSpPr txBox="1"/>
+                  <p:nvPr/>
+                </p:nvSpPr>
+                <p:spPr>
+                  <a:xfrm>
+                    <a:off x="3877518" y="2214542"/>
+                    <a:ext cx="320304" cy="246221"/>
+                  </a:xfrm>
+                  <a:prstGeom prst="rect">
+                    <a:avLst/>
+                  </a:prstGeom>
+                  <a:noFill/>
+                </p:spPr>
+                <p:txBody>
+                  <a:bodyPr wrap="square" rtlCol="0">
+                    <a:spAutoFit/>
+                  </a:bodyPr>
+                  <a:lstStyle/>
+                  <a:p>
+                    <a:pPr/>
+                    <a14:m>
+                      <m:oMathPara xmlns:m="http://schemas.openxmlformats.org/officeDocument/2006/math">
+                        <m:oMathParaPr>
+                          <m:jc m:val="centerGroup"/>
+                        </m:oMathParaPr>
+                        <m:oMath xmlns:m="http://schemas.openxmlformats.org/officeDocument/2006/math">
+                          <m:r>
+                            <a:rPr lang="en-US" sz="1000" b="0" i="1" smtClean="0">
+                              <a:solidFill>
+                                <a:schemeClr val="tx1">
+                                  <a:lumMod val="50000"/>
+                                  <a:lumOff val="50000"/>
+                                </a:schemeClr>
+                              </a:solidFill>
+                              <a:latin typeface="Cambria Math" panose="02040503050406030204" pitchFamily="18" charset="0"/>
+                              <a:cs typeface="Times New Roman" panose="02020603050405020304" pitchFamily="18" charset="0"/>
+                            </a:rPr>
+                            <m:t>𝐹</m:t>
+                          </m:r>
+                        </m:oMath>
+                      </m:oMathPara>
+                    </a14:m>
+                    <a:endParaRPr lang="en-US" sz="1000" dirty="0">
+                      <a:solidFill>
+                        <a:schemeClr val="tx1">
+                          <a:lumMod val="50000"/>
+                          <a:lumOff val="50000"/>
+                        </a:schemeClr>
+                      </a:solidFill>
+                      <a:latin typeface="Times New Roman" panose="02020603050405020304" pitchFamily="18" charset="0"/>
+                      <a:cs typeface="Times New Roman" panose="02020603050405020304" pitchFamily="18" charset="0"/>
+                    </a:endParaRPr>
+                  </a:p>
+                </p:txBody>
+              </p:sp>
+            </mc:Choice>
+            <mc:Fallback xmlns="">
+              <p:sp>
+                <p:nvSpPr>
+                  <p:cNvPr id="183" name="TextBox 182"/>
+                  <p:cNvSpPr txBox="1">
+                    <a:spLocks noRot="1" noChangeAspect="1" noMove="1" noResize="1" noEditPoints="1" noAdjustHandles="1" noChangeArrowheads="1" noChangeShapeType="1" noTextEdit="1"/>
+                  </p:cNvSpPr>
+                  <p:nvPr/>
+                </p:nvSpPr>
+                <p:spPr>
+                  <a:xfrm>
+                    <a:off x="3877518" y="2214542"/>
+                    <a:ext cx="320304" cy="246221"/>
+                  </a:xfrm>
+                  <a:prstGeom prst="rect">
+                    <a:avLst/>
+                  </a:prstGeom>
+                  <a:blipFill>
+                    <a:blip r:embed="rId10"/>
+                    <a:stretch>
+                      <a:fillRect/>
+                    </a:stretch>
+                  </a:blipFill>
+                </p:spPr>
+                <p:txBody>
+                  <a:bodyPr/>
+                  <a:lstStyle/>
+                  <a:p>
+                    <a:r>
+                      <a:rPr lang="en-US">
+                        <a:noFill/>
+                      </a:rPr>
+                      <a:t> </a:t>
+                    </a:r>
+                  </a:p>
+                </p:txBody>
+              </p:sp>
+            </mc:Fallback>
+          </mc:AlternateContent>
+        </p:grpSp>
+        <p:cxnSp>
+          <p:nvCxnSpPr>
+            <p:cNvPr id="90" name="Straight Connector 89"/>
+            <p:cNvCxnSpPr/>
+            <p:nvPr/>
+          </p:nvCxnSpPr>
+          <p:spPr>
+            <a:xfrm>
+              <a:off x="96568" y="3001669"/>
+              <a:ext cx="4899295" cy="1916406"/>
+            </a:xfrm>
+            <a:prstGeom prst="line">
+              <a:avLst/>
+            </a:prstGeom>
+            <a:ln w="12700" cap="rnd">
+              <a:solidFill>
+                <a:srgbClr val="00FF99"/>
+              </a:solidFill>
+              <a:prstDash val="dash"/>
+            </a:ln>
+          </p:spPr>
+          <p:style>
+            <a:lnRef idx="1">
+              <a:schemeClr val="accent1"/>
+            </a:lnRef>
+            <a:fillRef idx="0">
+              <a:schemeClr val="accent1"/>
+            </a:fillRef>
+            <a:effectRef idx="0">
+              <a:schemeClr val="accent1"/>
+            </a:effectRef>
+            <a:fontRef idx="minor">
+              <a:schemeClr val="tx1"/>
+            </a:fontRef>
+          </p:style>
+        </p:cxnSp>
+        <p:cxnSp>
+          <p:nvCxnSpPr>
+            <p:cNvPr id="49" name="Straight Connector 48"/>
+            <p:cNvCxnSpPr/>
+            <p:nvPr/>
+          </p:nvCxnSpPr>
+          <p:spPr>
+            <a:xfrm>
+              <a:off x="81307" y="3416663"/>
+              <a:ext cx="4909316" cy="1418710"/>
+            </a:xfrm>
+            <a:prstGeom prst="line">
+              <a:avLst/>
+            </a:prstGeom>
+            <a:ln w="9525" cap="rnd">
+              <a:solidFill>
+                <a:schemeClr val="tx1">
+                  <a:lumMod val="50000"/>
+                  <a:lumOff val="50000"/>
+                  <a:alpha val="88000"/>
+                </a:schemeClr>
+              </a:solidFill>
+              <a:prstDash val="dash"/>
+            </a:ln>
+          </p:spPr>
+          <p:style>
+            <a:lnRef idx="1">
+              <a:schemeClr val="accent1"/>
+            </a:lnRef>
+            <a:fillRef idx="0">
+              <a:schemeClr val="accent1"/>
+            </a:fillRef>
+            <a:effectRef idx="0">
+              <a:schemeClr val="accent1"/>
+            </a:effectRef>
+            <a:fontRef idx="minor">
+              <a:schemeClr val="tx1"/>
+            </a:fontRef>
+          </p:style>
+        </p:cxnSp>
+        <p:cxnSp>
+          <p:nvCxnSpPr>
+            <p:cNvPr id="50" name="Straight Connector 49"/>
+            <p:cNvCxnSpPr/>
+            <p:nvPr/>
+          </p:nvCxnSpPr>
+          <p:spPr>
+            <a:xfrm>
+              <a:off x="546811" y="2812518"/>
+              <a:ext cx="4453164" cy="2188434"/>
+            </a:xfrm>
+            <a:prstGeom prst="line">
+              <a:avLst/>
+            </a:prstGeom>
+            <a:ln w="9525" cap="rnd">
+              <a:solidFill>
+                <a:schemeClr val="tx1">
+                  <a:lumMod val="50000"/>
+                  <a:lumOff val="50000"/>
+                  <a:alpha val="88000"/>
+                </a:schemeClr>
+              </a:solidFill>
+              <a:prstDash val="dash"/>
+            </a:ln>
+          </p:spPr>
+          <p:style>
+            <a:lnRef idx="1">
+              <a:schemeClr val="accent1"/>
+            </a:lnRef>
+            <a:fillRef idx="0">
+              <a:schemeClr val="accent1"/>
+            </a:fillRef>
+            <a:effectRef idx="0">
+              <a:schemeClr val="accent1"/>
+            </a:effectRef>
+            <a:fontRef idx="minor">
+              <a:schemeClr val="tx1"/>
+            </a:fontRef>
+          </p:style>
+        </p:cxnSp>
+      </p:grpSp>
+    </p:spTree>
+    <p:extLst>
+      <p:ext uri="{BB962C8B-B14F-4D97-AF65-F5344CB8AC3E}">
+        <p14:creationId xmlns:p14="http://schemas.microsoft.com/office/powerpoint/2010/main" val="2833853096"/>
       </p:ext>
     </p:extLst>
   </p:cSld>
